--- a/LinearList/LinkedList/C/LinkedList.pptx
+++ b/LinearList/LinkedList/C/LinkedList.pptx
@@ -13,6 +13,14 @@
     <p:sldId id="261" r:id="rId7"/>
     <p:sldId id="262" r:id="rId8"/>
     <p:sldId id="263" r:id="rId9"/>
+    <p:sldId id="264" r:id="rId10"/>
+    <p:sldId id="265" r:id="rId11"/>
+    <p:sldId id="266" r:id="rId12"/>
+    <p:sldId id="267" r:id="rId13"/>
+    <p:sldId id="268" r:id="rId14"/>
+    <p:sldId id="269" r:id="rId15"/>
+    <p:sldId id="270" r:id="rId16"/>
+    <p:sldId id="271" r:id="rId17"/>
   </p:sldIdLst>
   <p:sldSz cx="9144000" cy="6858000" type="screen4x3"/>
   <p:notesSz cx="6858000" cy="9144000"/>
@@ -111,6 +119,32 @@
       </a:defRPr>
     </a:lvl9pPr>
   </p:defaultTextStyle>
+  <p:extLst>
+    <p:ext uri="{521415D9-36F7-43E2-AB2F-B90AF26B5E84}">
+      <p14:sectionLst xmlns:p14="http://schemas.microsoft.com/office/powerpoint/2010/main">
+        <p14:section name="預設章節" id="{2C8E3A6F-E26F-44D2-ABB7-62F6DD19E973}">
+          <p14:sldIdLst>
+            <p14:sldId id="256"/>
+            <p14:sldId id="257"/>
+            <p14:sldId id="258"/>
+            <p14:sldId id="259"/>
+            <p14:sldId id="260"/>
+            <p14:sldId id="261"/>
+            <p14:sldId id="262"/>
+            <p14:sldId id="263"/>
+            <p14:sldId id="264"/>
+            <p14:sldId id="265"/>
+            <p14:sldId id="266"/>
+            <p14:sldId id="267"/>
+            <p14:sldId id="268"/>
+            <p14:sldId id="269"/>
+            <p14:sldId id="270"/>
+            <p14:sldId id="271"/>
+          </p14:sldIdLst>
+        </p14:section>
+      </p14:sectionLst>
+    </p:ext>
+  </p:extLst>
 </p:presentation>
 </file>
 
@@ -295,7 +329,7 @@
           <a:p>
             <a:fld id="{413C92D1-3EC5-4FA8-9B03-381DF27FA7B4}" type="datetimeFigureOut">
               <a:rPr lang="zh-TW" altLang="en-US" smtClean="0"/>
-              <a:t>2016/10/21</a:t>
+              <a:t>2016/10/25</a:t>
             </a:fld>
             <a:endParaRPr lang="zh-TW" altLang="en-US"/>
           </a:p>
@@ -465,7 +499,7 @@
           <a:p>
             <a:fld id="{413C92D1-3EC5-4FA8-9B03-381DF27FA7B4}" type="datetimeFigureOut">
               <a:rPr lang="zh-TW" altLang="en-US" smtClean="0"/>
-              <a:t>2016/10/21</a:t>
+              <a:t>2016/10/25</a:t>
             </a:fld>
             <a:endParaRPr lang="zh-TW" altLang="en-US"/>
           </a:p>
@@ -645,7 +679,7 @@
           <a:p>
             <a:fld id="{413C92D1-3EC5-4FA8-9B03-381DF27FA7B4}" type="datetimeFigureOut">
               <a:rPr lang="zh-TW" altLang="en-US" smtClean="0"/>
-              <a:t>2016/10/21</a:t>
+              <a:t>2016/10/25</a:t>
             </a:fld>
             <a:endParaRPr lang="zh-TW" altLang="en-US"/>
           </a:p>
@@ -815,7 +849,7 @@
           <a:p>
             <a:fld id="{413C92D1-3EC5-4FA8-9B03-381DF27FA7B4}" type="datetimeFigureOut">
               <a:rPr lang="zh-TW" altLang="en-US" smtClean="0"/>
-              <a:t>2016/10/21</a:t>
+              <a:t>2016/10/25</a:t>
             </a:fld>
             <a:endParaRPr lang="zh-TW" altLang="en-US"/>
           </a:p>
@@ -1061,7 +1095,7 @@
           <a:p>
             <a:fld id="{413C92D1-3EC5-4FA8-9B03-381DF27FA7B4}" type="datetimeFigureOut">
               <a:rPr lang="zh-TW" altLang="en-US" smtClean="0"/>
-              <a:t>2016/10/21</a:t>
+              <a:t>2016/10/25</a:t>
             </a:fld>
             <a:endParaRPr lang="zh-TW" altLang="en-US"/>
           </a:p>
@@ -1349,7 +1383,7 @@
           <a:p>
             <a:fld id="{413C92D1-3EC5-4FA8-9B03-381DF27FA7B4}" type="datetimeFigureOut">
               <a:rPr lang="zh-TW" altLang="en-US" smtClean="0"/>
-              <a:t>2016/10/21</a:t>
+              <a:t>2016/10/25</a:t>
             </a:fld>
             <a:endParaRPr lang="zh-TW" altLang="en-US"/>
           </a:p>
@@ -1771,7 +1805,7 @@
           <a:p>
             <a:fld id="{413C92D1-3EC5-4FA8-9B03-381DF27FA7B4}" type="datetimeFigureOut">
               <a:rPr lang="zh-TW" altLang="en-US" smtClean="0"/>
-              <a:t>2016/10/21</a:t>
+              <a:t>2016/10/25</a:t>
             </a:fld>
             <a:endParaRPr lang="zh-TW" altLang="en-US"/>
           </a:p>
@@ -1889,7 +1923,7 @@
           <a:p>
             <a:fld id="{413C92D1-3EC5-4FA8-9B03-381DF27FA7B4}" type="datetimeFigureOut">
               <a:rPr lang="zh-TW" altLang="en-US" smtClean="0"/>
-              <a:t>2016/10/21</a:t>
+              <a:t>2016/10/25</a:t>
             </a:fld>
             <a:endParaRPr lang="zh-TW" altLang="en-US"/>
           </a:p>
@@ -1984,7 +2018,7 @@
           <a:p>
             <a:fld id="{413C92D1-3EC5-4FA8-9B03-381DF27FA7B4}" type="datetimeFigureOut">
               <a:rPr lang="zh-TW" altLang="en-US" smtClean="0"/>
-              <a:t>2016/10/21</a:t>
+              <a:t>2016/10/25</a:t>
             </a:fld>
             <a:endParaRPr lang="zh-TW" altLang="en-US"/>
           </a:p>
@@ -2261,7 +2295,7 @@
           <a:p>
             <a:fld id="{413C92D1-3EC5-4FA8-9B03-381DF27FA7B4}" type="datetimeFigureOut">
               <a:rPr lang="zh-TW" altLang="en-US" smtClean="0"/>
-              <a:t>2016/10/21</a:t>
+              <a:t>2016/10/25</a:t>
             </a:fld>
             <a:endParaRPr lang="zh-TW" altLang="en-US"/>
           </a:p>
@@ -2514,7 +2548,7 @@
           <a:p>
             <a:fld id="{413C92D1-3EC5-4FA8-9B03-381DF27FA7B4}" type="datetimeFigureOut">
               <a:rPr lang="zh-TW" altLang="en-US" smtClean="0"/>
-              <a:t>2016/10/21</a:t>
+              <a:t>2016/10/25</a:t>
             </a:fld>
             <a:endParaRPr lang="zh-TW" altLang="en-US"/>
           </a:p>
@@ -2727,7 +2761,7 @@
           <a:p>
             <a:fld id="{413C92D1-3EC5-4FA8-9B03-381DF27FA7B4}" type="datetimeFigureOut">
               <a:rPr lang="zh-TW" altLang="en-US" smtClean="0"/>
-              <a:t>2016/10/21</a:t>
+              <a:t>2016/10/25</a:t>
             </a:fld>
             <a:endParaRPr lang="zh-TW" altLang="en-US"/>
           </a:p>
@@ -3761,6 +3795,6497 @@
 </p:sld>
 </file>
 
+<file path=ppt/slides/slide10.xml><?xml version="1.0" encoding="utf-8"?>
+<p:sld xmlns:a="http://schemas.openxmlformats.org/drawingml/2006/main" xmlns:r="http://schemas.openxmlformats.org/officeDocument/2006/relationships" xmlns:p="http://schemas.openxmlformats.org/presentationml/2006/main">
+  <p:cSld>
+    <p:spTree>
+      <p:nvGrpSpPr>
+        <p:cNvPr id="1" name=""/>
+        <p:cNvGrpSpPr/>
+        <p:nvPr/>
+      </p:nvGrpSpPr>
+      <p:grpSpPr>
+        <a:xfrm>
+          <a:off x="0" y="0"/>
+          <a:ext cx="0" cy="0"/>
+          <a:chOff x="0" y="0"/>
+          <a:chExt cx="0" cy="0"/>
+        </a:xfrm>
+      </p:grpSpPr>
+      <p:cxnSp>
+        <p:nvCxnSpPr>
+          <p:cNvPr id="22" name="直線單箭頭接點 21"/>
+          <p:cNvCxnSpPr/>
+          <p:nvPr/>
+        </p:nvCxnSpPr>
+        <p:spPr>
+          <a:xfrm>
+            <a:off x="728471" y="1484784"/>
+            <a:ext cx="999211" cy="0"/>
+          </a:xfrm>
+          <a:prstGeom prst="straightConnector1">
+            <a:avLst/>
+          </a:prstGeom>
+          <a:ln w="28575">
+            <a:tailEnd type="arrow"/>
+          </a:ln>
+        </p:spPr>
+        <p:style>
+          <a:lnRef idx="2">
+            <a:schemeClr val="dk1"/>
+          </a:lnRef>
+          <a:fillRef idx="0">
+            <a:schemeClr val="dk1"/>
+          </a:fillRef>
+          <a:effectRef idx="1">
+            <a:schemeClr val="dk1"/>
+          </a:effectRef>
+          <a:fontRef idx="minor">
+            <a:schemeClr val="tx1"/>
+          </a:fontRef>
+        </p:style>
+      </p:cxnSp>
+      <p:sp>
+        <p:nvSpPr>
+          <p:cNvPr id="3" name="矩形 2"/>
+          <p:cNvSpPr/>
+          <p:nvPr/>
+        </p:nvSpPr>
+        <p:spPr>
+          <a:xfrm>
+            <a:off x="816744" y="1052736"/>
+            <a:ext cx="783187" cy="369332"/>
+          </a:xfrm>
+          <a:prstGeom prst="rect">
+            <a:avLst/>
+          </a:prstGeom>
+        </p:spPr>
+        <p:txBody>
+          <a:bodyPr wrap="square">
+            <a:spAutoFit/>
+          </a:bodyPr>
+          <a:lstStyle/>
+          <a:p>
+            <a:r>
+              <a:rPr lang="en-US" altLang="zh-TW" dirty="0" err="1" smtClean="0"/>
+              <a:t>ListPtr</a:t>
+            </a:r>
+            <a:endParaRPr lang="zh-TW" altLang="en-US" dirty="0"/>
+          </a:p>
+        </p:txBody>
+      </p:sp>
+      <p:sp>
+        <p:nvSpPr>
+          <p:cNvPr id="25" name="矩形 24"/>
+          <p:cNvSpPr/>
+          <p:nvPr/>
+        </p:nvSpPr>
+        <p:spPr>
+          <a:xfrm>
+            <a:off x="1727682" y="1280903"/>
+            <a:ext cx="1476166" cy="407761"/>
+          </a:xfrm>
+          <a:prstGeom prst="rect">
+            <a:avLst/>
+          </a:prstGeom>
+          <a:solidFill>
+            <a:schemeClr val="accent1">
+              <a:lumMod val="40000"/>
+              <a:lumOff val="60000"/>
+            </a:schemeClr>
+          </a:solidFill>
+          <a:ln>
+            <a:solidFill>
+              <a:schemeClr val="tx1"/>
+            </a:solidFill>
+          </a:ln>
+        </p:spPr>
+        <p:style>
+          <a:lnRef idx="2">
+            <a:schemeClr val="accent1">
+              <a:shade val="50000"/>
+            </a:schemeClr>
+          </a:lnRef>
+          <a:fillRef idx="1">
+            <a:schemeClr val="accent1"/>
+          </a:fillRef>
+          <a:effectRef idx="0">
+            <a:schemeClr val="accent1"/>
+          </a:effectRef>
+          <a:fontRef idx="minor">
+            <a:schemeClr val="lt1"/>
+          </a:fontRef>
+        </p:style>
+        <p:txBody>
+          <a:bodyPr rtlCol="0" anchor="ctr"/>
+          <a:lstStyle/>
+          <a:p>
+            <a:pPr algn="ctr"/>
+            <a:r>
+              <a:rPr lang="en-US" altLang="zh-TW" sz="1200" dirty="0" err="1" smtClean="0">
+                <a:solidFill>
+                  <a:schemeClr val="tx1"/>
+                </a:solidFill>
+              </a:rPr>
+              <a:t>NodePtr</a:t>
+            </a:r>
+            <a:r>
+              <a:rPr lang="zh-TW" altLang="en-US" sz="1200" dirty="0" smtClean="0">
+                <a:solidFill>
+                  <a:schemeClr val="tx1"/>
+                </a:solidFill>
+              </a:rPr>
+              <a:t> </a:t>
+            </a:r>
+            <a:r>
+              <a:rPr lang="en-US" altLang="zh-TW" sz="1200" dirty="0" smtClean="0">
+                <a:solidFill>
+                  <a:schemeClr val="tx1"/>
+                </a:solidFill>
+              </a:rPr>
+              <a:t>(</a:t>
+            </a:r>
+            <a:r>
+              <a:rPr lang="en-US" altLang="zh-TW" sz="1200" dirty="0" err="1">
+                <a:solidFill>
+                  <a:schemeClr val="tx1"/>
+                </a:solidFill>
+              </a:rPr>
+              <a:t>headPtr</a:t>
+            </a:r>
+            <a:r>
+              <a:rPr lang="en-US" altLang="zh-TW" sz="1200" dirty="0">
+                <a:solidFill>
+                  <a:schemeClr val="tx1"/>
+                </a:solidFill>
+              </a:rPr>
+              <a:t>)</a:t>
+            </a:r>
+            <a:endParaRPr lang="zh-TW" altLang="en-US" baseline="-25000" dirty="0">
+              <a:solidFill>
+                <a:schemeClr val="tx1"/>
+              </a:solidFill>
+            </a:endParaRPr>
+          </a:p>
+        </p:txBody>
+      </p:sp>
+      <p:sp>
+        <p:nvSpPr>
+          <p:cNvPr id="38" name="左大括弧 37"/>
+          <p:cNvSpPr/>
+          <p:nvPr/>
+        </p:nvSpPr>
+        <p:spPr>
+          <a:xfrm rot="5400000">
+            <a:off x="2329233" y="322138"/>
+            <a:ext cx="288032" cy="1461197"/>
+          </a:xfrm>
+          <a:prstGeom prst="leftBrace">
+            <a:avLst>
+              <a:gd name="adj1" fmla="val 30076"/>
+              <a:gd name="adj2" fmla="val 50000"/>
+            </a:avLst>
+          </a:prstGeom>
+        </p:spPr>
+        <p:style>
+          <a:lnRef idx="2">
+            <a:schemeClr val="dk1"/>
+          </a:lnRef>
+          <a:fillRef idx="0">
+            <a:schemeClr val="dk1"/>
+          </a:fillRef>
+          <a:effectRef idx="1">
+            <a:schemeClr val="dk1"/>
+          </a:effectRef>
+          <a:fontRef idx="minor">
+            <a:schemeClr val="tx1"/>
+          </a:fontRef>
+        </p:style>
+        <p:txBody>
+          <a:bodyPr rtlCol="0" anchor="ctr"/>
+          <a:lstStyle/>
+          <a:p>
+            <a:pPr algn="ctr"/>
+            <a:endParaRPr lang="zh-TW" altLang="en-US"/>
+          </a:p>
+        </p:txBody>
+      </p:sp>
+      <p:sp>
+        <p:nvSpPr>
+          <p:cNvPr id="39" name="文字方塊 38"/>
+          <p:cNvSpPr txBox="1"/>
+          <p:nvPr/>
+        </p:nvSpPr>
+        <p:spPr>
+          <a:xfrm>
+            <a:off x="2216017" y="476672"/>
+            <a:ext cx="499496" cy="369332"/>
+          </a:xfrm>
+          <a:prstGeom prst="rect">
+            <a:avLst/>
+          </a:prstGeom>
+        </p:spPr>
+        <p:style>
+          <a:lnRef idx="2">
+            <a:schemeClr val="accent6"/>
+          </a:lnRef>
+          <a:fillRef idx="1">
+            <a:schemeClr val="lt1"/>
+          </a:fillRef>
+          <a:effectRef idx="0">
+            <a:schemeClr val="accent6"/>
+          </a:effectRef>
+          <a:fontRef idx="minor">
+            <a:schemeClr val="dk1"/>
+          </a:fontRef>
+        </p:style>
+        <p:txBody>
+          <a:bodyPr wrap="none" rtlCol="0">
+            <a:spAutoFit/>
+          </a:bodyPr>
+          <a:lstStyle/>
+          <a:p>
+            <a:r>
+              <a:rPr lang="en-US" altLang="zh-TW" dirty="0"/>
+              <a:t>List</a:t>
+            </a:r>
+            <a:endParaRPr lang="zh-TW" altLang="en-US" dirty="0"/>
+          </a:p>
+        </p:txBody>
+      </p:sp>
+      <p:sp>
+        <p:nvSpPr>
+          <p:cNvPr id="30" name="矩形 29"/>
+          <p:cNvSpPr/>
+          <p:nvPr/>
+        </p:nvSpPr>
+        <p:spPr>
+          <a:xfrm>
+            <a:off x="3779912" y="2132856"/>
+            <a:ext cx="792087" cy="407761"/>
+          </a:xfrm>
+          <a:prstGeom prst="rect">
+            <a:avLst/>
+          </a:prstGeom>
+          <a:solidFill>
+            <a:srgbClr val="92D050"/>
+          </a:solidFill>
+          <a:ln>
+            <a:solidFill>
+              <a:schemeClr val="tx1"/>
+            </a:solidFill>
+          </a:ln>
+        </p:spPr>
+        <p:style>
+          <a:lnRef idx="2">
+            <a:schemeClr val="accent1">
+              <a:shade val="50000"/>
+            </a:schemeClr>
+          </a:lnRef>
+          <a:fillRef idx="1">
+            <a:schemeClr val="accent1"/>
+          </a:fillRef>
+          <a:effectRef idx="0">
+            <a:schemeClr val="accent1"/>
+          </a:effectRef>
+          <a:fontRef idx="minor">
+            <a:schemeClr val="lt1"/>
+          </a:fontRef>
+        </p:style>
+        <p:txBody>
+          <a:bodyPr rtlCol="0" anchor="ctr"/>
+          <a:lstStyle/>
+          <a:p>
+            <a:pPr algn="ctr"/>
+            <a:r>
+              <a:rPr lang="en-US" altLang="zh-TW" dirty="0" smtClean="0">
+                <a:solidFill>
+                  <a:schemeClr val="tx1"/>
+                </a:solidFill>
+              </a:rPr>
+              <a:t>data</a:t>
+            </a:r>
+            <a:endParaRPr lang="zh-TW" altLang="en-US" baseline="-25000" dirty="0">
+              <a:solidFill>
+                <a:schemeClr val="tx1"/>
+              </a:solidFill>
+            </a:endParaRPr>
+          </a:p>
+        </p:txBody>
+      </p:sp>
+      <p:sp>
+        <p:nvSpPr>
+          <p:cNvPr id="32" name="矩形 31"/>
+          <p:cNvSpPr/>
+          <p:nvPr/>
+        </p:nvSpPr>
+        <p:spPr>
+          <a:xfrm>
+            <a:off x="4571999" y="2132856"/>
+            <a:ext cx="288033" cy="407761"/>
+          </a:xfrm>
+          <a:prstGeom prst="rect">
+            <a:avLst/>
+          </a:prstGeom>
+          <a:solidFill>
+            <a:schemeClr val="bg1"/>
+          </a:solidFill>
+          <a:ln>
+            <a:solidFill>
+              <a:schemeClr val="tx1"/>
+            </a:solidFill>
+          </a:ln>
+        </p:spPr>
+        <p:style>
+          <a:lnRef idx="2">
+            <a:schemeClr val="accent1">
+              <a:shade val="50000"/>
+            </a:schemeClr>
+          </a:lnRef>
+          <a:fillRef idx="1">
+            <a:schemeClr val="accent1"/>
+          </a:fillRef>
+          <a:effectRef idx="0">
+            <a:schemeClr val="accent1"/>
+          </a:effectRef>
+          <a:fontRef idx="minor">
+            <a:schemeClr val="lt1"/>
+          </a:fontRef>
+        </p:style>
+        <p:txBody>
+          <a:bodyPr rtlCol="0" anchor="ctr"/>
+          <a:lstStyle/>
+          <a:p>
+            <a:pPr algn="ctr"/>
+            <a:endParaRPr lang="zh-TW" altLang="en-US" dirty="0">
+              <a:solidFill>
+                <a:schemeClr val="tx1"/>
+              </a:solidFill>
+            </a:endParaRPr>
+          </a:p>
+        </p:txBody>
+      </p:sp>
+      <p:cxnSp>
+        <p:nvCxnSpPr>
+          <p:cNvPr id="34" name="直線單箭頭接點 33"/>
+          <p:cNvCxnSpPr/>
+          <p:nvPr/>
+        </p:nvCxnSpPr>
+        <p:spPr>
+          <a:xfrm>
+            <a:off x="3059832" y="1489019"/>
+            <a:ext cx="720081" cy="643837"/>
+          </a:xfrm>
+          <a:prstGeom prst="straightConnector1">
+            <a:avLst/>
+          </a:prstGeom>
+          <a:ln w="19050">
+            <a:tailEnd type="arrow"/>
+          </a:ln>
+        </p:spPr>
+        <p:style>
+          <a:lnRef idx="2">
+            <a:schemeClr val="dk1"/>
+          </a:lnRef>
+          <a:fillRef idx="0">
+            <a:schemeClr val="dk1"/>
+          </a:fillRef>
+          <a:effectRef idx="1">
+            <a:schemeClr val="dk1"/>
+          </a:effectRef>
+          <a:fontRef idx="minor">
+            <a:schemeClr val="tx1"/>
+          </a:fontRef>
+        </p:style>
+      </p:cxnSp>
+      <p:sp>
+        <p:nvSpPr>
+          <p:cNvPr id="36" name="矩形 35"/>
+          <p:cNvSpPr/>
+          <p:nvPr/>
+        </p:nvSpPr>
+        <p:spPr>
+          <a:xfrm>
+            <a:off x="3553933" y="1503160"/>
+            <a:ext cx="1471818" cy="307777"/>
+          </a:xfrm>
+          <a:prstGeom prst="rect">
+            <a:avLst/>
+          </a:prstGeom>
+        </p:spPr>
+        <p:txBody>
+          <a:bodyPr wrap="square">
+            <a:spAutoFit/>
+          </a:bodyPr>
+          <a:lstStyle/>
+          <a:p>
+            <a:r>
+              <a:rPr lang="en-US" altLang="zh-TW" sz="1400" dirty="0" smtClean="0">
+                <a:latin typeface="微軟正黑體" panose="020B0604030504040204" pitchFamily="34" charset="-120"/>
+                <a:ea typeface="微軟正黑體" panose="020B0604030504040204" pitchFamily="34" charset="-120"/>
+              </a:rPr>
+              <a:t>(3) </a:t>
+            </a:r>
+            <a:r>
+              <a:rPr lang="zh-TW" altLang="en-US" sz="1400" dirty="0" smtClean="0"/>
+              <a:t>指向新</a:t>
+            </a:r>
+            <a:r>
+              <a:rPr lang="en-US" altLang="zh-TW" sz="1400" dirty="0"/>
+              <a:t> </a:t>
+            </a:r>
+            <a:r>
+              <a:rPr lang="en-US" altLang="zh-TW" sz="1400" dirty="0" smtClean="0"/>
+              <a:t>Node</a:t>
+            </a:r>
+          </a:p>
+        </p:txBody>
+      </p:sp>
+      <p:cxnSp>
+        <p:nvCxnSpPr>
+          <p:cNvPr id="40" name="直線單箭頭接點 39"/>
+          <p:cNvCxnSpPr/>
+          <p:nvPr/>
+        </p:nvCxnSpPr>
+        <p:spPr>
+          <a:xfrm>
+            <a:off x="4685176" y="2377000"/>
+            <a:ext cx="720080" cy="0"/>
+          </a:xfrm>
+          <a:prstGeom prst="straightConnector1">
+            <a:avLst/>
+          </a:prstGeom>
+          <a:ln w="19050">
+            <a:tailEnd type="arrow"/>
+          </a:ln>
+        </p:spPr>
+        <p:style>
+          <a:lnRef idx="2">
+            <a:schemeClr val="dk1"/>
+          </a:lnRef>
+          <a:fillRef idx="0">
+            <a:schemeClr val="dk1"/>
+          </a:fillRef>
+          <a:effectRef idx="1">
+            <a:schemeClr val="dk1"/>
+          </a:effectRef>
+          <a:fontRef idx="minor">
+            <a:schemeClr val="tx1"/>
+          </a:fontRef>
+        </p:style>
+      </p:cxnSp>
+      <p:sp>
+        <p:nvSpPr>
+          <p:cNvPr id="41" name="矩形 40"/>
+          <p:cNvSpPr/>
+          <p:nvPr/>
+        </p:nvSpPr>
+        <p:spPr>
+          <a:xfrm>
+            <a:off x="5405257" y="2173119"/>
+            <a:ext cx="576064" cy="369332"/>
+          </a:xfrm>
+          <a:prstGeom prst="rect">
+            <a:avLst/>
+          </a:prstGeom>
+        </p:spPr>
+        <p:txBody>
+          <a:bodyPr wrap="square">
+            <a:spAutoFit/>
+          </a:bodyPr>
+          <a:lstStyle/>
+          <a:p>
+            <a:r>
+              <a:rPr lang="en-US" altLang="zh-TW" dirty="0" smtClean="0">
+                <a:solidFill>
+                  <a:srgbClr val="C00000"/>
+                </a:solidFill>
+              </a:rPr>
+              <a:t>Null</a:t>
+            </a:r>
+            <a:endParaRPr lang="zh-TW" altLang="en-US" dirty="0">
+              <a:solidFill>
+                <a:srgbClr val="C00000"/>
+              </a:solidFill>
+            </a:endParaRPr>
+          </a:p>
+        </p:txBody>
+      </p:sp>
+      <p:sp>
+        <p:nvSpPr>
+          <p:cNvPr id="14" name="矩形 13"/>
+          <p:cNvSpPr/>
+          <p:nvPr/>
+        </p:nvSpPr>
+        <p:spPr>
+          <a:xfrm>
+            <a:off x="0" y="0"/>
+            <a:ext cx="9144000" cy="369332"/>
+          </a:xfrm>
+          <a:prstGeom prst="rect">
+            <a:avLst/>
+          </a:prstGeom>
+          <a:solidFill>
+            <a:schemeClr val="accent1">
+              <a:lumMod val="40000"/>
+              <a:lumOff val="60000"/>
+            </a:schemeClr>
+          </a:solidFill>
+        </p:spPr>
+        <p:txBody>
+          <a:bodyPr wrap="square">
+            <a:spAutoFit/>
+          </a:bodyPr>
+          <a:lstStyle/>
+          <a:p>
+            <a:r>
+              <a:rPr lang="zh-TW" altLang="en-US" dirty="0">
+                <a:latin typeface="微軟正黑體" panose="020B0604030504040204" pitchFamily="34" charset="-120"/>
+                <a:ea typeface="微軟正黑體" panose="020B0604030504040204" pitchFamily="34" charset="-120"/>
+              </a:rPr>
+              <a:t>頭</a:t>
+            </a:r>
+            <a:r>
+              <a:rPr lang="zh-TW" altLang="en-US" dirty="0" smtClean="0">
+                <a:latin typeface="微軟正黑體" panose="020B0604030504040204" pitchFamily="34" charset="-120"/>
+                <a:ea typeface="微軟正黑體" panose="020B0604030504040204" pitchFamily="34" charset="-120"/>
+              </a:rPr>
+              <a:t>插法 </a:t>
+            </a:r>
+            <a:r>
+              <a:rPr lang="en-US" altLang="zh-TW" dirty="0" err="1" smtClean="0">
+                <a:latin typeface="微軟正黑體" panose="020B0604030504040204" pitchFamily="34" charset="-120"/>
+                <a:ea typeface="微軟正黑體" panose="020B0604030504040204" pitchFamily="34" charset="-120"/>
+              </a:rPr>
+              <a:t>ListInsertHead</a:t>
+            </a:r>
+            <a:r>
+              <a:rPr lang="en-US" altLang="zh-TW" dirty="0" smtClean="0">
+                <a:latin typeface="微軟正黑體" panose="020B0604030504040204" pitchFamily="34" charset="-120"/>
+                <a:ea typeface="微軟正黑體" panose="020B0604030504040204" pitchFamily="34" charset="-120"/>
+              </a:rPr>
+              <a:t>() </a:t>
+            </a:r>
+            <a:r>
+              <a:rPr lang="en-US" altLang="zh-TW" dirty="0" err="1">
+                <a:latin typeface="微軟正黑體" panose="020B0604030504040204" pitchFamily="34" charset="-120"/>
+                <a:ea typeface="微軟正黑體" panose="020B0604030504040204" pitchFamily="34" charset="-120"/>
+              </a:rPr>
+              <a:t>headPtr</a:t>
+            </a:r>
+            <a:r>
+              <a:rPr lang="zh-TW" altLang="en-US" dirty="0">
+                <a:latin typeface="微軟正黑體" panose="020B0604030504040204" pitchFamily="34" charset="-120"/>
+                <a:ea typeface="微軟正黑體" panose="020B0604030504040204" pitchFamily="34" charset="-120"/>
+              </a:rPr>
+              <a:t> </a:t>
+            </a:r>
+            <a:r>
+              <a:rPr lang="zh-TW" altLang="en-US" dirty="0" smtClean="0">
+                <a:latin typeface="微軟正黑體" panose="020B0604030504040204" pitchFamily="34" charset="-120"/>
+                <a:ea typeface="微軟正黑體" panose="020B0604030504040204" pitchFamily="34" charset="-120"/>
+              </a:rPr>
+              <a:t>指向 </a:t>
+            </a:r>
+            <a:r>
+              <a:rPr lang="en-US" altLang="zh-TW" dirty="0">
+                <a:latin typeface="微軟正黑體" panose="020B0604030504040204" pitchFamily="34" charset="-120"/>
+                <a:ea typeface="微軟正黑體" panose="020B0604030504040204" pitchFamily="34" charset="-120"/>
+              </a:rPr>
+              <a:t>Null</a:t>
+            </a:r>
+            <a:endParaRPr lang="zh-TW" altLang="en-US" dirty="0">
+              <a:latin typeface="微軟正黑體" panose="020B0604030504040204" pitchFamily="34" charset="-120"/>
+              <a:ea typeface="微軟正黑體" panose="020B0604030504040204" pitchFamily="34" charset="-120"/>
+            </a:endParaRPr>
+          </a:p>
+        </p:txBody>
+      </p:sp>
+    </p:spTree>
+    <p:extLst>
+      <p:ext uri="{BB962C8B-B14F-4D97-AF65-F5344CB8AC3E}">
+        <p14:creationId xmlns:p14="http://schemas.microsoft.com/office/powerpoint/2010/main" val="2012093569"/>
+      </p:ext>
+    </p:extLst>
+  </p:cSld>
+  <p:clrMapOvr>
+    <a:masterClrMapping/>
+  </p:clrMapOvr>
+  <p:timing>
+    <p:tnLst>
+      <p:par>
+        <p:cTn id="1" dur="indefinite" restart="never" nodeType="tmRoot"/>
+      </p:par>
+    </p:tnLst>
+  </p:timing>
+</p:sld>
+</file>
+
+<file path=ppt/slides/slide11.xml><?xml version="1.0" encoding="utf-8"?>
+<p:sld xmlns:a="http://schemas.openxmlformats.org/drawingml/2006/main" xmlns:r="http://schemas.openxmlformats.org/officeDocument/2006/relationships" xmlns:p="http://schemas.openxmlformats.org/presentationml/2006/main">
+  <p:cSld>
+    <p:spTree>
+      <p:nvGrpSpPr>
+        <p:cNvPr id="1" name=""/>
+        <p:cNvGrpSpPr/>
+        <p:nvPr/>
+      </p:nvGrpSpPr>
+      <p:grpSpPr>
+        <a:xfrm>
+          <a:off x="0" y="0"/>
+          <a:ext cx="0" cy="0"/>
+          <a:chOff x="0" y="0"/>
+          <a:chExt cx="0" cy="0"/>
+        </a:xfrm>
+      </p:grpSpPr>
+      <p:cxnSp>
+        <p:nvCxnSpPr>
+          <p:cNvPr id="22" name="直線單箭頭接點 21"/>
+          <p:cNvCxnSpPr/>
+          <p:nvPr/>
+        </p:nvCxnSpPr>
+        <p:spPr>
+          <a:xfrm>
+            <a:off x="204678" y="2744495"/>
+            <a:ext cx="910938" cy="3"/>
+          </a:xfrm>
+          <a:prstGeom prst="straightConnector1">
+            <a:avLst/>
+          </a:prstGeom>
+          <a:ln w="28575">
+            <a:tailEnd type="arrow"/>
+          </a:ln>
+        </p:spPr>
+        <p:style>
+          <a:lnRef idx="2">
+            <a:schemeClr val="dk1"/>
+          </a:lnRef>
+          <a:fillRef idx="0">
+            <a:schemeClr val="dk1"/>
+          </a:fillRef>
+          <a:effectRef idx="1">
+            <a:schemeClr val="dk1"/>
+          </a:effectRef>
+          <a:fontRef idx="minor">
+            <a:schemeClr val="tx1"/>
+          </a:fontRef>
+        </p:style>
+      </p:cxnSp>
+      <p:sp>
+        <p:nvSpPr>
+          <p:cNvPr id="3" name="矩形 2"/>
+          <p:cNvSpPr/>
+          <p:nvPr/>
+        </p:nvSpPr>
+        <p:spPr>
+          <a:xfrm>
+            <a:off x="204678" y="2312450"/>
+            <a:ext cx="783187" cy="369332"/>
+          </a:xfrm>
+          <a:prstGeom prst="rect">
+            <a:avLst/>
+          </a:prstGeom>
+        </p:spPr>
+        <p:txBody>
+          <a:bodyPr wrap="square">
+            <a:spAutoFit/>
+          </a:bodyPr>
+          <a:lstStyle/>
+          <a:p>
+            <a:r>
+              <a:rPr lang="en-US" altLang="zh-TW" dirty="0" err="1" smtClean="0"/>
+              <a:t>ListPtr</a:t>
+            </a:r>
+            <a:endParaRPr lang="zh-TW" altLang="en-US" dirty="0"/>
+          </a:p>
+        </p:txBody>
+      </p:sp>
+      <p:sp>
+        <p:nvSpPr>
+          <p:cNvPr id="25" name="矩形 24"/>
+          <p:cNvSpPr/>
+          <p:nvPr/>
+        </p:nvSpPr>
+        <p:spPr>
+          <a:xfrm>
+            <a:off x="1115616" y="2540617"/>
+            <a:ext cx="738083" cy="407761"/>
+          </a:xfrm>
+          <a:prstGeom prst="rect">
+            <a:avLst/>
+          </a:prstGeom>
+          <a:solidFill>
+            <a:schemeClr val="accent1">
+              <a:lumMod val="40000"/>
+              <a:lumOff val="60000"/>
+            </a:schemeClr>
+          </a:solidFill>
+          <a:ln>
+            <a:solidFill>
+              <a:schemeClr val="tx1"/>
+            </a:solidFill>
+          </a:ln>
+        </p:spPr>
+        <p:style>
+          <a:lnRef idx="2">
+            <a:schemeClr val="accent1">
+              <a:shade val="50000"/>
+            </a:schemeClr>
+          </a:lnRef>
+          <a:fillRef idx="1">
+            <a:schemeClr val="accent1"/>
+          </a:fillRef>
+          <a:effectRef idx="0">
+            <a:schemeClr val="accent1"/>
+          </a:effectRef>
+          <a:fontRef idx="minor">
+            <a:schemeClr val="lt1"/>
+          </a:fontRef>
+        </p:style>
+        <p:txBody>
+          <a:bodyPr rtlCol="0" anchor="ctr"/>
+          <a:lstStyle/>
+          <a:p>
+            <a:pPr algn="ctr"/>
+            <a:r>
+              <a:rPr lang="en-US" altLang="zh-TW" sz="1200" dirty="0" err="1" smtClean="0">
+                <a:solidFill>
+                  <a:schemeClr val="tx1"/>
+                </a:solidFill>
+              </a:rPr>
+              <a:t>headPtr</a:t>
+            </a:r>
+            <a:endParaRPr lang="zh-TW" altLang="en-US" baseline="-25000" dirty="0">
+              <a:solidFill>
+                <a:schemeClr val="tx1"/>
+              </a:solidFill>
+            </a:endParaRPr>
+          </a:p>
+        </p:txBody>
+      </p:sp>
+      <p:sp>
+        <p:nvSpPr>
+          <p:cNvPr id="38" name="左大括弧 37"/>
+          <p:cNvSpPr/>
+          <p:nvPr/>
+        </p:nvSpPr>
+        <p:spPr>
+          <a:xfrm rot="5400000">
+            <a:off x="1351868" y="1947152"/>
+            <a:ext cx="288032" cy="730598"/>
+          </a:xfrm>
+          <a:prstGeom prst="leftBrace">
+            <a:avLst>
+              <a:gd name="adj1" fmla="val 30076"/>
+              <a:gd name="adj2" fmla="val 50000"/>
+            </a:avLst>
+          </a:prstGeom>
+        </p:spPr>
+        <p:style>
+          <a:lnRef idx="2">
+            <a:schemeClr val="dk1"/>
+          </a:lnRef>
+          <a:fillRef idx="0">
+            <a:schemeClr val="dk1"/>
+          </a:fillRef>
+          <a:effectRef idx="1">
+            <a:schemeClr val="dk1"/>
+          </a:effectRef>
+          <a:fontRef idx="minor">
+            <a:schemeClr val="tx1"/>
+          </a:fontRef>
+        </p:style>
+        <p:txBody>
+          <a:bodyPr rtlCol="0" anchor="ctr"/>
+          <a:lstStyle/>
+          <a:p>
+            <a:pPr algn="ctr"/>
+            <a:endParaRPr lang="zh-TW" altLang="en-US"/>
+          </a:p>
+        </p:txBody>
+      </p:sp>
+      <p:sp>
+        <p:nvSpPr>
+          <p:cNvPr id="39" name="文字方塊 38"/>
+          <p:cNvSpPr txBox="1"/>
+          <p:nvPr/>
+        </p:nvSpPr>
+        <p:spPr>
+          <a:xfrm>
+            <a:off x="1234909" y="1736386"/>
+            <a:ext cx="499496" cy="369332"/>
+          </a:xfrm>
+          <a:prstGeom prst="rect">
+            <a:avLst/>
+          </a:prstGeom>
+        </p:spPr>
+        <p:style>
+          <a:lnRef idx="2">
+            <a:schemeClr val="accent6"/>
+          </a:lnRef>
+          <a:fillRef idx="1">
+            <a:schemeClr val="lt1"/>
+          </a:fillRef>
+          <a:effectRef idx="0">
+            <a:schemeClr val="accent6"/>
+          </a:effectRef>
+          <a:fontRef idx="minor">
+            <a:schemeClr val="dk1"/>
+          </a:fontRef>
+        </p:style>
+        <p:txBody>
+          <a:bodyPr wrap="none" rtlCol="0">
+            <a:spAutoFit/>
+          </a:bodyPr>
+          <a:lstStyle/>
+          <a:p>
+            <a:r>
+              <a:rPr lang="en-US" altLang="zh-TW" dirty="0"/>
+              <a:t>List</a:t>
+            </a:r>
+            <a:endParaRPr lang="zh-TW" altLang="en-US" dirty="0"/>
+          </a:p>
+        </p:txBody>
+      </p:sp>
+      <p:sp>
+        <p:nvSpPr>
+          <p:cNvPr id="30" name="矩形 29"/>
+          <p:cNvSpPr/>
+          <p:nvPr/>
+        </p:nvSpPr>
+        <p:spPr>
+          <a:xfrm>
+            <a:off x="2263754" y="2544852"/>
+            <a:ext cx="504055" cy="407761"/>
+          </a:xfrm>
+          <a:prstGeom prst="rect">
+            <a:avLst/>
+          </a:prstGeom>
+          <a:solidFill>
+            <a:srgbClr val="92D050"/>
+          </a:solidFill>
+          <a:ln>
+            <a:solidFill>
+              <a:schemeClr val="tx1"/>
+            </a:solidFill>
+          </a:ln>
+        </p:spPr>
+        <p:style>
+          <a:lnRef idx="2">
+            <a:schemeClr val="accent1">
+              <a:shade val="50000"/>
+            </a:schemeClr>
+          </a:lnRef>
+          <a:fillRef idx="1">
+            <a:schemeClr val="accent1"/>
+          </a:fillRef>
+          <a:effectRef idx="0">
+            <a:schemeClr val="accent1"/>
+          </a:effectRef>
+          <a:fontRef idx="minor">
+            <a:schemeClr val="lt1"/>
+          </a:fontRef>
+        </p:style>
+        <p:txBody>
+          <a:bodyPr rtlCol="0" anchor="ctr"/>
+          <a:lstStyle/>
+          <a:p>
+            <a:pPr algn="ctr"/>
+            <a:r>
+              <a:rPr lang="en-US" altLang="zh-TW" sz="1200" dirty="0" smtClean="0">
+                <a:solidFill>
+                  <a:schemeClr val="tx1"/>
+                </a:solidFill>
+              </a:rPr>
+              <a:t>data</a:t>
+            </a:r>
+            <a:endParaRPr lang="zh-TW" altLang="en-US" sz="1200" baseline="-25000" dirty="0">
+              <a:solidFill>
+                <a:schemeClr val="tx1"/>
+              </a:solidFill>
+            </a:endParaRPr>
+          </a:p>
+        </p:txBody>
+      </p:sp>
+      <p:sp>
+        <p:nvSpPr>
+          <p:cNvPr id="32" name="矩形 31"/>
+          <p:cNvSpPr/>
+          <p:nvPr/>
+        </p:nvSpPr>
+        <p:spPr>
+          <a:xfrm>
+            <a:off x="2767809" y="2544852"/>
+            <a:ext cx="288033" cy="407761"/>
+          </a:xfrm>
+          <a:prstGeom prst="rect">
+            <a:avLst/>
+          </a:prstGeom>
+          <a:solidFill>
+            <a:schemeClr val="bg1"/>
+          </a:solidFill>
+          <a:ln>
+            <a:solidFill>
+              <a:schemeClr val="tx1"/>
+            </a:solidFill>
+          </a:ln>
+        </p:spPr>
+        <p:style>
+          <a:lnRef idx="2">
+            <a:schemeClr val="accent1">
+              <a:shade val="50000"/>
+            </a:schemeClr>
+          </a:lnRef>
+          <a:fillRef idx="1">
+            <a:schemeClr val="accent1"/>
+          </a:fillRef>
+          <a:effectRef idx="0">
+            <a:schemeClr val="accent1"/>
+          </a:effectRef>
+          <a:fontRef idx="minor">
+            <a:schemeClr val="lt1"/>
+          </a:fontRef>
+        </p:style>
+        <p:txBody>
+          <a:bodyPr rtlCol="0" anchor="ctr"/>
+          <a:lstStyle/>
+          <a:p>
+            <a:pPr algn="ctr"/>
+            <a:endParaRPr lang="zh-TW" altLang="en-US" dirty="0">
+              <a:solidFill>
+                <a:schemeClr val="tx1"/>
+              </a:solidFill>
+            </a:endParaRPr>
+          </a:p>
+        </p:txBody>
+      </p:sp>
+      <p:cxnSp>
+        <p:nvCxnSpPr>
+          <p:cNvPr id="34" name="直線單箭頭接點 33"/>
+          <p:cNvCxnSpPr/>
+          <p:nvPr/>
+        </p:nvCxnSpPr>
+        <p:spPr>
+          <a:xfrm>
+            <a:off x="1763688" y="2748733"/>
+            <a:ext cx="504056" cy="0"/>
+          </a:xfrm>
+          <a:prstGeom prst="straightConnector1">
+            <a:avLst/>
+          </a:prstGeom>
+          <a:ln w="19050">
+            <a:tailEnd type="arrow"/>
+          </a:ln>
+        </p:spPr>
+        <p:style>
+          <a:lnRef idx="2">
+            <a:schemeClr val="dk1"/>
+          </a:lnRef>
+          <a:fillRef idx="0">
+            <a:schemeClr val="dk1"/>
+          </a:fillRef>
+          <a:effectRef idx="1">
+            <a:schemeClr val="dk1"/>
+          </a:effectRef>
+          <a:fontRef idx="minor">
+            <a:schemeClr val="tx1"/>
+          </a:fontRef>
+        </p:style>
+      </p:cxnSp>
+      <p:cxnSp>
+        <p:nvCxnSpPr>
+          <p:cNvPr id="15" name="直線單箭頭接點 14"/>
+          <p:cNvCxnSpPr/>
+          <p:nvPr/>
+        </p:nvCxnSpPr>
+        <p:spPr>
+          <a:xfrm>
+            <a:off x="2911825" y="2748733"/>
+            <a:ext cx="504056" cy="0"/>
+          </a:xfrm>
+          <a:prstGeom prst="straightConnector1">
+            <a:avLst/>
+          </a:prstGeom>
+          <a:ln w="19050">
+            <a:tailEnd type="arrow"/>
+          </a:ln>
+        </p:spPr>
+        <p:style>
+          <a:lnRef idx="2">
+            <a:schemeClr val="dk1"/>
+          </a:lnRef>
+          <a:fillRef idx="0">
+            <a:schemeClr val="dk1"/>
+          </a:fillRef>
+          <a:effectRef idx="1">
+            <a:schemeClr val="dk1"/>
+          </a:effectRef>
+          <a:fontRef idx="minor">
+            <a:schemeClr val="tx1"/>
+          </a:fontRef>
+        </p:style>
+      </p:cxnSp>
+      <p:sp>
+        <p:nvSpPr>
+          <p:cNvPr id="16" name="矩形 15"/>
+          <p:cNvSpPr/>
+          <p:nvPr/>
+        </p:nvSpPr>
+        <p:spPr>
+          <a:xfrm>
+            <a:off x="3391938" y="2540616"/>
+            <a:ext cx="504055" cy="407761"/>
+          </a:xfrm>
+          <a:prstGeom prst="rect">
+            <a:avLst/>
+          </a:prstGeom>
+          <a:solidFill>
+            <a:srgbClr val="92D050"/>
+          </a:solidFill>
+          <a:ln>
+            <a:solidFill>
+              <a:schemeClr val="tx1"/>
+            </a:solidFill>
+          </a:ln>
+        </p:spPr>
+        <p:style>
+          <a:lnRef idx="2">
+            <a:schemeClr val="accent1">
+              <a:shade val="50000"/>
+            </a:schemeClr>
+          </a:lnRef>
+          <a:fillRef idx="1">
+            <a:schemeClr val="accent1"/>
+          </a:fillRef>
+          <a:effectRef idx="0">
+            <a:schemeClr val="accent1"/>
+          </a:effectRef>
+          <a:fontRef idx="minor">
+            <a:schemeClr val="lt1"/>
+          </a:fontRef>
+        </p:style>
+        <p:txBody>
+          <a:bodyPr rtlCol="0" anchor="ctr"/>
+          <a:lstStyle/>
+          <a:p>
+            <a:pPr algn="ctr"/>
+            <a:r>
+              <a:rPr lang="en-US" altLang="zh-TW" sz="1200" dirty="0" smtClean="0">
+                <a:solidFill>
+                  <a:schemeClr val="tx1"/>
+                </a:solidFill>
+              </a:rPr>
+              <a:t>data</a:t>
+            </a:r>
+            <a:endParaRPr lang="zh-TW" altLang="en-US" sz="1200" baseline="-25000" dirty="0">
+              <a:solidFill>
+                <a:schemeClr val="tx1"/>
+              </a:solidFill>
+            </a:endParaRPr>
+          </a:p>
+        </p:txBody>
+      </p:sp>
+      <p:sp>
+        <p:nvSpPr>
+          <p:cNvPr id="17" name="矩形 16"/>
+          <p:cNvSpPr/>
+          <p:nvPr/>
+        </p:nvSpPr>
+        <p:spPr>
+          <a:xfrm>
+            <a:off x="3895993" y="2540615"/>
+            <a:ext cx="288033" cy="407761"/>
+          </a:xfrm>
+          <a:prstGeom prst="rect">
+            <a:avLst/>
+          </a:prstGeom>
+          <a:solidFill>
+            <a:schemeClr val="bg1"/>
+          </a:solidFill>
+          <a:ln>
+            <a:solidFill>
+              <a:schemeClr val="tx1"/>
+            </a:solidFill>
+          </a:ln>
+        </p:spPr>
+        <p:style>
+          <a:lnRef idx="2">
+            <a:schemeClr val="accent1">
+              <a:shade val="50000"/>
+            </a:schemeClr>
+          </a:lnRef>
+          <a:fillRef idx="1">
+            <a:schemeClr val="accent1"/>
+          </a:fillRef>
+          <a:effectRef idx="0">
+            <a:schemeClr val="accent1"/>
+          </a:effectRef>
+          <a:fontRef idx="minor">
+            <a:schemeClr val="lt1"/>
+          </a:fontRef>
+        </p:style>
+        <p:txBody>
+          <a:bodyPr rtlCol="0" anchor="ctr"/>
+          <a:lstStyle/>
+          <a:p>
+            <a:pPr algn="ctr"/>
+            <a:endParaRPr lang="zh-TW" altLang="en-US" dirty="0">
+              <a:solidFill>
+                <a:schemeClr val="tx1"/>
+              </a:solidFill>
+            </a:endParaRPr>
+          </a:p>
+        </p:txBody>
+      </p:sp>
+      <p:cxnSp>
+        <p:nvCxnSpPr>
+          <p:cNvPr id="18" name="直線單箭頭接點 17"/>
+          <p:cNvCxnSpPr/>
+          <p:nvPr/>
+        </p:nvCxnSpPr>
+        <p:spPr>
+          <a:xfrm>
+            <a:off x="4040009" y="2748733"/>
+            <a:ext cx="504056" cy="0"/>
+          </a:xfrm>
+          <a:prstGeom prst="straightConnector1">
+            <a:avLst/>
+          </a:prstGeom>
+          <a:ln w="19050">
+            <a:tailEnd type="arrow"/>
+          </a:ln>
+        </p:spPr>
+        <p:style>
+          <a:lnRef idx="2">
+            <a:schemeClr val="dk1"/>
+          </a:lnRef>
+          <a:fillRef idx="0">
+            <a:schemeClr val="dk1"/>
+          </a:fillRef>
+          <a:effectRef idx="1">
+            <a:schemeClr val="dk1"/>
+          </a:effectRef>
+          <a:fontRef idx="minor">
+            <a:schemeClr val="tx1"/>
+          </a:fontRef>
+        </p:style>
+      </p:cxnSp>
+      <p:sp>
+        <p:nvSpPr>
+          <p:cNvPr id="19" name="矩形 18"/>
+          <p:cNvSpPr/>
+          <p:nvPr/>
+        </p:nvSpPr>
+        <p:spPr>
+          <a:xfrm>
+            <a:off x="4544065" y="2544852"/>
+            <a:ext cx="504055" cy="407761"/>
+          </a:xfrm>
+          <a:prstGeom prst="rect">
+            <a:avLst/>
+          </a:prstGeom>
+          <a:solidFill>
+            <a:srgbClr val="92D050"/>
+          </a:solidFill>
+          <a:ln>
+            <a:solidFill>
+              <a:schemeClr val="tx1"/>
+            </a:solidFill>
+          </a:ln>
+        </p:spPr>
+        <p:style>
+          <a:lnRef idx="2">
+            <a:schemeClr val="accent1">
+              <a:shade val="50000"/>
+            </a:schemeClr>
+          </a:lnRef>
+          <a:fillRef idx="1">
+            <a:schemeClr val="accent1"/>
+          </a:fillRef>
+          <a:effectRef idx="0">
+            <a:schemeClr val="accent1"/>
+          </a:effectRef>
+          <a:fontRef idx="minor">
+            <a:schemeClr val="lt1"/>
+          </a:fontRef>
+        </p:style>
+        <p:txBody>
+          <a:bodyPr rtlCol="0" anchor="ctr"/>
+          <a:lstStyle/>
+          <a:p>
+            <a:pPr algn="ctr"/>
+            <a:r>
+              <a:rPr lang="en-US" altLang="zh-TW" sz="1200" dirty="0" smtClean="0">
+                <a:solidFill>
+                  <a:schemeClr val="tx1"/>
+                </a:solidFill>
+              </a:rPr>
+              <a:t>data</a:t>
+            </a:r>
+            <a:endParaRPr lang="zh-TW" altLang="en-US" sz="1200" baseline="-25000" dirty="0">
+              <a:solidFill>
+                <a:schemeClr val="tx1"/>
+              </a:solidFill>
+            </a:endParaRPr>
+          </a:p>
+        </p:txBody>
+      </p:sp>
+      <p:sp>
+        <p:nvSpPr>
+          <p:cNvPr id="20" name="矩形 19"/>
+          <p:cNvSpPr/>
+          <p:nvPr/>
+        </p:nvSpPr>
+        <p:spPr>
+          <a:xfrm>
+            <a:off x="5048120" y="2544851"/>
+            <a:ext cx="288033" cy="407761"/>
+          </a:xfrm>
+          <a:prstGeom prst="rect">
+            <a:avLst/>
+          </a:prstGeom>
+          <a:solidFill>
+            <a:schemeClr val="bg1"/>
+          </a:solidFill>
+          <a:ln>
+            <a:solidFill>
+              <a:schemeClr val="tx1"/>
+            </a:solidFill>
+          </a:ln>
+        </p:spPr>
+        <p:style>
+          <a:lnRef idx="2">
+            <a:schemeClr val="accent1">
+              <a:shade val="50000"/>
+            </a:schemeClr>
+          </a:lnRef>
+          <a:fillRef idx="1">
+            <a:schemeClr val="accent1"/>
+          </a:fillRef>
+          <a:effectRef idx="0">
+            <a:schemeClr val="accent1"/>
+          </a:effectRef>
+          <a:fontRef idx="minor">
+            <a:schemeClr val="lt1"/>
+          </a:fontRef>
+        </p:style>
+        <p:txBody>
+          <a:bodyPr rtlCol="0" anchor="ctr"/>
+          <a:lstStyle/>
+          <a:p>
+            <a:pPr algn="ctr"/>
+            <a:endParaRPr lang="zh-TW" altLang="en-US" dirty="0">
+              <a:solidFill>
+                <a:schemeClr val="tx1"/>
+              </a:solidFill>
+            </a:endParaRPr>
+          </a:p>
+        </p:txBody>
+      </p:sp>
+      <p:cxnSp>
+        <p:nvCxnSpPr>
+          <p:cNvPr id="21" name="直線單箭頭接點 20"/>
+          <p:cNvCxnSpPr/>
+          <p:nvPr/>
+        </p:nvCxnSpPr>
+        <p:spPr>
+          <a:xfrm>
+            <a:off x="5192136" y="2752969"/>
+            <a:ext cx="504056" cy="0"/>
+          </a:xfrm>
+          <a:prstGeom prst="straightConnector1">
+            <a:avLst/>
+          </a:prstGeom>
+          <a:ln w="19050">
+            <a:tailEnd type="arrow"/>
+          </a:ln>
+        </p:spPr>
+        <p:style>
+          <a:lnRef idx="2">
+            <a:schemeClr val="dk1"/>
+          </a:lnRef>
+          <a:fillRef idx="0">
+            <a:schemeClr val="dk1"/>
+          </a:fillRef>
+          <a:effectRef idx="1">
+            <a:schemeClr val="dk1"/>
+          </a:effectRef>
+          <a:fontRef idx="minor">
+            <a:schemeClr val="tx1"/>
+          </a:fontRef>
+        </p:style>
+      </p:cxnSp>
+      <p:sp>
+        <p:nvSpPr>
+          <p:cNvPr id="23" name="矩形 22"/>
+          <p:cNvSpPr/>
+          <p:nvPr/>
+        </p:nvSpPr>
+        <p:spPr>
+          <a:xfrm>
+            <a:off x="5652120" y="2559829"/>
+            <a:ext cx="576064" cy="369332"/>
+          </a:xfrm>
+          <a:prstGeom prst="rect">
+            <a:avLst/>
+          </a:prstGeom>
+        </p:spPr>
+        <p:txBody>
+          <a:bodyPr wrap="square">
+            <a:spAutoFit/>
+          </a:bodyPr>
+          <a:lstStyle/>
+          <a:p>
+            <a:r>
+              <a:rPr lang="en-US" altLang="zh-TW" dirty="0" smtClean="0">
+                <a:solidFill>
+                  <a:srgbClr val="C00000"/>
+                </a:solidFill>
+              </a:rPr>
+              <a:t>Null</a:t>
+            </a:r>
+            <a:endParaRPr lang="zh-TW" altLang="en-US" dirty="0">
+              <a:solidFill>
+                <a:srgbClr val="C00000"/>
+              </a:solidFill>
+            </a:endParaRPr>
+          </a:p>
+        </p:txBody>
+      </p:sp>
+      <p:sp>
+        <p:nvSpPr>
+          <p:cNvPr id="24" name="矩形 23"/>
+          <p:cNvSpPr/>
+          <p:nvPr/>
+        </p:nvSpPr>
+        <p:spPr>
+          <a:xfrm>
+            <a:off x="2111721" y="1582497"/>
+            <a:ext cx="2608319" cy="307777"/>
+          </a:xfrm>
+          <a:prstGeom prst="rect">
+            <a:avLst/>
+          </a:prstGeom>
+        </p:spPr>
+        <p:txBody>
+          <a:bodyPr wrap="square">
+            <a:spAutoFit/>
+          </a:bodyPr>
+          <a:lstStyle/>
+          <a:p>
+            <a:r>
+              <a:rPr lang="en-US" altLang="zh-TW" sz="1400" dirty="0" smtClean="0">
+                <a:latin typeface="微軟正黑體" panose="020B0604030504040204" pitchFamily="34" charset="-120"/>
+                <a:ea typeface="微軟正黑體" panose="020B0604030504040204" pitchFamily="34" charset="-120"/>
+              </a:rPr>
+              <a:t>(1) </a:t>
+            </a:r>
+            <a:r>
+              <a:rPr lang="zh-TW" altLang="en-US" sz="1400" dirty="0" smtClean="0">
+                <a:latin typeface="微軟正黑體" panose="020B0604030504040204" pitchFamily="34" charset="-120"/>
+                <a:ea typeface="微軟正黑體" panose="020B0604030504040204" pitchFamily="34" charset="-120"/>
+              </a:rPr>
+              <a:t>如果 </a:t>
+            </a:r>
+            <a:r>
+              <a:rPr lang="en-US" altLang="zh-TW" sz="1400" dirty="0" err="1" smtClean="0"/>
+              <a:t>headPtr</a:t>
+            </a:r>
+            <a:r>
+              <a:rPr lang="zh-TW" altLang="en-US" sz="1400" dirty="0" smtClean="0"/>
+              <a:t> 不是指向</a:t>
+            </a:r>
+            <a:r>
+              <a:rPr lang="en-US" altLang="zh-TW" sz="1400" dirty="0" smtClean="0"/>
+              <a:t>Null</a:t>
+            </a:r>
+          </a:p>
+        </p:txBody>
+      </p:sp>
+      <p:cxnSp>
+        <p:nvCxnSpPr>
+          <p:cNvPr id="26" name="直線單箭頭接點 25"/>
+          <p:cNvCxnSpPr/>
+          <p:nvPr/>
+        </p:nvCxnSpPr>
+        <p:spPr>
+          <a:xfrm flipV="1">
+            <a:off x="2013802" y="1921052"/>
+            <a:ext cx="325950" cy="833163"/>
+          </a:xfrm>
+          <a:prstGeom prst="straightConnector1">
+            <a:avLst/>
+          </a:prstGeom>
+          <a:ln>
+            <a:tailEnd type="arrow"/>
+          </a:ln>
+        </p:spPr>
+        <p:style>
+          <a:lnRef idx="2">
+            <a:schemeClr val="accent1"/>
+          </a:lnRef>
+          <a:fillRef idx="0">
+            <a:schemeClr val="accent1"/>
+          </a:fillRef>
+          <a:effectRef idx="1">
+            <a:schemeClr val="accent1"/>
+          </a:effectRef>
+          <a:fontRef idx="minor">
+            <a:schemeClr val="tx1"/>
+          </a:fontRef>
+        </p:style>
+      </p:cxnSp>
+      <p:cxnSp>
+        <p:nvCxnSpPr>
+          <p:cNvPr id="28" name="直線單箭頭接點 27"/>
+          <p:cNvCxnSpPr/>
+          <p:nvPr/>
+        </p:nvCxnSpPr>
+        <p:spPr>
+          <a:xfrm flipV="1">
+            <a:off x="2411760" y="2952613"/>
+            <a:ext cx="0" cy="432047"/>
+          </a:xfrm>
+          <a:prstGeom prst="straightConnector1">
+            <a:avLst/>
+          </a:prstGeom>
+          <a:ln>
+            <a:tailEnd type="arrow"/>
+          </a:ln>
+        </p:spPr>
+        <p:style>
+          <a:lnRef idx="2">
+            <a:schemeClr val="accent2"/>
+          </a:lnRef>
+          <a:fillRef idx="0">
+            <a:schemeClr val="accent2"/>
+          </a:fillRef>
+          <a:effectRef idx="1">
+            <a:schemeClr val="accent2"/>
+          </a:effectRef>
+          <a:fontRef idx="minor">
+            <a:schemeClr val="tx1"/>
+          </a:fontRef>
+        </p:style>
+      </p:cxnSp>
+      <p:sp>
+        <p:nvSpPr>
+          <p:cNvPr id="31" name="矩形 30"/>
+          <p:cNvSpPr/>
+          <p:nvPr/>
+        </p:nvSpPr>
+        <p:spPr>
+          <a:xfrm>
+            <a:off x="2039540" y="3429779"/>
+            <a:ext cx="982626" cy="369332"/>
+          </a:xfrm>
+          <a:prstGeom prst="rect">
+            <a:avLst/>
+          </a:prstGeom>
+        </p:spPr>
+        <p:txBody>
+          <a:bodyPr wrap="square">
+            <a:spAutoFit/>
+          </a:bodyPr>
+          <a:lstStyle/>
+          <a:p>
+            <a:r>
+              <a:rPr lang="en-US" altLang="zh-TW" dirty="0" err="1" smtClean="0"/>
+              <a:t>NodePtr</a:t>
+            </a:r>
+            <a:endParaRPr lang="zh-TW" altLang="en-US" dirty="0"/>
+          </a:p>
+        </p:txBody>
+      </p:sp>
+      <p:sp>
+        <p:nvSpPr>
+          <p:cNvPr id="33" name="矩形 32"/>
+          <p:cNvSpPr/>
+          <p:nvPr/>
+        </p:nvSpPr>
+        <p:spPr>
+          <a:xfrm>
+            <a:off x="2119680" y="3799111"/>
+            <a:ext cx="3576512" cy="307777"/>
+          </a:xfrm>
+          <a:prstGeom prst="rect">
+            <a:avLst/>
+          </a:prstGeom>
+        </p:spPr>
+        <p:txBody>
+          <a:bodyPr wrap="square">
+            <a:spAutoFit/>
+          </a:bodyPr>
+          <a:lstStyle/>
+          <a:p>
+            <a:r>
+              <a:rPr lang="en-US" altLang="zh-TW" sz="1400" dirty="0" smtClean="0">
+                <a:latin typeface="微軟正黑體" panose="020B0604030504040204" pitchFamily="34" charset="-120"/>
+                <a:ea typeface="微軟正黑體" panose="020B0604030504040204" pitchFamily="34" charset="-120"/>
+              </a:rPr>
+              <a:t>(2) </a:t>
+            </a:r>
+            <a:r>
+              <a:rPr lang="zh-TW" altLang="en-US" sz="1400" dirty="0" smtClean="0">
+                <a:latin typeface="微軟正黑體" panose="020B0604030504040204" pitchFamily="34" charset="-120"/>
+                <a:ea typeface="微軟正黑體" panose="020B0604030504040204" pitchFamily="34" charset="-120"/>
+              </a:rPr>
+              <a:t>建立一個</a:t>
+            </a:r>
+            <a:r>
+              <a:rPr lang="en-US" altLang="zh-TW" sz="1400" dirty="0" err="1" smtClean="0"/>
+              <a:t>NodePtr</a:t>
+            </a:r>
+            <a:r>
+              <a:rPr lang="zh-TW" altLang="en-US" sz="1400" dirty="0" smtClean="0"/>
+              <a:t> 指向 </a:t>
+            </a:r>
+            <a:r>
+              <a:rPr lang="en-US" altLang="zh-TW" sz="1400" dirty="0" smtClean="0"/>
+              <a:t>Head </a:t>
+            </a:r>
+            <a:r>
+              <a:rPr lang="en-US" altLang="zh-TW" sz="1400" dirty="0" smtClean="0"/>
+              <a:t>Node</a:t>
+            </a:r>
+            <a:endParaRPr lang="en-US" altLang="zh-TW" sz="1400" dirty="0"/>
+          </a:p>
+        </p:txBody>
+      </p:sp>
+      <p:sp>
+        <p:nvSpPr>
+          <p:cNvPr id="27" name="矩形 26"/>
+          <p:cNvSpPr/>
+          <p:nvPr/>
+        </p:nvSpPr>
+        <p:spPr>
+          <a:xfrm>
+            <a:off x="0" y="0"/>
+            <a:ext cx="9144000" cy="369332"/>
+          </a:xfrm>
+          <a:prstGeom prst="rect">
+            <a:avLst/>
+          </a:prstGeom>
+          <a:solidFill>
+            <a:schemeClr val="accent1">
+              <a:lumMod val="40000"/>
+              <a:lumOff val="60000"/>
+            </a:schemeClr>
+          </a:solidFill>
+        </p:spPr>
+        <p:txBody>
+          <a:bodyPr wrap="square">
+            <a:spAutoFit/>
+          </a:bodyPr>
+          <a:lstStyle/>
+          <a:p>
+            <a:r>
+              <a:rPr lang="zh-TW" altLang="en-US" dirty="0">
+                <a:latin typeface="微軟正黑體" panose="020B0604030504040204" pitchFamily="34" charset="-120"/>
+                <a:ea typeface="微軟正黑體" panose="020B0604030504040204" pitchFamily="34" charset="-120"/>
+              </a:rPr>
+              <a:t>頭</a:t>
+            </a:r>
+            <a:r>
+              <a:rPr lang="zh-TW" altLang="en-US" dirty="0" smtClean="0">
+                <a:latin typeface="微軟正黑體" panose="020B0604030504040204" pitchFamily="34" charset="-120"/>
+                <a:ea typeface="微軟正黑體" panose="020B0604030504040204" pitchFamily="34" charset="-120"/>
+              </a:rPr>
+              <a:t>插法 </a:t>
+            </a:r>
+            <a:r>
+              <a:rPr lang="en-US" altLang="zh-TW" dirty="0" err="1" smtClean="0">
+                <a:latin typeface="微軟正黑體" panose="020B0604030504040204" pitchFamily="34" charset="-120"/>
+                <a:ea typeface="微軟正黑體" panose="020B0604030504040204" pitchFamily="34" charset="-120"/>
+              </a:rPr>
+              <a:t>ListInsertHead</a:t>
+            </a:r>
+            <a:r>
+              <a:rPr lang="en-US" altLang="zh-TW" dirty="0" smtClean="0">
+                <a:latin typeface="微軟正黑體" panose="020B0604030504040204" pitchFamily="34" charset="-120"/>
+                <a:ea typeface="微軟正黑體" panose="020B0604030504040204" pitchFamily="34" charset="-120"/>
+              </a:rPr>
+              <a:t>() </a:t>
+            </a:r>
+            <a:r>
+              <a:rPr lang="en-US" altLang="zh-TW" dirty="0" err="1" smtClean="0">
+                <a:latin typeface="微軟正黑體" panose="020B0604030504040204" pitchFamily="34" charset="-120"/>
+                <a:ea typeface="微軟正黑體" panose="020B0604030504040204" pitchFamily="34" charset="-120"/>
+              </a:rPr>
+              <a:t>headPtr</a:t>
+            </a:r>
+            <a:r>
+              <a:rPr lang="zh-TW" altLang="en-US" dirty="0">
+                <a:latin typeface="微軟正黑體" panose="020B0604030504040204" pitchFamily="34" charset="-120"/>
+                <a:ea typeface="微軟正黑體" panose="020B0604030504040204" pitchFamily="34" charset="-120"/>
+              </a:rPr>
+              <a:t>不是指向 </a:t>
+            </a:r>
+            <a:r>
+              <a:rPr lang="en-US" altLang="zh-TW" dirty="0" smtClean="0">
+                <a:latin typeface="微軟正黑體" panose="020B0604030504040204" pitchFamily="34" charset="-120"/>
+                <a:ea typeface="微軟正黑體" panose="020B0604030504040204" pitchFamily="34" charset="-120"/>
+              </a:rPr>
+              <a:t>Null</a:t>
+            </a:r>
+            <a:endParaRPr lang="zh-TW" altLang="en-US" dirty="0">
+              <a:latin typeface="微軟正黑體" panose="020B0604030504040204" pitchFamily="34" charset="-120"/>
+              <a:ea typeface="微軟正黑體" panose="020B0604030504040204" pitchFamily="34" charset="-120"/>
+            </a:endParaRPr>
+          </a:p>
+        </p:txBody>
+      </p:sp>
+    </p:spTree>
+    <p:extLst>
+      <p:ext uri="{BB962C8B-B14F-4D97-AF65-F5344CB8AC3E}">
+        <p14:creationId xmlns:p14="http://schemas.microsoft.com/office/powerpoint/2010/main" val="1653965735"/>
+      </p:ext>
+    </p:extLst>
+  </p:cSld>
+  <p:clrMapOvr>
+    <a:masterClrMapping/>
+  </p:clrMapOvr>
+  <p:timing>
+    <p:tnLst>
+      <p:par>
+        <p:cTn id="1" dur="indefinite" restart="never" nodeType="tmRoot"/>
+      </p:par>
+    </p:tnLst>
+  </p:timing>
+</p:sld>
+</file>
+
+<file path=ppt/slides/slide12.xml><?xml version="1.0" encoding="utf-8"?>
+<p:sld xmlns:a="http://schemas.openxmlformats.org/drawingml/2006/main" xmlns:r="http://schemas.openxmlformats.org/officeDocument/2006/relationships" xmlns:p="http://schemas.openxmlformats.org/presentationml/2006/main">
+  <p:cSld>
+    <p:spTree>
+      <p:nvGrpSpPr>
+        <p:cNvPr id="1" name=""/>
+        <p:cNvGrpSpPr/>
+        <p:nvPr/>
+      </p:nvGrpSpPr>
+      <p:grpSpPr>
+        <a:xfrm>
+          <a:off x="0" y="0"/>
+          <a:ext cx="0" cy="0"/>
+          <a:chOff x="0" y="0"/>
+          <a:chExt cx="0" cy="0"/>
+        </a:xfrm>
+      </p:grpSpPr>
+      <p:cxnSp>
+        <p:nvCxnSpPr>
+          <p:cNvPr id="22" name="直線單箭頭接點 21"/>
+          <p:cNvCxnSpPr/>
+          <p:nvPr/>
+        </p:nvCxnSpPr>
+        <p:spPr>
+          <a:xfrm>
+            <a:off x="204678" y="2744495"/>
+            <a:ext cx="910938" cy="3"/>
+          </a:xfrm>
+          <a:prstGeom prst="straightConnector1">
+            <a:avLst/>
+          </a:prstGeom>
+          <a:ln w="28575">
+            <a:tailEnd type="arrow"/>
+          </a:ln>
+        </p:spPr>
+        <p:style>
+          <a:lnRef idx="2">
+            <a:schemeClr val="dk1"/>
+          </a:lnRef>
+          <a:fillRef idx="0">
+            <a:schemeClr val="dk1"/>
+          </a:fillRef>
+          <a:effectRef idx="1">
+            <a:schemeClr val="dk1"/>
+          </a:effectRef>
+          <a:fontRef idx="minor">
+            <a:schemeClr val="tx1"/>
+          </a:fontRef>
+        </p:style>
+      </p:cxnSp>
+      <p:sp>
+        <p:nvSpPr>
+          <p:cNvPr id="3" name="矩形 2"/>
+          <p:cNvSpPr/>
+          <p:nvPr/>
+        </p:nvSpPr>
+        <p:spPr>
+          <a:xfrm>
+            <a:off x="204678" y="2312450"/>
+            <a:ext cx="783187" cy="369332"/>
+          </a:xfrm>
+          <a:prstGeom prst="rect">
+            <a:avLst/>
+          </a:prstGeom>
+        </p:spPr>
+        <p:txBody>
+          <a:bodyPr wrap="square">
+            <a:spAutoFit/>
+          </a:bodyPr>
+          <a:lstStyle/>
+          <a:p>
+            <a:r>
+              <a:rPr lang="en-US" altLang="zh-TW" dirty="0" err="1" smtClean="0"/>
+              <a:t>ListPtr</a:t>
+            </a:r>
+            <a:endParaRPr lang="zh-TW" altLang="en-US" dirty="0"/>
+          </a:p>
+        </p:txBody>
+      </p:sp>
+      <p:sp>
+        <p:nvSpPr>
+          <p:cNvPr id="25" name="矩形 24"/>
+          <p:cNvSpPr/>
+          <p:nvPr/>
+        </p:nvSpPr>
+        <p:spPr>
+          <a:xfrm>
+            <a:off x="1115616" y="2540617"/>
+            <a:ext cx="738083" cy="407761"/>
+          </a:xfrm>
+          <a:prstGeom prst="rect">
+            <a:avLst/>
+          </a:prstGeom>
+          <a:solidFill>
+            <a:schemeClr val="accent1">
+              <a:lumMod val="40000"/>
+              <a:lumOff val="60000"/>
+            </a:schemeClr>
+          </a:solidFill>
+          <a:ln>
+            <a:solidFill>
+              <a:schemeClr val="tx1"/>
+            </a:solidFill>
+          </a:ln>
+        </p:spPr>
+        <p:style>
+          <a:lnRef idx="2">
+            <a:schemeClr val="accent1">
+              <a:shade val="50000"/>
+            </a:schemeClr>
+          </a:lnRef>
+          <a:fillRef idx="1">
+            <a:schemeClr val="accent1"/>
+          </a:fillRef>
+          <a:effectRef idx="0">
+            <a:schemeClr val="accent1"/>
+          </a:effectRef>
+          <a:fontRef idx="minor">
+            <a:schemeClr val="lt1"/>
+          </a:fontRef>
+        </p:style>
+        <p:txBody>
+          <a:bodyPr rtlCol="0" anchor="ctr"/>
+          <a:lstStyle/>
+          <a:p>
+            <a:pPr algn="ctr"/>
+            <a:r>
+              <a:rPr lang="en-US" altLang="zh-TW" sz="1200" dirty="0" err="1" smtClean="0">
+                <a:solidFill>
+                  <a:schemeClr val="tx1"/>
+                </a:solidFill>
+              </a:rPr>
+              <a:t>headPtr</a:t>
+            </a:r>
+            <a:endParaRPr lang="zh-TW" altLang="en-US" baseline="-25000" dirty="0">
+              <a:solidFill>
+                <a:schemeClr val="tx1"/>
+              </a:solidFill>
+            </a:endParaRPr>
+          </a:p>
+        </p:txBody>
+      </p:sp>
+      <p:sp>
+        <p:nvSpPr>
+          <p:cNvPr id="38" name="左大括弧 37"/>
+          <p:cNvSpPr/>
+          <p:nvPr/>
+        </p:nvSpPr>
+        <p:spPr>
+          <a:xfrm rot="5400000">
+            <a:off x="1351868" y="1947152"/>
+            <a:ext cx="288032" cy="730598"/>
+          </a:xfrm>
+          <a:prstGeom prst="leftBrace">
+            <a:avLst>
+              <a:gd name="adj1" fmla="val 30076"/>
+              <a:gd name="adj2" fmla="val 50000"/>
+            </a:avLst>
+          </a:prstGeom>
+        </p:spPr>
+        <p:style>
+          <a:lnRef idx="2">
+            <a:schemeClr val="dk1"/>
+          </a:lnRef>
+          <a:fillRef idx="0">
+            <a:schemeClr val="dk1"/>
+          </a:fillRef>
+          <a:effectRef idx="1">
+            <a:schemeClr val="dk1"/>
+          </a:effectRef>
+          <a:fontRef idx="minor">
+            <a:schemeClr val="tx1"/>
+          </a:fontRef>
+        </p:style>
+        <p:txBody>
+          <a:bodyPr rtlCol="0" anchor="ctr"/>
+          <a:lstStyle/>
+          <a:p>
+            <a:pPr algn="ctr"/>
+            <a:endParaRPr lang="zh-TW" altLang="en-US"/>
+          </a:p>
+        </p:txBody>
+      </p:sp>
+      <p:sp>
+        <p:nvSpPr>
+          <p:cNvPr id="39" name="文字方塊 38"/>
+          <p:cNvSpPr txBox="1"/>
+          <p:nvPr/>
+        </p:nvSpPr>
+        <p:spPr>
+          <a:xfrm>
+            <a:off x="1234909" y="1736386"/>
+            <a:ext cx="499496" cy="369332"/>
+          </a:xfrm>
+          <a:prstGeom prst="rect">
+            <a:avLst/>
+          </a:prstGeom>
+        </p:spPr>
+        <p:style>
+          <a:lnRef idx="2">
+            <a:schemeClr val="accent6"/>
+          </a:lnRef>
+          <a:fillRef idx="1">
+            <a:schemeClr val="lt1"/>
+          </a:fillRef>
+          <a:effectRef idx="0">
+            <a:schemeClr val="accent6"/>
+          </a:effectRef>
+          <a:fontRef idx="minor">
+            <a:schemeClr val="dk1"/>
+          </a:fontRef>
+        </p:style>
+        <p:txBody>
+          <a:bodyPr wrap="none" rtlCol="0">
+            <a:spAutoFit/>
+          </a:bodyPr>
+          <a:lstStyle/>
+          <a:p>
+            <a:r>
+              <a:rPr lang="en-US" altLang="zh-TW" dirty="0"/>
+              <a:t>List</a:t>
+            </a:r>
+            <a:endParaRPr lang="zh-TW" altLang="en-US" dirty="0"/>
+          </a:p>
+        </p:txBody>
+      </p:sp>
+      <p:sp>
+        <p:nvSpPr>
+          <p:cNvPr id="30" name="矩形 29"/>
+          <p:cNvSpPr/>
+          <p:nvPr/>
+        </p:nvSpPr>
+        <p:spPr>
+          <a:xfrm>
+            <a:off x="2263754" y="2544852"/>
+            <a:ext cx="504055" cy="407761"/>
+          </a:xfrm>
+          <a:prstGeom prst="rect">
+            <a:avLst/>
+          </a:prstGeom>
+          <a:solidFill>
+            <a:srgbClr val="92D050"/>
+          </a:solidFill>
+          <a:ln>
+            <a:solidFill>
+              <a:schemeClr val="tx1"/>
+            </a:solidFill>
+          </a:ln>
+        </p:spPr>
+        <p:style>
+          <a:lnRef idx="2">
+            <a:schemeClr val="accent1">
+              <a:shade val="50000"/>
+            </a:schemeClr>
+          </a:lnRef>
+          <a:fillRef idx="1">
+            <a:schemeClr val="accent1"/>
+          </a:fillRef>
+          <a:effectRef idx="0">
+            <a:schemeClr val="accent1"/>
+          </a:effectRef>
+          <a:fontRef idx="minor">
+            <a:schemeClr val="lt1"/>
+          </a:fontRef>
+        </p:style>
+        <p:txBody>
+          <a:bodyPr rtlCol="0" anchor="ctr"/>
+          <a:lstStyle/>
+          <a:p>
+            <a:pPr algn="ctr"/>
+            <a:r>
+              <a:rPr lang="en-US" altLang="zh-TW" sz="1200" dirty="0" smtClean="0">
+                <a:solidFill>
+                  <a:schemeClr val="tx1"/>
+                </a:solidFill>
+              </a:rPr>
+              <a:t>data</a:t>
+            </a:r>
+            <a:endParaRPr lang="zh-TW" altLang="en-US" sz="1200" baseline="-25000" dirty="0">
+              <a:solidFill>
+                <a:schemeClr val="tx1"/>
+              </a:solidFill>
+            </a:endParaRPr>
+          </a:p>
+        </p:txBody>
+      </p:sp>
+      <p:sp>
+        <p:nvSpPr>
+          <p:cNvPr id="32" name="矩形 31"/>
+          <p:cNvSpPr/>
+          <p:nvPr/>
+        </p:nvSpPr>
+        <p:spPr>
+          <a:xfrm>
+            <a:off x="2767809" y="2544852"/>
+            <a:ext cx="288033" cy="407761"/>
+          </a:xfrm>
+          <a:prstGeom prst="rect">
+            <a:avLst/>
+          </a:prstGeom>
+          <a:solidFill>
+            <a:schemeClr val="bg1"/>
+          </a:solidFill>
+          <a:ln>
+            <a:solidFill>
+              <a:schemeClr val="tx1"/>
+            </a:solidFill>
+          </a:ln>
+        </p:spPr>
+        <p:style>
+          <a:lnRef idx="2">
+            <a:schemeClr val="accent1">
+              <a:shade val="50000"/>
+            </a:schemeClr>
+          </a:lnRef>
+          <a:fillRef idx="1">
+            <a:schemeClr val="accent1"/>
+          </a:fillRef>
+          <a:effectRef idx="0">
+            <a:schemeClr val="accent1"/>
+          </a:effectRef>
+          <a:fontRef idx="minor">
+            <a:schemeClr val="lt1"/>
+          </a:fontRef>
+        </p:style>
+        <p:txBody>
+          <a:bodyPr rtlCol="0" anchor="ctr"/>
+          <a:lstStyle/>
+          <a:p>
+            <a:pPr algn="ctr"/>
+            <a:endParaRPr lang="zh-TW" altLang="en-US" dirty="0">
+              <a:solidFill>
+                <a:schemeClr val="tx1"/>
+              </a:solidFill>
+            </a:endParaRPr>
+          </a:p>
+        </p:txBody>
+      </p:sp>
+      <p:cxnSp>
+        <p:nvCxnSpPr>
+          <p:cNvPr id="34" name="直線單箭頭接點 33"/>
+          <p:cNvCxnSpPr>
+            <a:stCxn id="25" idx="2"/>
+            <a:endCxn id="24" idx="0"/>
+          </p:cNvCxnSpPr>
+          <p:nvPr/>
+        </p:nvCxnSpPr>
+        <p:spPr>
+          <a:xfrm flipH="1">
+            <a:off x="698248" y="2948378"/>
+            <a:ext cx="786410" cy="1686517"/>
+          </a:xfrm>
+          <a:prstGeom prst="straightConnector1">
+            <a:avLst/>
+          </a:prstGeom>
+          <a:ln w="19050">
+            <a:tailEnd type="arrow"/>
+          </a:ln>
+        </p:spPr>
+        <p:style>
+          <a:lnRef idx="2">
+            <a:schemeClr val="dk1"/>
+          </a:lnRef>
+          <a:fillRef idx="0">
+            <a:schemeClr val="dk1"/>
+          </a:fillRef>
+          <a:effectRef idx="1">
+            <a:schemeClr val="dk1"/>
+          </a:effectRef>
+          <a:fontRef idx="minor">
+            <a:schemeClr val="tx1"/>
+          </a:fontRef>
+        </p:style>
+      </p:cxnSp>
+      <p:cxnSp>
+        <p:nvCxnSpPr>
+          <p:cNvPr id="15" name="直線單箭頭接點 14"/>
+          <p:cNvCxnSpPr/>
+          <p:nvPr/>
+        </p:nvCxnSpPr>
+        <p:spPr>
+          <a:xfrm>
+            <a:off x="2911825" y="2748733"/>
+            <a:ext cx="504056" cy="0"/>
+          </a:xfrm>
+          <a:prstGeom prst="straightConnector1">
+            <a:avLst/>
+          </a:prstGeom>
+          <a:ln w="19050">
+            <a:tailEnd type="arrow"/>
+          </a:ln>
+        </p:spPr>
+        <p:style>
+          <a:lnRef idx="2">
+            <a:schemeClr val="dk1"/>
+          </a:lnRef>
+          <a:fillRef idx="0">
+            <a:schemeClr val="dk1"/>
+          </a:fillRef>
+          <a:effectRef idx="1">
+            <a:schemeClr val="dk1"/>
+          </a:effectRef>
+          <a:fontRef idx="minor">
+            <a:schemeClr val="tx1"/>
+          </a:fontRef>
+        </p:style>
+      </p:cxnSp>
+      <p:sp>
+        <p:nvSpPr>
+          <p:cNvPr id="16" name="矩形 15"/>
+          <p:cNvSpPr/>
+          <p:nvPr/>
+        </p:nvSpPr>
+        <p:spPr>
+          <a:xfrm>
+            <a:off x="3391938" y="2540616"/>
+            <a:ext cx="504055" cy="407761"/>
+          </a:xfrm>
+          <a:prstGeom prst="rect">
+            <a:avLst/>
+          </a:prstGeom>
+          <a:solidFill>
+            <a:srgbClr val="92D050"/>
+          </a:solidFill>
+          <a:ln>
+            <a:solidFill>
+              <a:schemeClr val="tx1"/>
+            </a:solidFill>
+          </a:ln>
+        </p:spPr>
+        <p:style>
+          <a:lnRef idx="2">
+            <a:schemeClr val="accent1">
+              <a:shade val="50000"/>
+            </a:schemeClr>
+          </a:lnRef>
+          <a:fillRef idx="1">
+            <a:schemeClr val="accent1"/>
+          </a:fillRef>
+          <a:effectRef idx="0">
+            <a:schemeClr val="accent1"/>
+          </a:effectRef>
+          <a:fontRef idx="minor">
+            <a:schemeClr val="lt1"/>
+          </a:fontRef>
+        </p:style>
+        <p:txBody>
+          <a:bodyPr rtlCol="0" anchor="ctr"/>
+          <a:lstStyle/>
+          <a:p>
+            <a:pPr algn="ctr"/>
+            <a:r>
+              <a:rPr lang="en-US" altLang="zh-TW" sz="1200" dirty="0" smtClean="0">
+                <a:solidFill>
+                  <a:schemeClr val="tx1"/>
+                </a:solidFill>
+              </a:rPr>
+              <a:t>data</a:t>
+            </a:r>
+            <a:endParaRPr lang="zh-TW" altLang="en-US" sz="1200" baseline="-25000" dirty="0">
+              <a:solidFill>
+                <a:schemeClr val="tx1"/>
+              </a:solidFill>
+            </a:endParaRPr>
+          </a:p>
+        </p:txBody>
+      </p:sp>
+      <p:sp>
+        <p:nvSpPr>
+          <p:cNvPr id="17" name="矩形 16"/>
+          <p:cNvSpPr/>
+          <p:nvPr/>
+        </p:nvSpPr>
+        <p:spPr>
+          <a:xfrm>
+            <a:off x="3895993" y="2540615"/>
+            <a:ext cx="288033" cy="407761"/>
+          </a:xfrm>
+          <a:prstGeom prst="rect">
+            <a:avLst/>
+          </a:prstGeom>
+          <a:solidFill>
+            <a:schemeClr val="bg1"/>
+          </a:solidFill>
+          <a:ln>
+            <a:solidFill>
+              <a:schemeClr val="tx1"/>
+            </a:solidFill>
+          </a:ln>
+        </p:spPr>
+        <p:style>
+          <a:lnRef idx="2">
+            <a:schemeClr val="accent1">
+              <a:shade val="50000"/>
+            </a:schemeClr>
+          </a:lnRef>
+          <a:fillRef idx="1">
+            <a:schemeClr val="accent1"/>
+          </a:fillRef>
+          <a:effectRef idx="0">
+            <a:schemeClr val="accent1"/>
+          </a:effectRef>
+          <a:fontRef idx="minor">
+            <a:schemeClr val="lt1"/>
+          </a:fontRef>
+        </p:style>
+        <p:txBody>
+          <a:bodyPr rtlCol="0" anchor="ctr"/>
+          <a:lstStyle/>
+          <a:p>
+            <a:pPr algn="ctr"/>
+            <a:endParaRPr lang="zh-TW" altLang="en-US" dirty="0">
+              <a:solidFill>
+                <a:schemeClr val="tx1"/>
+              </a:solidFill>
+            </a:endParaRPr>
+          </a:p>
+        </p:txBody>
+      </p:sp>
+      <p:cxnSp>
+        <p:nvCxnSpPr>
+          <p:cNvPr id="18" name="直線單箭頭接點 17"/>
+          <p:cNvCxnSpPr/>
+          <p:nvPr/>
+        </p:nvCxnSpPr>
+        <p:spPr>
+          <a:xfrm>
+            <a:off x="4040009" y="2748733"/>
+            <a:ext cx="504056" cy="0"/>
+          </a:xfrm>
+          <a:prstGeom prst="straightConnector1">
+            <a:avLst/>
+          </a:prstGeom>
+          <a:ln w="19050">
+            <a:tailEnd type="arrow"/>
+          </a:ln>
+        </p:spPr>
+        <p:style>
+          <a:lnRef idx="2">
+            <a:schemeClr val="dk1"/>
+          </a:lnRef>
+          <a:fillRef idx="0">
+            <a:schemeClr val="dk1"/>
+          </a:fillRef>
+          <a:effectRef idx="1">
+            <a:schemeClr val="dk1"/>
+          </a:effectRef>
+          <a:fontRef idx="minor">
+            <a:schemeClr val="tx1"/>
+          </a:fontRef>
+        </p:style>
+      </p:cxnSp>
+      <p:sp>
+        <p:nvSpPr>
+          <p:cNvPr id="19" name="矩形 18"/>
+          <p:cNvSpPr/>
+          <p:nvPr/>
+        </p:nvSpPr>
+        <p:spPr>
+          <a:xfrm>
+            <a:off x="4544065" y="2544852"/>
+            <a:ext cx="504055" cy="407761"/>
+          </a:xfrm>
+          <a:prstGeom prst="rect">
+            <a:avLst/>
+          </a:prstGeom>
+          <a:solidFill>
+            <a:srgbClr val="92D050"/>
+          </a:solidFill>
+          <a:ln>
+            <a:solidFill>
+              <a:schemeClr val="tx1"/>
+            </a:solidFill>
+          </a:ln>
+        </p:spPr>
+        <p:style>
+          <a:lnRef idx="2">
+            <a:schemeClr val="accent1">
+              <a:shade val="50000"/>
+            </a:schemeClr>
+          </a:lnRef>
+          <a:fillRef idx="1">
+            <a:schemeClr val="accent1"/>
+          </a:fillRef>
+          <a:effectRef idx="0">
+            <a:schemeClr val="accent1"/>
+          </a:effectRef>
+          <a:fontRef idx="minor">
+            <a:schemeClr val="lt1"/>
+          </a:fontRef>
+        </p:style>
+        <p:txBody>
+          <a:bodyPr rtlCol="0" anchor="ctr"/>
+          <a:lstStyle/>
+          <a:p>
+            <a:pPr algn="ctr"/>
+            <a:r>
+              <a:rPr lang="en-US" altLang="zh-TW" sz="1200" dirty="0" smtClean="0">
+                <a:solidFill>
+                  <a:schemeClr val="tx1"/>
+                </a:solidFill>
+              </a:rPr>
+              <a:t>data</a:t>
+            </a:r>
+            <a:endParaRPr lang="zh-TW" altLang="en-US" sz="1200" baseline="-25000" dirty="0">
+              <a:solidFill>
+                <a:schemeClr val="tx1"/>
+              </a:solidFill>
+            </a:endParaRPr>
+          </a:p>
+        </p:txBody>
+      </p:sp>
+      <p:sp>
+        <p:nvSpPr>
+          <p:cNvPr id="20" name="矩形 19"/>
+          <p:cNvSpPr/>
+          <p:nvPr/>
+        </p:nvSpPr>
+        <p:spPr>
+          <a:xfrm>
+            <a:off x="5048120" y="2544851"/>
+            <a:ext cx="288033" cy="407761"/>
+          </a:xfrm>
+          <a:prstGeom prst="rect">
+            <a:avLst/>
+          </a:prstGeom>
+          <a:solidFill>
+            <a:schemeClr val="bg1"/>
+          </a:solidFill>
+          <a:ln>
+            <a:solidFill>
+              <a:schemeClr val="tx1"/>
+            </a:solidFill>
+          </a:ln>
+        </p:spPr>
+        <p:style>
+          <a:lnRef idx="2">
+            <a:schemeClr val="accent1">
+              <a:shade val="50000"/>
+            </a:schemeClr>
+          </a:lnRef>
+          <a:fillRef idx="1">
+            <a:schemeClr val="accent1"/>
+          </a:fillRef>
+          <a:effectRef idx="0">
+            <a:schemeClr val="accent1"/>
+          </a:effectRef>
+          <a:fontRef idx="minor">
+            <a:schemeClr val="lt1"/>
+          </a:fontRef>
+        </p:style>
+        <p:txBody>
+          <a:bodyPr rtlCol="0" anchor="ctr"/>
+          <a:lstStyle/>
+          <a:p>
+            <a:pPr algn="ctr"/>
+            <a:endParaRPr lang="zh-TW" altLang="en-US" dirty="0">
+              <a:solidFill>
+                <a:schemeClr val="tx1"/>
+              </a:solidFill>
+            </a:endParaRPr>
+          </a:p>
+        </p:txBody>
+      </p:sp>
+      <p:cxnSp>
+        <p:nvCxnSpPr>
+          <p:cNvPr id="21" name="直線單箭頭接點 20"/>
+          <p:cNvCxnSpPr/>
+          <p:nvPr/>
+        </p:nvCxnSpPr>
+        <p:spPr>
+          <a:xfrm>
+            <a:off x="5192136" y="2752969"/>
+            <a:ext cx="504056" cy="0"/>
+          </a:xfrm>
+          <a:prstGeom prst="straightConnector1">
+            <a:avLst/>
+          </a:prstGeom>
+          <a:ln w="19050">
+            <a:tailEnd type="arrow"/>
+          </a:ln>
+        </p:spPr>
+        <p:style>
+          <a:lnRef idx="2">
+            <a:schemeClr val="dk1"/>
+          </a:lnRef>
+          <a:fillRef idx="0">
+            <a:schemeClr val="dk1"/>
+          </a:fillRef>
+          <a:effectRef idx="1">
+            <a:schemeClr val="dk1"/>
+          </a:effectRef>
+          <a:fontRef idx="minor">
+            <a:schemeClr val="tx1"/>
+          </a:fontRef>
+        </p:style>
+      </p:cxnSp>
+      <p:sp>
+        <p:nvSpPr>
+          <p:cNvPr id="23" name="矩形 22"/>
+          <p:cNvSpPr/>
+          <p:nvPr/>
+        </p:nvSpPr>
+        <p:spPr>
+          <a:xfrm>
+            <a:off x="5652120" y="2559829"/>
+            <a:ext cx="576064" cy="369332"/>
+          </a:xfrm>
+          <a:prstGeom prst="rect">
+            <a:avLst/>
+          </a:prstGeom>
+        </p:spPr>
+        <p:txBody>
+          <a:bodyPr wrap="square">
+            <a:spAutoFit/>
+          </a:bodyPr>
+          <a:lstStyle/>
+          <a:p>
+            <a:r>
+              <a:rPr lang="en-US" altLang="zh-TW" dirty="0" smtClean="0">
+                <a:solidFill>
+                  <a:srgbClr val="C00000"/>
+                </a:solidFill>
+              </a:rPr>
+              <a:t>Null</a:t>
+            </a:r>
+            <a:endParaRPr lang="zh-TW" altLang="en-US" dirty="0">
+              <a:solidFill>
+                <a:srgbClr val="C00000"/>
+              </a:solidFill>
+            </a:endParaRPr>
+          </a:p>
+        </p:txBody>
+      </p:sp>
+      <p:cxnSp>
+        <p:nvCxnSpPr>
+          <p:cNvPr id="28" name="直線單箭頭接點 27"/>
+          <p:cNvCxnSpPr/>
+          <p:nvPr/>
+        </p:nvCxnSpPr>
+        <p:spPr>
+          <a:xfrm flipV="1">
+            <a:off x="2498445" y="2948376"/>
+            <a:ext cx="0" cy="432047"/>
+          </a:xfrm>
+          <a:prstGeom prst="straightConnector1">
+            <a:avLst/>
+          </a:prstGeom>
+          <a:ln>
+            <a:tailEnd type="arrow"/>
+          </a:ln>
+        </p:spPr>
+        <p:style>
+          <a:lnRef idx="2">
+            <a:schemeClr val="accent2"/>
+          </a:lnRef>
+          <a:fillRef idx="0">
+            <a:schemeClr val="accent2"/>
+          </a:fillRef>
+          <a:effectRef idx="1">
+            <a:schemeClr val="accent2"/>
+          </a:effectRef>
+          <a:fontRef idx="minor">
+            <a:schemeClr val="tx1"/>
+          </a:fontRef>
+        </p:style>
+      </p:cxnSp>
+      <p:sp>
+        <p:nvSpPr>
+          <p:cNvPr id="31" name="矩形 30"/>
+          <p:cNvSpPr/>
+          <p:nvPr/>
+        </p:nvSpPr>
+        <p:spPr>
+          <a:xfrm>
+            <a:off x="2088580" y="3434005"/>
+            <a:ext cx="982626" cy="369332"/>
+          </a:xfrm>
+          <a:prstGeom prst="rect">
+            <a:avLst/>
+          </a:prstGeom>
+        </p:spPr>
+        <p:txBody>
+          <a:bodyPr wrap="square">
+            <a:spAutoFit/>
+          </a:bodyPr>
+          <a:lstStyle/>
+          <a:p>
+            <a:r>
+              <a:rPr lang="en-US" altLang="zh-TW" dirty="0" err="1" smtClean="0"/>
+              <a:t>NodePtr</a:t>
+            </a:r>
+            <a:endParaRPr lang="zh-TW" altLang="en-US" dirty="0"/>
+          </a:p>
+        </p:txBody>
+      </p:sp>
+      <p:sp>
+        <p:nvSpPr>
+          <p:cNvPr id="24" name="矩形 23"/>
+          <p:cNvSpPr/>
+          <p:nvPr/>
+        </p:nvSpPr>
+        <p:spPr>
+          <a:xfrm>
+            <a:off x="446220" y="4634895"/>
+            <a:ext cx="504055" cy="407761"/>
+          </a:xfrm>
+          <a:prstGeom prst="rect">
+            <a:avLst/>
+          </a:prstGeom>
+          <a:solidFill>
+            <a:srgbClr val="92D050"/>
+          </a:solidFill>
+          <a:ln>
+            <a:solidFill>
+              <a:schemeClr val="tx1"/>
+            </a:solidFill>
+          </a:ln>
+        </p:spPr>
+        <p:style>
+          <a:lnRef idx="2">
+            <a:schemeClr val="accent1">
+              <a:shade val="50000"/>
+            </a:schemeClr>
+          </a:lnRef>
+          <a:fillRef idx="1">
+            <a:schemeClr val="accent1"/>
+          </a:fillRef>
+          <a:effectRef idx="0">
+            <a:schemeClr val="accent1"/>
+          </a:effectRef>
+          <a:fontRef idx="minor">
+            <a:schemeClr val="lt1"/>
+          </a:fontRef>
+        </p:style>
+        <p:txBody>
+          <a:bodyPr rtlCol="0" anchor="ctr"/>
+          <a:lstStyle/>
+          <a:p>
+            <a:pPr algn="ctr"/>
+            <a:r>
+              <a:rPr lang="en-US" altLang="zh-TW" sz="1200" dirty="0" smtClean="0">
+                <a:solidFill>
+                  <a:schemeClr val="tx1"/>
+                </a:solidFill>
+              </a:rPr>
+              <a:t>data</a:t>
+            </a:r>
+            <a:endParaRPr lang="zh-TW" altLang="en-US" sz="1200" baseline="-25000" dirty="0">
+              <a:solidFill>
+                <a:schemeClr val="tx1"/>
+              </a:solidFill>
+            </a:endParaRPr>
+          </a:p>
+        </p:txBody>
+      </p:sp>
+      <p:sp>
+        <p:nvSpPr>
+          <p:cNvPr id="26" name="矩形 25"/>
+          <p:cNvSpPr/>
+          <p:nvPr/>
+        </p:nvSpPr>
+        <p:spPr>
+          <a:xfrm>
+            <a:off x="950275" y="4634894"/>
+            <a:ext cx="288033" cy="407761"/>
+          </a:xfrm>
+          <a:prstGeom prst="rect">
+            <a:avLst/>
+          </a:prstGeom>
+          <a:solidFill>
+            <a:schemeClr val="bg1"/>
+          </a:solidFill>
+          <a:ln>
+            <a:solidFill>
+              <a:schemeClr val="tx1"/>
+            </a:solidFill>
+          </a:ln>
+        </p:spPr>
+        <p:style>
+          <a:lnRef idx="2">
+            <a:schemeClr val="accent1">
+              <a:shade val="50000"/>
+            </a:schemeClr>
+          </a:lnRef>
+          <a:fillRef idx="1">
+            <a:schemeClr val="accent1"/>
+          </a:fillRef>
+          <a:effectRef idx="0">
+            <a:schemeClr val="accent1"/>
+          </a:effectRef>
+          <a:fontRef idx="minor">
+            <a:schemeClr val="lt1"/>
+          </a:fontRef>
+        </p:style>
+        <p:txBody>
+          <a:bodyPr rtlCol="0" anchor="ctr"/>
+          <a:lstStyle/>
+          <a:p>
+            <a:pPr algn="ctr"/>
+            <a:endParaRPr lang="zh-TW" altLang="en-US" dirty="0">
+              <a:solidFill>
+                <a:schemeClr val="tx1"/>
+              </a:solidFill>
+            </a:endParaRPr>
+          </a:p>
+        </p:txBody>
+      </p:sp>
+      <p:cxnSp>
+        <p:nvCxnSpPr>
+          <p:cNvPr id="27" name="直線單箭頭接點 26"/>
+          <p:cNvCxnSpPr/>
+          <p:nvPr/>
+        </p:nvCxnSpPr>
+        <p:spPr>
+          <a:xfrm>
+            <a:off x="1094291" y="4843012"/>
+            <a:ext cx="504056" cy="0"/>
+          </a:xfrm>
+          <a:prstGeom prst="straightConnector1">
+            <a:avLst/>
+          </a:prstGeom>
+          <a:ln w="19050">
+            <a:tailEnd type="arrow"/>
+          </a:ln>
+        </p:spPr>
+        <p:style>
+          <a:lnRef idx="2">
+            <a:schemeClr val="dk1"/>
+          </a:lnRef>
+          <a:fillRef idx="0">
+            <a:schemeClr val="dk1"/>
+          </a:fillRef>
+          <a:effectRef idx="1">
+            <a:schemeClr val="dk1"/>
+          </a:effectRef>
+          <a:fontRef idx="minor">
+            <a:schemeClr val="tx1"/>
+          </a:fontRef>
+        </p:style>
+      </p:cxnSp>
+      <p:sp>
+        <p:nvSpPr>
+          <p:cNvPr id="29" name="矩形 28"/>
+          <p:cNvSpPr/>
+          <p:nvPr/>
+        </p:nvSpPr>
+        <p:spPr>
+          <a:xfrm>
+            <a:off x="1554275" y="4649872"/>
+            <a:ext cx="576064" cy="369332"/>
+          </a:xfrm>
+          <a:prstGeom prst="rect">
+            <a:avLst/>
+          </a:prstGeom>
+        </p:spPr>
+        <p:txBody>
+          <a:bodyPr wrap="square">
+            <a:spAutoFit/>
+          </a:bodyPr>
+          <a:lstStyle/>
+          <a:p>
+            <a:r>
+              <a:rPr lang="en-US" altLang="zh-TW" dirty="0" smtClean="0">
+                <a:solidFill>
+                  <a:srgbClr val="C00000"/>
+                </a:solidFill>
+              </a:rPr>
+              <a:t>Null</a:t>
+            </a:r>
+            <a:endParaRPr lang="zh-TW" altLang="en-US" dirty="0">
+              <a:solidFill>
+                <a:srgbClr val="C00000"/>
+              </a:solidFill>
+            </a:endParaRPr>
+          </a:p>
+        </p:txBody>
+      </p:sp>
+      <p:sp>
+        <p:nvSpPr>
+          <p:cNvPr id="35" name="矩形 34"/>
+          <p:cNvSpPr/>
+          <p:nvPr/>
+        </p:nvSpPr>
+        <p:spPr>
+          <a:xfrm>
+            <a:off x="439691" y="5199574"/>
+            <a:ext cx="3381296" cy="307777"/>
+          </a:xfrm>
+          <a:prstGeom prst="rect">
+            <a:avLst/>
+          </a:prstGeom>
+        </p:spPr>
+        <p:txBody>
+          <a:bodyPr wrap="square">
+            <a:spAutoFit/>
+          </a:bodyPr>
+          <a:lstStyle/>
+          <a:p>
+            <a:r>
+              <a:rPr lang="en-US" altLang="zh-TW" sz="1400" dirty="0" smtClean="0">
+                <a:latin typeface="微軟正黑體" panose="020B0604030504040204" pitchFamily="34" charset="-120"/>
+                <a:ea typeface="微軟正黑體" panose="020B0604030504040204" pitchFamily="34" charset="-120"/>
+              </a:rPr>
+              <a:t>(3) </a:t>
+            </a:r>
+            <a:r>
+              <a:rPr lang="zh-TW" altLang="en-US" sz="1400" dirty="0" smtClean="0"/>
+              <a:t>建立 </a:t>
+            </a:r>
+            <a:r>
+              <a:rPr lang="en-US" altLang="zh-TW" sz="1400" dirty="0" smtClean="0"/>
+              <a:t>Node</a:t>
+            </a:r>
+            <a:r>
+              <a:rPr lang="zh-TW" altLang="en-US" sz="1400" dirty="0" smtClean="0"/>
+              <a:t> </a:t>
+            </a:r>
+            <a:r>
+              <a:rPr lang="zh-TW" altLang="en-US" sz="1400" dirty="0" smtClean="0"/>
+              <a:t>並將 </a:t>
+            </a:r>
+            <a:r>
+              <a:rPr lang="en-US" altLang="zh-TW" sz="1400" dirty="0" err="1" smtClean="0"/>
+              <a:t>headPtr</a:t>
+            </a:r>
+            <a:r>
+              <a:rPr lang="zh-TW" altLang="en-US" sz="1400" dirty="0" smtClean="0"/>
+              <a:t> 指向此 </a:t>
+            </a:r>
+            <a:r>
+              <a:rPr lang="en-US" altLang="zh-TW" sz="1400" dirty="0" smtClean="0"/>
+              <a:t>Node</a:t>
+            </a:r>
+            <a:r>
+              <a:rPr lang="zh-TW" altLang="en-US" sz="1400" dirty="0" smtClean="0"/>
+              <a:t> </a:t>
+            </a:r>
+            <a:endParaRPr lang="en-US" altLang="zh-TW" sz="1400" dirty="0" smtClean="0"/>
+          </a:p>
+        </p:txBody>
+      </p:sp>
+      <p:sp>
+        <p:nvSpPr>
+          <p:cNvPr id="36" name="矩形 35"/>
+          <p:cNvSpPr/>
+          <p:nvPr/>
+        </p:nvSpPr>
+        <p:spPr>
+          <a:xfrm>
+            <a:off x="0" y="0"/>
+            <a:ext cx="9144000" cy="369332"/>
+          </a:xfrm>
+          <a:prstGeom prst="rect">
+            <a:avLst/>
+          </a:prstGeom>
+          <a:solidFill>
+            <a:schemeClr val="accent1">
+              <a:lumMod val="40000"/>
+              <a:lumOff val="60000"/>
+            </a:schemeClr>
+          </a:solidFill>
+        </p:spPr>
+        <p:txBody>
+          <a:bodyPr wrap="square">
+            <a:spAutoFit/>
+          </a:bodyPr>
+          <a:lstStyle/>
+          <a:p>
+            <a:r>
+              <a:rPr lang="zh-TW" altLang="en-US" dirty="0">
+                <a:latin typeface="微軟正黑體" panose="020B0604030504040204" pitchFamily="34" charset="-120"/>
+                <a:ea typeface="微軟正黑體" panose="020B0604030504040204" pitchFamily="34" charset="-120"/>
+              </a:rPr>
+              <a:t>頭</a:t>
+            </a:r>
+            <a:r>
+              <a:rPr lang="zh-TW" altLang="en-US" dirty="0" smtClean="0">
+                <a:latin typeface="微軟正黑體" panose="020B0604030504040204" pitchFamily="34" charset="-120"/>
+                <a:ea typeface="微軟正黑體" panose="020B0604030504040204" pitchFamily="34" charset="-120"/>
+              </a:rPr>
+              <a:t>插法 </a:t>
+            </a:r>
+            <a:r>
+              <a:rPr lang="en-US" altLang="zh-TW" dirty="0" err="1" smtClean="0">
+                <a:latin typeface="微軟正黑體" panose="020B0604030504040204" pitchFamily="34" charset="-120"/>
+                <a:ea typeface="微軟正黑體" panose="020B0604030504040204" pitchFamily="34" charset="-120"/>
+              </a:rPr>
+              <a:t>ListInsertHead</a:t>
+            </a:r>
+            <a:r>
+              <a:rPr lang="en-US" altLang="zh-TW" dirty="0" smtClean="0">
+                <a:latin typeface="微軟正黑體" panose="020B0604030504040204" pitchFamily="34" charset="-120"/>
+                <a:ea typeface="微軟正黑體" panose="020B0604030504040204" pitchFamily="34" charset="-120"/>
+              </a:rPr>
+              <a:t>() </a:t>
+            </a:r>
+            <a:r>
+              <a:rPr lang="en-US" altLang="zh-TW" dirty="0" err="1" smtClean="0">
+                <a:latin typeface="微軟正黑體" panose="020B0604030504040204" pitchFamily="34" charset="-120"/>
+                <a:ea typeface="微軟正黑體" panose="020B0604030504040204" pitchFamily="34" charset="-120"/>
+              </a:rPr>
+              <a:t>headPtr</a:t>
+            </a:r>
+            <a:r>
+              <a:rPr lang="zh-TW" altLang="en-US" dirty="0">
+                <a:latin typeface="微軟正黑體" panose="020B0604030504040204" pitchFamily="34" charset="-120"/>
+                <a:ea typeface="微軟正黑體" panose="020B0604030504040204" pitchFamily="34" charset="-120"/>
+              </a:rPr>
+              <a:t>不是指向 </a:t>
+            </a:r>
+            <a:r>
+              <a:rPr lang="en-US" altLang="zh-TW" dirty="0" smtClean="0">
+                <a:latin typeface="微軟正黑體" panose="020B0604030504040204" pitchFamily="34" charset="-120"/>
+                <a:ea typeface="微軟正黑體" panose="020B0604030504040204" pitchFamily="34" charset="-120"/>
+              </a:rPr>
+              <a:t>Null</a:t>
+            </a:r>
+            <a:endParaRPr lang="zh-TW" altLang="en-US" dirty="0">
+              <a:latin typeface="微軟正黑體" panose="020B0604030504040204" pitchFamily="34" charset="-120"/>
+              <a:ea typeface="微軟正黑體" panose="020B0604030504040204" pitchFamily="34" charset="-120"/>
+            </a:endParaRPr>
+          </a:p>
+        </p:txBody>
+      </p:sp>
+    </p:spTree>
+    <p:extLst>
+      <p:ext uri="{BB962C8B-B14F-4D97-AF65-F5344CB8AC3E}">
+        <p14:creationId xmlns:p14="http://schemas.microsoft.com/office/powerpoint/2010/main" val="2966818930"/>
+      </p:ext>
+    </p:extLst>
+  </p:cSld>
+  <p:clrMapOvr>
+    <a:masterClrMapping/>
+  </p:clrMapOvr>
+  <p:timing>
+    <p:tnLst>
+      <p:par>
+        <p:cTn id="1" dur="indefinite" restart="never" nodeType="tmRoot"/>
+      </p:par>
+    </p:tnLst>
+  </p:timing>
+</p:sld>
+</file>
+
+<file path=ppt/slides/slide13.xml><?xml version="1.0" encoding="utf-8"?>
+<p:sld xmlns:a="http://schemas.openxmlformats.org/drawingml/2006/main" xmlns:r="http://schemas.openxmlformats.org/officeDocument/2006/relationships" xmlns:p="http://schemas.openxmlformats.org/presentationml/2006/main">
+  <p:cSld>
+    <p:spTree>
+      <p:nvGrpSpPr>
+        <p:cNvPr id="1" name=""/>
+        <p:cNvGrpSpPr/>
+        <p:nvPr/>
+      </p:nvGrpSpPr>
+      <p:grpSpPr>
+        <a:xfrm>
+          <a:off x="0" y="0"/>
+          <a:ext cx="0" cy="0"/>
+          <a:chOff x="0" y="0"/>
+          <a:chExt cx="0" cy="0"/>
+        </a:xfrm>
+      </p:grpSpPr>
+      <p:cxnSp>
+        <p:nvCxnSpPr>
+          <p:cNvPr id="22" name="直線單箭頭接點 21"/>
+          <p:cNvCxnSpPr/>
+          <p:nvPr/>
+        </p:nvCxnSpPr>
+        <p:spPr>
+          <a:xfrm>
+            <a:off x="204678" y="2744495"/>
+            <a:ext cx="910938" cy="3"/>
+          </a:xfrm>
+          <a:prstGeom prst="straightConnector1">
+            <a:avLst/>
+          </a:prstGeom>
+          <a:ln w="28575">
+            <a:tailEnd type="arrow"/>
+          </a:ln>
+        </p:spPr>
+        <p:style>
+          <a:lnRef idx="2">
+            <a:schemeClr val="dk1"/>
+          </a:lnRef>
+          <a:fillRef idx="0">
+            <a:schemeClr val="dk1"/>
+          </a:fillRef>
+          <a:effectRef idx="1">
+            <a:schemeClr val="dk1"/>
+          </a:effectRef>
+          <a:fontRef idx="minor">
+            <a:schemeClr val="tx1"/>
+          </a:fontRef>
+        </p:style>
+      </p:cxnSp>
+      <p:sp>
+        <p:nvSpPr>
+          <p:cNvPr id="3" name="矩形 2"/>
+          <p:cNvSpPr/>
+          <p:nvPr/>
+        </p:nvSpPr>
+        <p:spPr>
+          <a:xfrm>
+            <a:off x="204678" y="2312450"/>
+            <a:ext cx="783187" cy="369332"/>
+          </a:xfrm>
+          <a:prstGeom prst="rect">
+            <a:avLst/>
+          </a:prstGeom>
+        </p:spPr>
+        <p:txBody>
+          <a:bodyPr wrap="square">
+            <a:spAutoFit/>
+          </a:bodyPr>
+          <a:lstStyle/>
+          <a:p>
+            <a:r>
+              <a:rPr lang="en-US" altLang="zh-TW" dirty="0" err="1" smtClean="0"/>
+              <a:t>ListPtr</a:t>
+            </a:r>
+            <a:endParaRPr lang="zh-TW" altLang="en-US" dirty="0"/>
+          </a:p>
+        </p:txBody>
+      </p:sp>
+      <p:sp>
+        <p:nvSpPr>
+          <p:cNvPr id="25" name="矩形 24"/>
+          <p:cNvSpPr/>
+          <p:nvPr/>
+        </p:nvSpPr>
+        <p:spPr>
+          <a:xfrm>
+            <a:off x="1115616" y="2540617"/>
+            <a:ext cx="738083" cy="407761"/>
+          </a:xfrm>
+          <a:prstGeom prst="rect">
+            <a:avLst/>
+          </a:prstGeom>
+          <a:solidFill>
+            <a:schemeClr val="accent1">
+              <a:lumMod val="40000"/>
+              <a:lumOff val="60000"/>
+            </a:schemeClr>
+          </a:solidFill>
+          <a:ln>
+            <a:solidFill>
+              <a:schemeClr val="tx1"/>
+            </a:solidFill>
+          </a:ln>
+        </p:spPr>
+        <p:style>
+          <a:lnRef idx="2">
+            <a:schemeClr val="accent1">
+              <a:shade val="50000"/>
+            </a:schemeClr>
+          </a:lnRef>
+          <a:fillRef idx="1">
+            <a:schemeClr val="accent1"/>
+          </a:fillRef>
+          <a:effectRef idx="0">
+            <a:schemeClr val="accent1"/>
+          </a:effectRef>
+          <a:fontRef idx="minor">
+            <a:schemeClr val="lt1"/>
+          </a:fontRef>
+        </p:style>
+        <p:txBody>
+          <a:bodyPr rtlCol="0" anchor="ctr"/>
+          <a:lstStyle/>
+          <a:p>
+            <a:pPr algn="ctr"/>
+            <a:r>
+              <a:rPr lang="en-US" altLang="zh-TW" sz="1200" dirty="0" err="1" smtClean="0">
+                <a:solidFill>
+                  <a:schemeClr val="tx1"/>
+                </a:solidFill>
+              </a:rPr>
+              <a:t>headPtr</a:t>
+            </a:r>
+            <a:endParaRPr lang="zh-TW" altLang="en-US" baseline="-25000" dirty="0">
+              <a:solidFill>
+                <a:schemeClr val="tx1"/>
+              </a:solidFill>
+            </a:endParaRPr>
+          </a:p>
+        </p:txBody>
+      </p:sp>
+      <p:sp>
+        <p:nvSpPr>
+          <p:cNvPr id="38" name="左大括弧 37"/>
+          <p:cNvSpPr/>
+          <p:nvPr/>
+        </p:nvSpPr>
+        <p:spPr>
+          <a:xfrm rot="5400000">
+            <a:off x="1351868" y="1947152"/>
+            <a:ext cx="288032" cy="730598"/>
+          </a:xfrm>
+          <a:prstGeom prst="leftBrace">
+            <a:avLst>
+              <a:gd name="adj1" fmla="val 30076"/>
+              <a:gd name="adj2" fmla="val 50000"/>
+            </a:avLst>
+          </a:prstGeom>
+        </p:spPr>
+        <p:style>
+          <a:lnRef idx="2">
+            <a:schemeClr val="dk1"/>
+          </a:lnRef>
+          <a:fillRef idx="0">
+            <a:schemeClr val="dk1"/>
+          </a:fillRef>
+          <a:effectRef idx="1">
+            <a:schemeClr val="dk1"/>
+          </a:effectRef>
+          <a:fontRef idx="minor">
+            <a:schemeClr val="tx1"/>
+          </a:fontRef>
+        </p:style>
+        <p:txBody>
+          <a:bodyPr rtlCol="0" anchor="ctr"/>
+          <a:lstStyle/>
+          <a:p>
+            <a:pPr algn="ctr"/>
+            <a:endParaRPr lang="zh-TW" altLang="en-US"/>
+          </a:p>
+        </p:txBody>
+      </p:sp>
+      <p:sp>
+        <p:nvSpPr>
+          <p:cNvPr id="39" name="文字方塊 38"/>
+          <p:cNvSpPr txBox="1"/>
+          <p:nvPr/>
+        </p:nvSpPr>
+        <p:spPr>
+          <a:xfrm>
+            <a:off x="1234909" y="1736386"/>
+            <a:ext cx="499496" cy="369332"/>
+          </a:xfrm>
+          <a:prstGeom prst="rect">
+            <a:avLst/>
+          </a:prstGeom>
+        </p:spPr>
+        <p:style>
+          <a:lnRef idx="2">
+            <a:schemeClr val="accent6"/>
+          </a:lnRef>
+          <a:fillRef idx="1">
+            <a:schemeClr val="lt1"/>
+          </a:fillRef>
+          <a:effectRef idx="0">
+            <a:schemeClr val="accent6"/>
+          </a:effectRef>
+          <a:fontRef idx="minor">
+            <a:schemeClr val="dk1"/>
+          </a:fontRef>
+        </p:style>
+        <p:txBody>
+          <a:bodyPr wrap="none" rtlCol="0">
+            <a:spAutoFit/>
+          </a:bodyPr>
+          <a:lstStyle/>
+          <a:p>
+            <a:r>
+              <a:rPr lang="en-US" altLang="zh-TW" dirty="0"/>
+              <a:t>List</a:t>
+            </a:r>
+            <a:endParaRPr lang="zh-TW" altLang="en-US" dirty="0"/>
+          </a:p>
+        </p:txBody>
+      </p:sp>
+      <p:sp>
+        <p:nvSpPr>
+          <p:cNvPr id="30" name="矩形 29"/>
+          <p:cNvSpPr/>
+          <p:nvPr/>
+        </p:nvSpPr>
+        <p:spPr>
+          <a:xfrm>
+            <a:off x="2263754" y="2544852"/>
+            <a:ext cx="504055" cy="407761"/>
+          </a:xfrm>
+          <a:prstGeom prst="rect">
+            <a:avLst/>
+          </a:prstGeom>
+          <a:solidFill>
+            <a:srgbClr val="92D050"/>
+          </a:solidFill>
+          <a:ln>
+            <a:solidFill>
+              <a:schemeClr val="tx1"/>
+            </a:solidFill>
+          </a:ln>
+        </p:spPr>
+        <p:style>
+          <a:lnRef idx="2">
+            <a:schemeClr val="accent1">
+              <a:shade val="50000"/>
+            </a:schemeClr>
+          </a:lnRef>
+          <a:fillRef idx="1">
+            <a:schemeClr val="accent1"/>
+          </a:fillRef>
+          <a:effectRef idx="0">
+            <a:schemeClr val="accent1"/>
+          </a:effectRef>
+          <a:fontRef idx="minor">
+            <a:schemeClr val="lt1"/>
+          </a:fontRef>
+        </p:style>
+        <p:txBody>
+          <a:bodyPr rtlCol="0" anchor="ctr"/>
+          <a:lstStyle/>
+          <a:p>
+            <a:pPr algn="ctr"/>
+            <a:r>
+              <a:rPr lang="en-US" altLang="zh-TW" sz="1200" dirty="0" smtClean="0">
+                <a:solidFill>
+                  <a:schemeClr val="tx1"/>
+                </a:solidFill>
+              </a:rPr>
+              <a:t>data</a:t>
+            </a:r>
+            <a:endParaRPr lang="zh-TW" altLang="en-US" sz="1200" baseline="-25000" dirty="0">
+              <a:solidFill>
+                <a:schemeClr val="tx1"/>
+              </a:solidFill>
+            </a:endParaRPr>
+          </a:p>
+        </p:txBody>
+      </p:sp>
+      <p:sp>
+        <p:nvSpPr>
+          <p:cNvPr id="32" name="矩形 31"/>
+          <p:cNvSpPr/>
+          <p:nvPr/>
+        </p:nvSpPr>
+        <p:spPr>
+          <a:xfrm>
+            <a:off x="2767809" y="2544852"/>
+            <a:ext cx="288033" cy="407761"/>
+          </a:xfrm>
+          <a:prstGeom prst="rect">
+            <a:avLst/>
+          </a:prstGeom>
+          <a:solidFill>
+            <a:schemeClr val="bg1"/>
+          </a:solidFill>
+          <a:ln>
+            <a:solidFill>
+              <a:schemeClr val="tx1"/>
+            </a:solidFill>
+          </a:ln>
+        </p:spPr>
+        <p:style>
+          <a:lnRef idx="2">
+            <a:schemeClr val="accent1">
+              <a:shade val="50000"/>
+            </a:schemeClr>
+          </a:lnRef>
+          <a:fillRef idx="1">
+            <a:schemeClr val="accent1"/>
+          </a:fillRef>
+          <a:effectRef idx="0">
+            <a:schemeClr val="accent1"/>
+          </a:effectRef>
+          <a:fontRef idx="minor">
+            <a:schemeClr val="lt1"/>
+          </a:fontRef>
+        </p:style>
+        <p:txBody>
+          <a:bodyPr rtlCol="0" anchor="ctr"/>
+          <a:lstStyle/>
+          <a:p>
+            <a:pPr algn="ctr"/>
+            <a:endParaRPr lang="zh-TW" altLang="en-US" dirty="0">
+              <a:solidFill>
+                <a:schemeClr val="tx1"/>
+              </a:solidFill>
+            </a:endParaRPr>
+          </a:p>
+        </p:txBody>
+      </p:sp>
+      <p:cxnSp>
+        <p:nvCxnSpPr>
+          <p:cNvPr id="34" name="直線單箭頭接點 33"/>
+          <p:cNvCxnSpPr>
+            <a:stCxn id="25" idx="2"/>
+            <a:endCxn id="24" idx="0"/>
+          </p:cNvCxnSpPr>
+          <p:nvPr/>
+        </p:nvCxnSpPr>
+        <p:spPr>
+          <a:xfrm flipH="1">
+            <a:off x="766725" y="2948378"/>
+            <a:ext cx="717933" cy="1500119"/>
+          </a:xfrm>
+          <a:prstGeom prst="straightConnector1">
+            <a:avLst/>
+          </a:prstGeom>
+          <a:ln w="19050">
+            <a:tailEnd type="arrow"/>
+          </a:ln>
+        </p:spPr>
+        <p:style>
+          <a:lnRef idx="2">
+            <a:schemeClr val="dk1"/>
+          </a:lnRef>
+          <a:fillRef idx="0">
+            <a:schemeClr val="dk1"/>
+          </a:fillRef>
+          <a:effectRef idx="1">
+            <a:schemeClr val="dk1"/>
+          </a:effectRef>
+          <a:fontRef idx="minor">
+            <a:schemeClr val="tx1"/>
+          </a:fontRef>
+        </p:style>
+      </p:cxnSp>
+      <p:cxnSp>
+        <p:nvCxnSpPr>
+          <p:cNvPr id="15" name="直線單箭頭接點 14"/>
+          <p:cNvCxnSpPr/>
+          <p:nvPr/>
+        </p:nvCxnSpPr>
+        <p:spPr>
+          <a:xfrm>
+            <a:off x="2911825" y="2748733"/>
+            <a:ext cx="504056" cy="0"/>
+          </a:xfrm>
+          <a:prstGeom prst="straightConnector1">
+            <a:avLst/>
+          </a:prstGeom>
+          <a:ln w="19050">
+            <a:tailEnd type="arrow"/>
+          </a:ln>
+        </p:spPr>
+        <p:style>
+          <a:lnRef idx="2">
+            <a:schemeClr val="dk1"/>
+          </a:lnRef>
+          <a:fillRef idx="0">
+            <a:schemeClr val="dk1"/>
+          </a:fillRef>
+          <a:effectRef idx="1">
+            <a:schemeClr val="dk1"/>
+          </a:effectRef>
+          <a:fontRef idx="minor">
+            <a:schemeClr val="tx1"/>
+          </a:fontRef>
+        </p:style>
+      </p:cxnSp>
+      <p:sp>
+        <p:nvSpPr>
+          <p:cNvPr id="16" name="矩形 15"/>
+          <p:cNvSpPr/>
+          <p:nvPr/>
+        </p:nvSpPr>
+        <p:spPr>
+          <a:xfrm>
+            <a:off x="3391938" y="2540616"/>
+            <a:ext cx="504055" cy="407761"/>
+          </a:xfrm>
+          <a:prstGeom prst="rect">
+            <a:avLst/>
+          </a:prstGeom>
+          <a:solidFill>
+            <a:srgbClr val="92D050"/>
+          </a:solidFill>
+          <a:ln>
+            <a:solidFill>
+              <a:schemeClr val="tx1"/>
+            </a:solidFill>
+          </a:ln>
+        </p:spPr>
+        <p:style>
+          <a:lnRef idx="2">
+            <a:schemeClr val="accent1">
+              <a:shade val="50000"/>
+            </a:schemeClr>
+          </a:lnRef>
+          <a:fillRef idx="1">
+            <a:schemeClr val="accent1"/>
+          </a:fillRef>
+          <a:effectRef idx="0">
+            <a:schemeClr val="accent1"/>
+          </a:effectRef>
+          <a:fontRef idx="minor">
+            <a:schemeClr val="lt1"/>
+          </a:fontRef>
+        </p:style>
+        <p:txBody>
+          <a:bodyPr rtlCol="0" anchor="ctr"/>
+          <a:lstStyle/>
+          <a:p>
+            <a:pPr algn="ctr"/>
+            <a:r>
+              <a:rPr lang="en-US" altLang="zh-TW" sz="1200" dirty="0" smtClean="0">
+                <a:solidFill>
+                  <a:schemeClr val="tx1"/>
+                </a:solidFill>
+              </a:rPr>
+              <a:t>data</a:t>
+            </a:r>
+            <a:endParaRPr lang="zh-TW" altLang="en-US" sz="1200" baseline="-25000" dirty="0">
+              <a:solidFill>
+                <a:schemeClr val="tx1"/>
+              </a:solidFill>
+            </a:endParaRPr>
+          </a:p>
+        </p:txBody>
+      </p:sp>
+      <p:sp>
+        <p:nvSpPr>
+          <p:cNvPr id="17" name="矩形 16"/>
+          <p:cNvSpPr/>
+          <p:nvPr/>
+        </p:nvSpPr>
+        <p:spPr>
+          <a:xfrm>
+            <a:off x="3895993" y="2540615"/>
+            <a:ext cx="288033" cy="407761"/>
+          </a:xfrm>
+          <a:prstGeom prst="rect">
+            <a:avLst/>
+          </a:prstGeom>
+          <a:solidFill>
+            <a:schemeClr val="bg1"/>
+          </a:solidFill>
+          <a:ln>
+            <a:solidFill>
+              <a:schemeClr val="tx1"/>
+            </a:solidFill>
+          </a:ln>
+        </p:spPr>
+        <p:style>
+          <a:lnRef idx="2">
+            <a:schemeClr val="accent1">
+              <a:shade val="50000"/>
+            </a:schemeClr>
+          </a:lnRef>
+          <a:fillRef idx="1">
+            <a:schemeClr val="accent1"/>
+          </a:fillRef>
+          <a:effectRef idx="0">
+            <a:schemeClr val="accent1"/>
+          </a:effectRef>
+          <a:fontRef idx="minor">
+            <a:schemeClr val="lt1"/>
+          </a:fontRef>
+        </p:style>
+        <p:txBody>
+          <a:bodyPr rtlCol="0" anchor="ctr"/>
+          <a:lstStyle/>
+          <a:p>
+            <a:pPr algn="ctr"/>
+            <a:endParaRPr lang="zh-TW" altLang="en-US" dirty="0">
+              <a:solidFill>
+                <a:schemeClr val="tx1"/>
+              </a:solidFill>
+            </a:endParaRPr>
+          </a:p>
+        </p:txBody>
+      </p:sp>
+      <p:cxnSp>
+        <p:nvCxnSpPr>
+          <p:cNvPr id="18" name="直線單箭頭接點 17"/>
+          <p:cNvCxnSpPr/>
+          <p:nvPr/>
+        </p:nvCxnSpPr>
+        <p:spPr>
+          <a:xfrm>
+            <a:off x="4040009" y="2748733"/>
+            <a:ext cx="504056" cy="0"/>
+          </a:xfrm>
+          <a:prstGeom prst="straightConnector1">
+            <a:avLst/>
+          </a:prstGeom>
+          <a:ln w="19050">
+            <a:tailEnd type="arrow"/>
+          </a:ln>
+        </p:spPr>
+        <p:style>
+          <a:lnRef idx="2">
+            <a:schemeClr val="dk1"/>
+          </a:lnRef>
+          <a:fillRef idx="0">
+            <a:schemeClr val="dk1"/>
+          </a:fillRef>
+          <a:effectRef idx="1">
+            <a:schemeClr val="dk1"/>
+          </a:effectRef>
+          <a:fontRef idx="minor">
+            <a:schemeClr val="tx1"/>
+          </a:fontRef>
+        </p:style>
+      </p:cxnSp>
+      <p:sp>
+        <p:nvSpPr>
+          <p:cNvPr id="19" name="矩形 18"/>
+          <p:cNvSpPr/>
+          <p:nvPr/>
+        </p:nvSpPr>
+        <p:spPr>
+          <a:xfrm>
+            <a:off x="4544065" y="2544852"/>
+            <a:ext cx="504055" cy="407761"/>
+          </a:xfrm>
+          <a:prstGeom prst="rect">
+            <a:avLst/>
+          </a:prstGeom>
+          <a:solidFill>
+            <a:srgbClr val="92D050"/>
+          </a:solidFill>
+          <a:ln>
+            <a:solidFill>
+              <a:schemeClr val="tx1"/>
+            </a:solidFill>
+          </a:ln>
+        </p:spPr>
+        <p:style>
+          <a:lnRef idx="2">
+            <a:schemeClr val="accent1">
+              <a:shade val="50000"/>
+            </a:schemeClr>
+          </a:lnRef>
+          <a:fillRef idx="1">
+            <a:schemeClr val="accent1"/>
+          </a:fillRef>
+          <a:effectRef idx="0">
+            <a:schemeClr val="accent1"/>
+          </a:effectRef>
+          <a:fontRef idx="minor">
+            <a:schemeClr val="lt1"/>
+          </a:fontRef>
+        </p:style>
+        <p:txBody>
+          <a:bodyPr rtlCol="0" anchor="ctr"/>
+          <a:lstStyle/>
+          <a:p>
+            <a:pPr algn="ctr"/>
+            <a:r>
+              <a:rPr lang="en-US" altLang="zh-TW" sz="1200" dirty="0" smtClean="0">
+                <a:solidFill>
+                  <a:schemeClr val="tx1"/>
+                </a:solidFill>
+              </a:rPr>
+              <a:t>data</a:t>
+            </a:r>
+            <a:endParaRPr lang="zh-TW" altLang="en-US" sz="1200" baseline="-25000" dirty="0">
+              <a:solidFill>
+                <a:schemeClr val="tx1"/>
+              </a:solidFill>
+            </a:endParaRPr>
+          </a:p>
+        </p:txBody>
+      </p:sp>
+      <p:sp>
+        <p:nvSpPr>
+          <p:cNvPr id="20" name="矩形 19"/>
+          <p:cNvSpPr/>
+          <p:nvPr/>
+        </p:nvSpPr>
+        <p:spPr>
+          <a:xfrm>
+            <a:off x="5048120" y="2544851"/>
+            <a:ext cx="288033" cy="407761"/>
+          </a:xfrm>
+          <a:prstGeom prst="rect">
+            <a:avLst/>
+          </a:prstGeom>
+          <a:solidFill>
+            <a:schemeClr val="bg1"/>
+          </a:solidFill>
+          <a:ln>
+            <a:solidFill>
+              <a:schemeClr val="tx1"/>
+            </a:solidFill>
+          </a:ln>
+        </p:spPr>
+        <p:style>
+          <a:lnRef idx="2">
+            <a:schemeClr val="accent1">
+              <a:shade val="50000"/>
+            </a:schemeClr>
+          </a:lnRef>
+          <a:fillRef idx="1">
+            <a:schemeClr val="accent1"/>
+          </a:fillRef>
+          <a:effectRef idx="0">
+            <a:schemeClr val="accent1"/>
+          </a:effectRef>
+          <a:fontRef idx="minor">
+            <a:schemeClr val="lt1"/>
+          </a:fontRef>
+        </p:style>
+        <p:txBody>
+          <a:bodyPr rtlCol="0" anchor="ctr"/>
+          <a:lstStyle/>
+          <a:p>
+            <a:pPr algn="ctr"/>
+            <a:endParaRPr lang="zh-TW" altLang="en-US" dirty="0">
+              <a:solidFill>
+                <a:schemeClr val="tx1"/>
+              </a:solidFill>
+            </a:endParaRPr>
+          </a:p>
+        </p:txBody>
+      </p:sp>
+      <p:cxnSp>
+        <p:nvCxnSpPr>
+          <p:cNvPr id="21" name="直線單箭頭接點 20"/>
+          <p:cNvCxnSpPr/>
+          <p:nvPr/>
+        </p:nvCxnSpPr>
+        <p:spPr>
+          <a:xfrm>
+            <a:off x="5192136" y="2752969"/>
+            <a:ext cx="504056" cy="0"/>
+          </a:xfrm>
+          <a:prstGeom prst="straightConnector1">
+            <a:avLst/>
+          </a:prstGeom>
+          <a:ln w="19050">
+            <a:tailEnd type="arrow"/>
+          </a:ln>
+        </p:spPr>
+        <p:style>
+          <a:lnRef idx="2">
+            <a:schemeClr val="dk1"/>
+          </a:lnRef>
+          <a:fillRef idx="0">
+            <a:schemeClr val="dk1"/>
+          </a:fillRef>
+          <a:effectRef idx="1">
+            <a:schemeClr val="dk1"/>
+          </a:effectRef>
+          <a:fontRef idx="minor">
+            <a:schemeClr val="tx1"/>
+          </a:fontRef>
+        </p:style>
+      </p:cxnSp>
+      <p:sp>
+        <p:nvSpPr>
+          <p:cNvPr id="23" name="矩形 22"/>
+          <p:cNvSpPr/>
+          <p:nvPr/>
+        </p:nvSpPr>
+        <p:spPr>
+          <a:xfrm>
+            <a:off x="5652120" y="2559829"/>
+            <a:ext cx="576064" cy="369332"/>
+          </a:xfrm>
+          <a:prstGeom prst="rect">
+            <a:avLst/>
+          </a:prstGeom>
+        </p:spPr>
+        <p:txBody>
+          <a:bodyPr wrap="square">
+            <a:spAutoFit/>
+          </a:bodyPr>
+          <a:lstStyle/>
+          <a:p>
+            <a:r>
+              <a:rPr lang="en-US" altLang="zh-TW" dirty="0" smtClean="0">
+                <a:solidFill>
+                  <a:srgbClr val="C00000"/>
+                </a:solidFill>
+              </a:rPr>
+              <a:t>Null</a:t>
+            </a:r>
+            <a:endParaRPr lang="zh-TW" altLang="en-US" dirty="0">
+              <a:solidFill>
+                <a:srgbClr val="C00000"/>
+              </a:solidFill>
+            </a:endParaRPr>
+          </a:p>
+        </p:txBody>
+      </p:sp>
+      <p:cxnSp>
+        <p:nvCxnSpPr>
+          <p:cNvPr id="28" name="直線單箭頭接點 27"/>
+          <p:cNvCxnSpPr/>
+          <p:nvPr/>
+        </p:nvCxnSpPr>
+        <p:spPr>
+          <a:xfrm flipV="1">
+            <a:off x="2498445" y="2948376"/>
+            <a:ext cx="0" cy="432047"/>
+          </a:xfrm>
+          <a:prstGeom prst="straightConnector1">
+            <a:avLst/>
+          </a:prstGeom>
+          <a:ln>
+            <a:tailEnd type="arrow"/>
+          </a:ln>
+        </p:spPr>
+        <p:style>
+          <a:lnRef idx="2">
+            <a:schemeClr val="accent2"/>
+          </a:lnRef>
+          <a:fillRef idx="0">
+            <a:schemeClr val="accent2"/>
+          </a:fillRef>
+          <a:effectRef idx="1">
+            <a:schemeClr val="accent2"/>
+          </a:effectRef>
+          <a:fontRef idx="minor">
+            <a:schemeClr val="tx1"/>
+          </a:fontRef>
+        </p:style>
+      </p:cxnSp>
+      <p:sp>
+        <p:nvSpPr>
+          <p:cNvPr id="31" name="矩形 30"/>
+          <p:cNvSpPr/>
+          <p:nvPr/>
+        </p:nvSpPr>
+        <p:spPr>
+          <a:xfrm>
+            <a:off x="2088580" y="3434005"/>
+            <a:ext cx="982626" cy="369332"/>
+          </a:xfrm>
+          <a:prstGeom prst="rect">
+            <a:avLst/>
+          </a:prstGeom>
+        </p:spPr>
+        <p:txBody>
+          <a:bodyPr wrap="square">
+            <a:spAutoFit/>
+          </a:bodyPr>
+          <a:lstStyle/>
+          <a:p>
+            <a:r>
+              <a:rPr lang="en-US" altLang="zh-TW" dirty="0" err="1" smtClean="0"/>
+              <a:t>NodePtr</a:t>
+            </a:r>
+            <a:endParaRPr lang="zh-TW" altLang="en-US" dirty="0"/>
+          </a:p>
+        </p:txBody>
+      </p:sp>
+      <p:sp>
+        <p:nvSpPr>
+          <p:cNvPr id="24" name="矩形 23"/>
+          <p:cNvSpPr/>
+          <p:nvPr/>
+        </p:nvSpPr>
+        <p:spPr>
+          <a:xfrm>
+            <a:off x="514697" y="4448497"/>
+            <a:ext cx="504055" cy="407761"/>
+          </a:xfrm>
+          <a:prstGeom prst="rect">
+            <a:avLst/>
+          </a:prstGeom>
+          <a:solidFill>
+            <a:srgbClr val="92D050"/>
+          </a:solidFill>
+          <a:ln>
+            <a:solidFill>
+              <a:schemeClr val="tx1"/>
+            </a:solidFill>
+          </a:ln>
+        </p:spPr>
+        <p:style>
+          <a:lnRef idx="2">
+            <a:schemeClr val="accent1">
+              <a:shade val="50000"/>
+            </a:schemeClr>
+          </a:lnRef>
+          <a:fillRef idx="1">
+            <a:schemeClr val="accent1"/>
+          </a:fillRef>
+          <a:effectRef idx="0">
+            <a:schemeClr val="accent1"/>
+          </a:effectRef>
+          <a:fontRef idx="minor">
+            <a:schemeClr val="lt1"/>
+          </a:fontRef>
+        </p:style>
+        <p:txBody>
+          <a:bodyPr rtlCol="0" anchor="ctr"/>
+          <a:lstStyle/>
+          <a:p>
+            <a:pPr algn="ctr"/>
+            <a:r>
+              <a:rPr lang="en-US" altLang="zh-TW" sz="1200" dirty="0" smtClean="0">
+                <a:solidFill>
+                  <a:schemeClr val="tx1"/>
+                </a:solidFill>
+              </a:rPr>
+              <a:t>data</a:t>
+            </a:r>
+            <a:endParaRPr lang="zh-TW" altLang="en-US" sz="1200" baseline="-25000" dirty="0">
+              <a:solidFill>
+                <a:schemeClr val="tx1"/>
+              </a:solidFill>
+            </a:endParaRPr>
+          </a:p>
+        </p:txBody>
+      </p:sp>
+      <p:sp>
+        <p:nvSpPr>
+          <p:cNvPr id="26" name="矩形 25"/>
+          <p:cNvSpPr/>
+          <p:nvPr/>
+        </p:nvSpPr>
+        <p:spPr>
+          <a:xfrm>
+            <a:off x="1018752" y="4448496"/>
+            <a:ext cx="288033" cy="407761"/>
+          </a:xfrm>
+          <a:prstGeom prst="rect">
+            <a:avLst/>
+          </a:prstGeom>
+          <a:solidFill>
+            <a:schemeClr val="bg1"/>
+          </a:solidFill>
+          <a:ln>
+            <a:solidFill>
+              <a:schemeClr val="tx1"/>
+            </a:solidFill>
+          </a:ln>
+        </p:spPr>
+        <p:style>
+          <a:lnRef idx="2">
+            <a:schemeClr val="accent1">
+              <a:shade val="50000"/>
+            </a:schemeClr>
+          </a:lnRef>
+          <a:fillRef idx="1">
+            <a:schemeClr val="accent1"/>
+          </a:fillRef>
+          <a:effectRef idx="0">
+            <a:schemeClr val="accent1"/>
+          </a:effectRef>
+          <a:fontRef idx="minor">
+            <a:schemeClr val="lt1"/>
+          </a:fontRef>
+        </p:style>
+        <p:txBody>
+          <a:bodyPr rtlCol="0" anchor="ctr"/>
+          <a:lstStyle/>
+          <a:p>
+            <a:pPr algn="ctr"/>
+            <a:endParaRPr lang="zh-TW" altLang="en-US" dirty="0">
+              <a:solidFill>
+                <a:schemeClr val="tx1"/>
+              </a:solidFill>
+            </a:endParaRPr>
+          </a:p>
+        </p:txBody>
+      </p:sp>
+      <p:cxnSp>
+        <p:nvCxnSpPr>
+          <p:cNvPr id="27" name="直線單箭頭接點 26"/>
+          <p:cNvCxnSpPr/>
+          <p:nvPr/>
+        </p:nvCxnSpPr>
+        <p:spPr>
+          <a:xfrm flipV="1">
+            <a:off x="1162768" y="2952613"/>
+            <a:ext cx="1100986" cy="1704002"/>
+          </a:xfrm>
+          <a:prstGeom prst="straightConnector1">
+            <a:avLst/>
+          </a:prstGeom>
+          <a:ln w="19050">
+            <a:tailEnd type="arrow"/>
+          </a:ln>
+        </p:spPr>
+        <p:style>
+          <a:lnRef idx="2">
+            <a:schemeClr val="dk1"/>
+          </a:lnRef>
+          <a:fillRef idx="0">
+            <a:schemeClr val="dk1"/>
+          </a:fillRef>
+          <a:effectRef idx="1">
+            <a:schemeClr val="dk1"/>
+          </a:effectRef>
+          <a:fontRef idx="minor">
+            <a:schemeClr val="tx1"/>
+          </a:fontRef>
+        </p:style>
+      </p:cxnSp>
+      <p:sp>
+        <p:nvSpPr>
+          <p:cNvPr id="35" name="矩形 34"/>
+          <p:cNvSpPr/>
+          <p:nvPr/>
+        </p:nvSpPr>
+        <p:spPr>
+          <a:xfrm>
+            <a:off x="508168" y="5013176"/>
+            <a:ext cx="3381296" cy="307777"/>
+          </a:xfrm>
+          <a:prstGeom prst="rect">
+            <a:avLst/>
+          </a:prstGeom>
+        </p:spPr>
+        <p:txBody>
+          <a:bodyPr wrap="square">
+            <a:spAutoFit/>
+          </a:bodyPr>
+          <a:lstStyle/>
+          <a:p>
+            <a:r>
+              <a:rPr lang="en-US" altLang="zh-TW" sz="1400" dirty="0" smtClean="0">
+                <a:latin typeface="微軟正黑體" panose="020B0604030504040204" pitchFamily="34" charset="-120"/>
+                <a:ea typeface="微軟正黑體" panose="020B0604030504040204" pitchFamily="34" charset="-120"/>
+              </a:rPr>
+              <a:t>(4) </a:t>
+            </a:r>
+            <a:r>
+              <a:rPr lang="zh-TW" altLang="en-US" sz="1400" dirty="0" smtClean="0">
+                <a:latin typeface="微軟正黑體" panose="020B0604030504040204" pitchFamily="34" charset="-120"/>
+                <a:ea typeface="微軟正黑體" panose="020B0604030504040204" pitchFamily="34" charset="-120"/>
+              </a:rPr>
+              <a:t>將此 </a:t>
+            </a:r>
+            <a:r>
+              <a:rPr lang="en-US" altLang="zh-TW" sz="1400" dirty="0" smtClean="0"/>
+              <a:t>Node</a:t>
+            </a:r>
+            <a:r>
+              <a:rPr lang="zh-TW" altLang="en-US" sz="1400" dirty="0" smtClean="0"/>
+              <a:t> </a:t>
+            </a:r>
+            <a:r>
+              <a:rPr lang="en-US" altLang="zh-TW" sz="1400" dirty="0" smtClean="0"/>
+              <a:t>next </a:t>
+            </a:r>
+            <a:r>
+              <a:rPr lang="zh-TW" altLang="en-US" sz="1400" dirty="0" smtClean="0"/>
+              <a:t>指向 </a:t>
+            </a:r>
+            <a:r>
+              <a:rPr lang="en-US" altLang="zh-TW" sz="1400" dirty="0" err="1"/>
+              <a:t>NodePtr</a:t>
+            </a:r>
+            <a:r>
+              <a:rPr lang="zh-TW" altLang="en-US" sz="1400" dirty="0" smtClean="0"/>
+              <a:t> </a:t>
+            </a:r>
+            <a:endParaRPr lang="en-US" altLang="zh-TW" sz="1400" dirty="0" smtClean="0"/>
+          </a:p>
+        </p:txBody>
+      </p:sp>
+      <p:sp>
+        <p:nvSpPr>
+          <p:cNvPr id="33" name="矩形 32"/>
+          <p:cNvSpPr/>
+          <p:nvPr/>
+        </p:nvSpPr>
+        <p:spPr>
+          <a:xfrm>
+            <a:off x="0" y="0"/>
+            <a:ext cx="9144000" cy="369332"/>
+          </a:xfrm>
+          <a:prstGeom prst="rect">
+            <a:avLst/>
+          </a:prstGeom>
+          <a:solidFill>
+            <a:schemeClr val="accent1">
+              <a:lumMod val="40000"/>
+              <a:lumOff val="60000"/>
+            </a:schemeClr>
+          </a:solidFill>
+        </p:spPr>
+        <p:txBody>
+          <a:bodyPr wrap="square">
+            <a:spAutoFit/>
+          </a:bodyPr>
+          <a:lstStyle/>
+          <a:p>
+            <a:r>
+              <a:rPr lang="zh-TW" altLang="en-US" dirty="0">
+                <a:latin typeface="微軟正黑體" panose="020B0604030504040204" pitchFamily="34" charset="-120"/>
+                <a:ea typeface="微軟正黑體" panose="020B0604030504040204" pitchFamily="34" charset="-120"/>
+              </a:rPr>
+              <a:t>頭</a:t>
+            </a:r>
+            <a:r>
+              <a:rPr lang="zh-TW" altLang="en-US" dirty="0" smtClean="0">
+                <a:latin typeface="微軟正黑體" panose="020B0604030504040204" pitchFamily="34" charset="-120"/>
+                <a:ea typeface="微軟正黑體" panose="020B0604030504040204" pitchFamily="34" charset="-120"/>
+              </a:rPr>
+              <a:t>插法 </a:t>
+            </a:r>
+            <a:r>
+              <a:rPr lang="en-US" altLang="zh-TW" dirty="0" err="1" smtClean="0">
+                <a:latin typeface="微軟正黑體" panose="020B0604030504040204" pitchFamily="34" charset="-120"/>
+                <a:ea typeface="微軟正黑體" panose="020B0604030504040204" pitchFamily="34" charset="-120"/>
+              </a:rPr>
+              <a:t>ListInsertHead</a:t>
+            </a:r>
+            <a:r>
+              <a:rPr lang="en-US" altLang="zh-TW" dirty="0" smtClean="0">
+                <a:latin typeface="微軟正黑體" panose="020B0604030504040204" pitchFamily="34" charset="-120"/>
+                <a:ea typeface="微軟正黑體" panose="020B0604030504040204" pitchFamily="34" charset="-120"/>
+              </a:rPr>
+              <a:t>() </a:t>
+            </a:r>
+            <a:r>
+              <a:rPr lang="en-US" altLang="zh-TW" dirty="0" err="1">
+                <a:latin typeface="微軟正黑體" panose="020B0604030504040204" pitchFamily="34" charset="-120"/>
+                <a:ea typeface="微軟正黑體" panose="020B0604030504040204" pitchFamily="34" charset="-120"/>
+              </a:rPr>
+              <a:t>headPtr</a:t>
+            </a:r>
+            <a:r>
+              <a:rPr lang="zh-TW" altLang="en-US" dirty="0">
+                <a:latin typeface="微軟正黑體" panose="020B0604030504040204" pitchFamily="34" charset="-120"/>
+                <a:ea typeface="微軟正黑體" panose="020B0604030504040204" pitchFamily="34" charset="-120"/>
+              </a:rPr>
+              <a:t> </a:t>
+            </a:r>
+            <a:r>
+              <a:rPr lang="zh-TW" altLang="en-US" dirty="0" smtClean="0">
+                <a:latin typeface="微軟正黑體" panose="020B0604030504040204" pitchFamily="34" charset="-120"/>
+                <a:ea typeface="微軟正黑體" panose="020B0604030504040204" pitchFamily="34" charset="-120"/>
+              </a:rPr>
+              <a:t>不是指向 </a:t>
+            </a:r>
+            <a:r>
+              <a:rPr lang="en-US" altLang="zh-TW" dirty="0">
+                <a:latin typeface="微軟正黑體" panose="020B0604030504040204" pitchFamily="34" charset="-120"/>
+                <a:ea typeface="微軟正黑體" panose="020B0604030504040204" pitchFamily="34" charset="-120"/>
+              </a:rPr>
+              <a:t>Null</a:t>
+            </a:r>
+            <a:endParaRPr lang="zh-TW" altLang="en-US" dirty="0">
+              <a:latin typeface="微軟正黑體" panose="020B0604030504040204" pitchFamily="34" charset="-120"/>
+              <a:ea typeface="微軟正黑體" panose="020B0604030504040204" pitchFamily="34" charset="-120"/>
+            </a:endParaRPr>
+          </a:p>
+        </p:txBody>
+      </p:sp>
+    </p:spTree>
+    <p:extLst>
+      <p:ext uri="{BB962C8B-B14F-4D97-AF65-F5344CB8AC3E}">
+        <p14:creationId xmlns:p14="http://schemas.microsoft.com/office/powerpoint/2010/main" val="2920997349"/>
+      </p:ext>
+    </p:extLst>
+  </p:cSld>
+  <p:clrMapOvr>
+    <a:masterClrMapping/>
+  </p:clrMapOvr>
+  <p:timing>
+    <p:tnLst>
+      <p:par>
+        <p:cTn id="1" dur="indefinite" restart="never" nodeType="tmRoot"/>
+      </p:par>
+    </p:tnLst>
+  </p:timing>
+</p:sld>
+</file>
+
+<file path=ppt/slides/slide14.xml><?xml version="1.0" encoding="utf-8"?>
+<p:sld xmlns:a="http://schemas.openxmlformats.org/drawingml/2006/main" xmlns:r="http://schemas.openxmlformats.org/officeDocument/2006/relationships" xmlns:p="http://schemas.openxmlformats.org/presentationml/2006/main">
+  <p:cSld>
+    <p:spTree>
+      <p:nvGrpSpPr>
+        <p:cNvPr id="1" name=""/>
+        <p:cNvGrpSpPr/>
+        <p:nvPr/>
+      </p:nvGrpSpPr>
+      <p:grpSpPr>
+        <a:xfrm>
+          <a:off x="0" y="0"/>
+          <a:ext cx="0" cy="0"/>
+          <a:chOff x="0" y="0"/>
+          <a:chExt cx="0" cy="0"/>
+        </a:xfrm>
+      </p:grpSpPr>
+      <p:cxnSp>
+        <p:nvCxnSpPr>
+          <p:cNvPr id="22" name="直線單箭頭接點 21"/>
+          <p:cNvCxnSpPr/>
+          <p:nvPr/>
+        </p:nvCxnSpPr>
+        <p:spPr>
+          <a:xfrm>
+            <a:off x="728471" y="1484784"/>
+            <a:ext cx="999211" cy="0"/>
+          </a:xfrm>
+          <a:prstGeom prst="straightConnector1">
+            <a:avLst/>
+          </a:prstGeom>
+          <a:ln w="28575">
+            <a:tailEnd type="arrow"/>
+          </a:ln>
+        </p:spPr>
+        <p:style>
+          <a:lnRef idx="2">
+            <a:schemeClr val="dk1"/>
+          </a:lnRef>
+          <a:fillRef idx="0">
+            <a:schemeClr val="dk1"/>
+          </a:fillRef>
+          <a:effectRef idx="1">
+            <a:schemeClr val="dk1"/>
+          </a:effectRef>
+          <a:fontRef idx="minor">
+            <a:schemeClr val="tx1"/>
+          </a:fontRef>
+        </p:style>
+      </p:cxnSp>
+      <p:sp>
+        <p:nvSpPr>
+          <p:cNvPr id="2" name="矩形 1"/>
+          <p:cNvSpPr/>
+          <p:nvPr/>
+        </p:nvSpPr>
+        <p:spPr>
+          <a:xfrm>
+            <a:off x="0" y="0"/>
+            <a:ext cx="9144000" cy="369332"/>
+          </a:xfrm>
+          <a:prstGeom prst="rect">
+            <a:avLst/>
+          </a:prstGeom>
+          <a:solidFill>
+            <a:schemeClr val="accent1">
+              <a:lumMod val="40000"/>
+              <a:lumOff val="60000"/>
+            </a:schemeClr>
+          </a:solidFill>
+        </p:spPr>
+        <p:txBody>
+          <a:bodyPr wrap="square">
+            <a:spAutoFit/>
+          </a:bodyPr>
+          <a:lstStyle/>
+          <a:p>
+            <a:r>
+              <a:rPr lang="zh-TW" altLang="en-US" dirty="0" smtClean="0">
+                <a:latin typeface="微軟正黑體" panose="020B0604030504040204" pitchFamily="34" charset="-120"/>
+                <a:ea typeface="微軟正黑體" panose="020B0604030504040204" pitchFamily="34" charset="-120"/>
+              </a:rPr>
+              <a:t>刪除 </a:t>
+            </a:r>
+            <a:r>
+              <a:rPr lang="en-US" altLang="zh-TW" dirty="0" smtClean="0">
+                <a:latin typeface="微軟正黑體" panose="020B0604030504040204" pitchFamily="34" charset="-120"/>
+                <a:ea typeface="微軟正黑體" panose="020B0604030504040204" pitchFamily="34" charset="-120"/>
+              </a:rPr>
+              <a:t>Node</a:t>
+            </a:r>
+            <a:r>
+              <a:rPr lang="zh-TW" altLang="en-US" dirty="0" smtClean="0">
+                <a:latin typeface="微軟正黑體" panose="020B0604030504040204" pitchFamily="34" charset="-120"/>
+                <a:ea typeface="微軟正黑體" panose="020B0604030504040204" pitchFamily="34" charset="-120"/>
+              </a:rPr>
+              <a:t> </a:t>
+            </a:r>
+            <a:r>
+              <a:rPr lang="en-US" altLang="zh-TW" dirty="0" err="1" smtClean="0">
+                <a:latin typeface="微軟正黑體" panose="020B0604030504040204" pitchFamily="34" charset="-120"/>
+                <a:ea typeface="微軟正黑體" panose="020B0604030504040204" pitchFamily="34" charset="-120"/>
+              </a:rPr>
+              <a:t>DeleteNode</a:t>
+            </a:r>
+            <a:r>
+              <a:rPr lang="en-US" altLang="zh-TW" dirty="0" smtClean="0">
+                <a:latin typeface="微軟正黑體" panose="020B0604030504040204" pitchFamily="34" charset="-120"/>
+                <a:ea typeface="微軟正黑體" panose="020B0604030504040204" pitchFamily="34" charset="-120"/>
+              </a:rPr>
+              <a:t>()</a:t>
+            </a:r>
+            <a:endParaRPr lang="zh-TW" altLang="en-US" dirty="0">
+              <a:latin typeface="微軟正黑體" panose="020B0604030504040204" pitchFamily="34" charset="-120"/>
+              <a:ea typeface="微軟正黑體" panose="020B0604030504040204" pitchFamily="34" charset="-120"/>
+            </a:endParaRPr>
+          </a:p>
+        </p:txBody>
+      </p:sp>
+      <p:sp>
+        <p:nvSpPr>
+          <p:cNvPr id="3" name="矩形 2"/>
+          <p:cNvSpPr/>
+          <p:nvPr/>
+        </p:nvSpPr>
+        <p:spPr>
+          <a:xfrm>
+            <a:off x="816744" y="1052736"/>
+            <a:ext cx="783187" cy="369332"/>
+          </a:xfrm>
+          <a:prstGeom prst="rect">
+            <a:avLst/>
+          </a:prstGeom>
+        </p:spPr>
+        <p:txBody>
+          <a:bodyPr wrap="square">
+            <a:spAutoFit/>
+          </a:bodyPr>
+          <a:lstStyle/>
+          <a:p>
+            <a:r>
+              <a:rPr lang="en-US" altLang="zh-TW" dirty="0" err="1" smtClean="0"/>
+              <a:t>ListPtr</a:t>
+            </a:r>
+            <a:endParaRPr lang="zh-TW" altLang="en-US" dirty="0"/>
+          </a:p>
+        </p:txBody>
+      </p:sp>
+      <p:sp>
+        <p:nvSpPr>
+          <p:cNvPr id="25" name="矩形 24"/>
+          <p:cNvSpPr/>
+          <p:nvPr/>
+        </p:nvSpPr>
+        <p:spPr>
+          <a:xfrm>
+            <a:off x="1727682" y="1280903"/>
+            <a:ext cx="1476166" cy="407761"/>
+          </a:xfrm>
+          <a:prstGeom prst="rect">
+            <a:avLst/>
+          </a:prstGeom>
+          <a:solidFill>
+            <a:schemeClr val="accent1">
+              <a:lumMod val="40000"/>
+              <a:lumOff val="60000"/>
+            </a:schemeClr>
+          </a:solidFill>
+          <a:ln>
+            <a:solidFill>
+              <a:schemeClr val="tx1"/>
+            </a:solidFill>
+          </a:ln>
+        </p:spPr>
+        <p:style>
+          <a:lnRef idx="2">
+            <a:schemeClr val="accent1">
+              <a:shade val="50000"/>
+            </a:schemeClr>
+          </a:lnRef>
+          <a:fillRef idx="1">
+            <a:schemeClr val="accent1"/>
+          </a:fillRef>
+          <a:effectRef idx="0">
+            <a:schemeClr val="accent1"/>
+          </a:effectRef>
+          <a:fontRef idx="minor">
+            <a:schemeClr val="lt1"/>
+          </a:fontRef>
+        </p:style>
+        <p:txBody>
+          <a:bodyPr rtlCol="0" anchor="ctr"/>
+          <a:lstStyle/>
+          <a:p>
+            <a:pPr algn="ctr"/>
+            <a:r>
+              <a:rPr lang="en-US" altLang="zh-TW" sz="1200" dirty="0" err="1" smtClean="0">
+                <a:solidFill>
+                  <a:schemeClr val="tx1"/>
+                </a:solidFill>
+              </a:rPr>
+              <a:t>NodePtr</a:t>
+            </a:r>
+            <a:r>
+              <a:rPr lang="zh-TW" altLang="en-US" sz="1200" dirty="0" smtClean="0">
+                <a:solidFill>
+                  <a:schemeClr val="tx1"/>
+                </a:solidFill>
+              </a:rPr>
+              <a:t> </a:t>
+            </a:r>
+            <a:r>
+              <a:rPr lang="en-US" altLang="zh-TW" sz="1200" dirty="0" smtClean="0">
+                <a:solidFill>
+                  <a:schemeClr val="tx1"/>
+                </a:solidFill>
+              </a:rPr>
+              <a:t>(</a:t>
+            </a:r>
+            <a:r>
+              <a:rPr lang="en-US" altLang="zh-TW" sz="1200" dirty="0" err="1">
+                <a:solidFill>
+                  <a:schemeClr val="tx1"/>
+                </a:solidFill>
+              </a:rPr>
+              <a:t>headPtr</a:t>
+            </a:r>
+            <a:r>
+              <a:rPr lang="en-US" altLang="zh-TW" sz="1200" dirty="0">
+                <a:solidFill>
+                  <a:schemeClr val="tx1"/>
+                </a:solidFill>
+              </a:rPr>
+              <a:t>)</a:t>
+            </a:r>
+            <a:endParaRPr lang="zh-TW" altLang="en-US" baseline="-25000" dirty="0">
+              <a:solidFill>
+                <a:schemeClr val="tx1"/>
+              </a:solidFill>
+            </a:endParaRPr>
+          </a:p>
+        </p:txBody>
+      </p:sp>
+      <p:sp>
+        <p:nvSpPr>
+          <p:cNvPr id="38" name="左大括弧 37"/>
+          <p:cNvSpPr/>
+          <p:nvPr/>
+        </p:nvSpPr>
+        <p:spPr>
+          <a:xfrm rot="5400000">
+            <a:off x="2329233" y="322138"/>
+            <a:ext cx="288032" cy="1461197"/>
+          </a:xfrm>
+          <a:prstGeom prst="leftBrace">
+            <a:avLst>
+              <a:gd name="adj1" fmla="val 30076"/>
+              <a:gd name="adj2" fmla="val 50000"/>
+            </a:avLst>
+          </a:prstGeom>
+        </p:spPr>
+        <p:style>
+          <a:lnRef idx="2">
+            <a:schemeClr val="dk1"/>
+          </a:lnRef>
+          <a:fillRef idx="0">
+            <a:schemeClr val="dk1"/>
+          </a:fillRef>
+          <a:effectRef idx="1">
+            <a:schemeClr val="dk1"/>
+          </a:effectRef>
+          <a:fontRef idx="minor">
+            <a:schemeClr val="tx1"/>
+          </a:fontRef>
+        </p:style>
+        <p:txBody>
+          <a:bodyPr rtlCol="0" anchor="ctr"/>
+          <a:lstStyle/>
+          <a:p>
+            <a:pPr algn="ctr"/>
+            <a:endParaRPr lang="zh-TW" altLang="en-US"/>
+          </a:p>
+        </p:txBody>
+      </p:sp>
+      <p:sp>
+        <p:nvSpPr>
+          <p:cNvPr id="39" name="文字方塊 38"/>
+          <p:cNvSpPr txBox="1"/>
+          <p:nvPr/>
+        </p:nvSpPr>
+        <p:spPr>
+          <a:xfrm>
+            <a:off x="2216017" y="476672"/>
+            <a:ext cx="499496" cy="369332"/>
+          </a:xfrm>
+          <a:prstGeom prst="rect">
+            <a:avLst/>
+          </a:prstGeom>
+        </p:spPr>
+        <p:style>
+          <a:lnRef idx="2">
+            <a:schemeClr val="accent6"/>
+          </a:lnRef>
+          <a:fillRef idx="1">
+            <a:schemeClr val="lt1"/>
+          </a:fillRef>
+          <a:effectRef idx="0">
+            <a:schemeClr val="accent6"/>
+          </a:effectRef>
+          <a:fontRef idx="minor">
+            <a:schemeClr val="dk1"/>
+          </a:fontRef>
+        </p:style>
+        <p:txBody>
+          <a:bodyPr wrap="none" rtlCol="0">
+            <a:spAutoFit/>
+          </a:bodyPr>
+          <a:lstStyle/>
+          <a:p>
+            <a:r>
+              <a:rPr lang="en-US" altLang="zh-TW" dirty="0"/>
+              <a:t>List</a:t>
+            </a:r>
+            <a:endParaRPr lang="zh-TW" altLang="en-US" dirty="0"/>
+          </a:p>
+        </p:txBody>
+      </p:sp>
+      <p:cxnSp>
+        <p:nvCxnSpPr>
+          <p:cNvPr id="34" name="直線單箭頭接點 33"/>
+          <p:cNvCxnSpPr/>
+          <p:nvPr/>
+        </p:nvCxnSpPr>
+        <p:spPr>
+          <a:xfrm>
+            <a:off x="3059832" y="1489019"/>
+            <a:ext cx="720080" cy="0"/>
+          </a:xfrm>
+          <a:prstGeom prst="straightConnector1">
+            <a:avLst/>
+          </a:prstGeom>
+          <a:ln w="19050">
+            <a:tailEnd type="arrow"/>
+          </a:ln>
+        </p:spPr>
+        <p:style>
+          <a:lnRef idx="2">
+            <a:schemeClr val="dk1"/>
+          </a:lnRef>
+          <a:fillRef idx="0">
+            <a:schemeClr val="dk1"/>
+          </a:fillRef>
+          <a:effectRef idx="1">
+            <a:schemeClr val="dk1"/>
+          </a:effectRef>
+          <a:fontRef idx="minor">
+            <a:schemeClr val="tx1"/>
+          </a:fontRef>
+        </p:style>
+      </p:cxnSp>
+      <p:sp>
+        <p:nvSpPr>
+          <p:cNvPr id="35" name="矩形 34"/>
+          <p:cNvSpPr/>
+          <p:nvPr/>
+        </p:nvSpPr>
+        <p:spPr>
+          <a:xfrm>
+            <a:off x="3779913" y="1285138"/>
+            <a:ext cx="576064" cy="369332"/>
+          </a:xfrm>
+          <a:prstGeom prst="rect">
+            <a:avLst/>
+          </a:prstGeom>
+        </p:spPr>
+        <p:txBody>
+          <a:bodyPr wrap="square">
+            <a:spAutoFit/>
+          </a:bodyPr>
+          <a:lstStyle/>
+          <a:p>
+            <a:r>
+              <a:rPr lang="en-US" altLang="zh-TW" dirty="0" smtClean="0">
+                <a:solidFill>
+                  <a:srgbClr val="C00000"/>
+                </a:solidFill>
+              </a:rPr>
+              <a:t>Null</a:t>
+            </a:r>
+            <a:endParaRPr lang="zh-TW" altLang="en-US" dirty="0">
+              <a:solidFill>
+                <a:srgbClr val="C00000"/>
+              </a:solidFill>
+            </a:endParaRPr>
+          </a:p>
+        </p:txBody>
+      </p:sp>
+      <p:sp>
+        <p:nvSpPr>
+          <p:cNvPr id="36" name="矩形 35"/>
+          <p:cNvSpPr/>
+          <p:nvPr/>
+        </p:nvSpPr>
+        <p:spPr>
+          <a:xfrm>
+            <a:off x="4324318" y="1315915"/>
+            <a:ext cx="3344026" cy="307777"/>
+          </a:xfrm>
+          <a:prstGeom prst="rect">
+            <a:avLst/>
+          </a:prstGeom>
+        </p:spPr>
+        <p:txBody>
+          <a:bodyPr wrap="square">
+            <a:spAutoFit/>
+          </a:bodyPr>
+          <a:lstStyle/>
+          <a:p>
+            <a:r>
+              <a:rPr lang="en-US" altLang="zh-TW" sz="1400" dirty="0" smtClean="0">
+                <a:latin typeface="微軟正黑體" panose="020B0604030504040204" pitchFamily="34" charset="-120"/>
+                <a:ea typeface="微軟正黑體" panose="020B0604030504040204" pitchFamily="34" charset="-120"/>
+              </a:rPr>
+              <a:t>(1) </a:t>
+            </a:r>
+            <a:r>
+              <a:rPr lang="zh-TW" altLang="en-US" sz="1400" dirty="0" smtClean="0">
+                <a:latin typeface="微軟正黑體" panose="020B0604030504040204" pitchFamily="34" charset="-120"/>
+                <a:ea typeface="微軟正黑體" panose="020B0604030504040204" pitchFamily="34" charset="-120"/>
+              </a:rPr>
+              <a:t>如果 </a:t>
+            </a:r>
+            <a:r>
+              <a:rPr lang="en-US" altLang="zh-TW" sz="1400" dirty="0" err="1" smtClean="0"/>
+              <a:t>headPtr</a:t>
+            </a:r>
+            <a:r>
+              <a:rPr lang="zh-TW" altLang="en-US" sz="1400" dirty="0" smtClean="0"/>
+              <a:t> 指向 </a:t>
+            </a:r>
+            <a:r>
+              <a:rPr lang="en-US" altLang="zh-TW" sz="1400" dirty="0" smtClean="0"/>
+              <a:t>Null </a:t>
+            </a:r>
+            <a:r>
+              <a:rPr lang="zh-TW" altLang="en-US" sz="1400" dirty="0" smtClean="0"/>
+              <a:t>就直接 </a:t>
+            </a:r>
+            <a:r>
+              <a:rPr lang="en-US" altLang="zh-TW" sz="1400" dirty="0" smtClean="0"/>
+              <a:t>return</a:t>
+            </a:r>
+            <a:endParaRPr lang="en-US" altLang="zh-TW" sz="1400" dirty="0" smtClean="0"/>
+          </a:p>
+        </p:txBody>
+      </p:sp>
+    </p:spTree>
+    <p:extLst>
+      <p:ext uri="{BB962C8B-B14F-4D97-AF65-F5344CB8AC3E}">
+        <p14:creationId xmlns:p14="http://schemas.microsoft.com/office/powerpoint/2010/main" val="751269438"/>
+      </p:ext>
+    </p:extLst>
+  </p:cSld>
+  <p:clrMapOvr>
+    <a:masterClrMapping/>
+  </p:clrMapOvr>
+  <p:timing>
+    <p:tnLst>
+      <p:par>
+        <p:cTn id="1" dur="indefinite" restart="never" nodeType="tmRoot"/>
+      </p:par>
+    </p:tnLst>
+  </p:timing>
+</p:sld>
+</file>
+
+<file path=ppt/slides/slide15.xml><?xml version="1.0" encoding="utf-8"?>
+<p:sld xmlns:a="http://schemas.openxmlformats.org/drawingml/2006/main" xmlns:r="http://schemas.openxmlformats.org/officeDocument/2006/relationships" xmlns:p="http://schemas.openxmlformats.org/presentationml/2006/main">
+  <p:cSld>
+    <p:spTree>
+      <p:nvGrpSpPr>
+        <p:cNvPr id="1" name=""/>
+        <p:cNvGrpSpPr/>
+        <p:nvPr/>
+      </p:nvGrpSpPr>
+      <p:grpSpPr>
+        <a:xfrm>
+          <a:off x="0" y="0"/>
+          <a:ext cx="0" cy="0"/>
+          <a:chOff x="0" y="0"/>
+          <a:chExt cx="0" cy="0"/>
+        </a:xfrm>
+      </p:grpSpPr>
+      <p:cxnSp>
+        <p:nvCxnSpPr>
+          <p:cNvPr id="22" name="直線單箭頭接點 21"/>
+          <p:cNvCxnSpPr/>
+          <p:nvPr/>
+        </p:nvCxnSpPr>
+        <p:spPr>
+          <a:xfrm>
+            <a:off x="204678" y="2744495"/>
+            <a:ext cx="910938" cy="3"/>
+          </a:xfrm>
+          <a:prstGeom prst="straightConnector1">
+            <a:avLst/>
+          </a:prstGeom>
+          <a:ln w="28575">
+            <a:tailEnd type="arrow"/>
+          </a:ln>
+        </p:spPr>
+        <p:style>
+          <a:lnRef idx="2">
+            <a:schemeClr val="dk1"/>
+          </a:lnRef>
+          <a:fillRef idx="0">
+            <a:schemeClr val="dk1"/>
+          </a:fillRef>
+          <a:effectRef idx="1">
+            <a:schemeClr val="dk1"/>
+          </a:effectRef>
+          <a:fontRef idx="minor">
+            <a:schemeClr val="tx1"/>
+          </a:fontRef>
+        </p:style>
+      </p:cxnSp>
+      <p:sp>
+        <p:nvSpPr>
+          <p:cNvPr id="3" name="矩形 2"/>
+          <p:cNvSpPr/>
+          <p:nvPr/>
+        </p:nvSpPr>
+        <p:spPr>
+          <a:xfrm>
+            <a:off x="204678" y="2312450"/>
+            <a:ext cx="783187" cy="369332"/>
+          </a:xfrm>
+          <a:prstGeom prst="rect">
+            <a:avLst/>
+          </a:prstGeom>
+        </p:spPr>
+        <p:txBody>
+          <a:bodyPr wrap="square">
+            <a:spAutoFit/>
+          </a:bodyPr>
+          <a:lstStyle/>
+          <a:p>
+            <a:r>
+              <a:rPr lang="en-US" altLang="zh-TW" dirty="0" err="1" smtClean="0"/>
+              <a:t>ListPtr</a:t>
+            </a:r>
+            <a:endParaRPr lang="zh-TW" altLang="en-US" dirty="0"/>
+          </a:p>
+        </p:txBody>
+      </p:sp>
+      <p:sp>
+        <p:nvSpPr>
+          <p:cNvPr id="25" name="矩形 24"/>
+          <p:cNvSpPr/>
+          <p:nvPr/>
+        </p:nvSpPr>
+        <p:spPr>
+          <a:xfrm>
+            <a:off x="1115616" y="2540617"/>
+            <a:ext cx="738083" cy="407761"/>
+          </a:xfrm>
+          <a:prstGeom prst="rect">
+            <a:avLst/>
+          </a:prstGeom>
+          <a:solidFill>
+            <a:schemeClr val="accent1">
+              <a:lumMod val="40000"/>
+              <a:lumOff val="60000"/>
+            </a:schemeClr>
+          </a:solidFill>
+          <a:ln>
+            <a:solidFill>
+              <a:schemeClr val="tx1"/>
+            </a:solidFill>
+          </a:ln>
+        </p:spPr>
+        <p:style>
+          <a:lnRef idx="2">
+            <a:schemeClr val="accent1">
+              <a:shade val="50000"/>
+            </a:schemeClr>
+          </a:lnRef>
+          <a:fillRef idx="1">
+            <a:schemeClr val="accent1"/>
+          </a:fillRef>
+          <a:effectRef idx="0">
+            <a:schemeClr val="accent1"/>
+          </a:effectRef>
+          <a:fontRef idx="minor">
+            <a:schemeClr val="lt1"/>
+          </a:fontRef>
+        </p:style>
+        <p:txBody>
+          <a:bodyPr rtlCol="0" anchor="ctr"/>
+          <a:lstStyle/>
+          <a:p>
+            <a:pPr algn="ctr"/>
+            <a:r>
+              <a:rPr lang="en-US" altLang="zh-TW" sz="1200" dirty="0" err="1" smtClean="0">
+                <a:solidFill>
+                  <a:schemeClr val="tx1"/>
+                </a:solidFill>
+              </a:rPr>
+              <a:t>headPtr</a:t>
+            </a:r>
+            <a:endParaRPr lang="zh-TW" altLang="en-US" baseline="-25000" dirty="0">
+              <a:solidFill>
+                <a:schemeClr val="tx1"/>
+              </a:solidFill>
+            </a:endParaRPr>
+          </a:p>
+        </p:txBody>
+      </p:sp>
+      <p:sp>
+        <p:nvSpPr>
+          <p:cNvPr id="38" name="左大括弧 37"/>
+          <p:cNvSpPr/>
+          <p:nvPr/>
+        </p:nvSpPr>
+        <p:spPr>
+          <a:xfrm rot="5400000">
+            <a:off x="1351868" y="1947152"/>
+            <a:ext cx="288032" cy="730598"/>
+          </a:xfrm>
+          <a:prstGeom prst="leftBrace">
+            <a:avLst>
+              <a:gd name="adj1" fmla="val 30076"/>
+              <a:gd name="adj2" fmla="val 50000"/>
+            </a:avLst>
+          </a:prstGeom>
+        </p:spPr>
+        <p:style>
+          <a:lnRef idx="2">
+            <a:schemeClr val="dk1"/>
+          </a:lnRef>
+          <a:fillRef idx="0">
+            <a:schemeClr val="dk1"/>
+          </a:fillRef>
+          <a:effectRef idx="1">
+            <a:schemeClr val="dk1"/>
+          </a:effectRef>
+          <a:fontRef idx="minor">
+            <a:schemeClr val="tx1"/>
+          </a:fontRef>
+        </p:style>
+        <p:txBody>
+          <a:bodyPr rtlCol="0" anchor="ctr"/>
+          <a:lstStyle/>
+          <a:p>
+            <a:pPr algn="ctr"/>
+            <a:endParaRPr lang="zh-TW" altLang="en-US"/>
+          </a:p>
+        </p:txBody>
+      </p:sp>
+      <p:sp>
+        <p:nvSpPr>
+          <p:cNvPr id="39" name="文字方塊 38"/>
+          <p:cNvSpPr txBox="1"/>
+          <p:nvPr/>
+        </p:nvSpPr>
+        <p:spPr>
+          <a:xfrm>
+            <a:off x="1234909" y="1736386"/>
+            <a:ext cx="499496" cy="369332"/>
+          </a:xfrm>
+          <a:prstGeom prst="rect">
+            <a:avLst/>
+          </a:prstGeom>
+        </p:spPr>
+        <p:style>
+          <a:lnRef idx="2">
+            <a:schemeClr val="accent6"/>
+          </a:lnRef>
+          <a:fillRef idx="1">
+            <a:schemeClr val="lt1"/>
+          </a:fillRef>
+          <a:effectRef idx="0">
+            <a:schemeClr val="accent6"/>
+          </a:effectRef>
+          <a:fontRef idx="minor">
+            <a:schemeClr val="dk1"/>
+          </a:fontRef>
+        </p:style>
+        <p:txBody>
+          <a:bodyPr wrap="none" rtlCol="0">
+            <a:spAutoFit/>
+          </a:bodyPr>
+          <a:lstStyle/>
+          <a:p>
+            <a:r>
+              <a:rPr lang="en-US" altLang="zh-TW" dirty="0"/>
+              <a:t>List</a:t>
+            </a:r>
+            <a:endParaRPr lang="zh-TW" altLang="en-US" dirty="0"/>
+          </a:p>
+        </p:txBody>
+      </p:sp>
+      <p:sp>
+        <p:nvSpPr>
+          <p:cNvPr id="30" name="矩形 29"/>
+          <p:cNvSpPr/>
+          <p:nvPr/>
+        </p:nvSpPr>
+        <p:spPr>
+          <a:xfrm>
+            <a:off x="2263754" y="2544852"/>
+            <a:ext cx="504055" cy="407761"/>
+          </a:xfrm>
+          <a:prstGeom prst="rect">
+            <a:avLst/>
+          </a:prstGeom>
+          <a:solidFill>
+            <a:srgbClr val="92D050"/>
+          </a:solidFill>
+          <a:ln>
+            <a:solidFill>
+              <a:schemeClr val="tx1"/>
+            </a:solidFill>
+          </a:ln>
+        </p:spPr>
+        <p:style>
+          <a:lnRef idx="2">
+            <a:schemeClr val="accent1">
+              <a:shade val="50000"/>
+            </a:schemeClr>
+          </a:lnRef>
+          <a:fillRef idx="1">
+            <a:schemeClr val="accent1"/>
+          </a:fillRef>
+          <a:effectRef idx="0">
+            <a:schemeClr val="accent1"/>
+          </a:effectRef>
+          <a:fontRef idx="minor">
+            <a:schemeClr val="lt1"/>
+          </a:fontRef>
+        </p:style>
+        <p:txBody>
+          <a:bodyPr rtlCol="0" anchor="ctr"/>
+          <a:lstStyle/>
+          <a:p>
+            <a:pPr algn="ctr"/>
+            <a:r>
+              <a:rPr lang="en-US" altLang="zh-TW" sz="1200" dirty="0" smtClean="0">
+                <a:solidFill>
+                  <a:schemeClr val="tx1"/>
+                </a:solidFill>
+              </a:rPr>
+              <a:t>10</a:t>
+            </a:r>
+            <a:endParaRPr lang="zh-TW" altLang="en-US" sz="1200" baseline="-25000" dirty="0">
+              <a:solidFill>
+                <a:schemeClr val="tx1"/>
+              </a:solidFill>
+            </a:endParaRPr>
+          </a:p>
+        </p:txBody>
+      </p:sp>
+      <p:sp>
+        <p:nvSpPr>
+          <p:cNvPr id="32" name="矩形 31"/>
+          <p:cNvSpPr/>
+          <p:nvPr/>
+        </p:nvSpPr>
+        <p:spPr>
+          <a:xfrm>
+            <a:off x="2767809" y="2544852"/>
+            <a:ext cx="288033" cy="407761"/>
+          </a:xfrm>
+          <a:prstGeom prst="rect">
+            <a:avLst/>
+          </a:prstGeom>
+          <a:solidFill>
+            <a:schemeClr val="bg1"/>
+          </a:solidFill>
+          <a:ln>
+            <a:solidFill>
+              <a:schemeClr val="tx1"/>
+            </a:solidFill>
+          </a:ln>
+        </p:spPr>
+        <p:style>
+          <a:lnRef idx="2">
+            <a:schemeClr val="accent1">
+              <a:shade val="50000"/>
+            </a:schemeClr>
+          </a:lnRef>
+          <a:fillRef idx="1">
+            <a:schemeClr val="accent1"/>
+          </a:fillRef>
+          <a:effectRef idx="0">
+            <a:schemeClr val="accent1"/>
+          </a:effectRef>
+          <a:fontRef idx="minor">
+            <a:schemeClr val="lt1"/>
+          </a:fontRef>
+        </p:style>
+        <p:txBody>
+          <a:bodyPr rtlCol="0" anchor="ctr"/>
+          <a:lstStyle/>
+          <a:p>
+            <a:pPr algn="ctr"/>
+            <a:endParaRPr lang="zh-TW" altLang="en-US" dirty="0">
+              <a:solidFill>
+                <a:schemeClr val="tx1"/>
+              </a:solidFill>
+            </a:endParaRPr>
+          </a:p>
+        </p:txBody>
+      </p:sp>
+      <p:cxnSp>
+        <p:nvCxnSpPr>
+          <p:cNvPr id="34" name="直線單箭頭接點 33"/>
+          <p:cNvCxnSpPr/>
+          <p:nvPr/>
+        </p:nvCxnSpPr>
+        <p:spPr>
+          <a:xfrm>
+            <a:off x="1763688" y="2748733"/>
+            <a:ext cx="504056" cy="0"/>
+          </a:xfrm>
+          <a:prstGeom prst="straightConnector1">
+            <a:avLst/>
+          </a:prstGeom>
+          <a:ln w="19050">
+            <a:tailEnd type="arrow"/>
+          </a:ln>
+        </p:spPr>
+        <p:style>
+          <a:lnRef idx="2">
+            <a:schemeClr val="dk1"/>
+          </a:lnRef>
+          <a:fillRef idx="0">
+            <a:schemeClr val="dk1"/>
+          </a:fillRef>
+          <a:effectRef idx="1">
+            <a:schemeClr val="dk1"/>
+          </a:effectRef>
+          <a:fontRef idx="minor">
+            <a:schemeClr val="tx1"/>
+          </a:fontRef>
+        </p:style>
+      </p:cxnSp>
+      <p:cxnSp>
+        <p:nvCxnSpPr>
+          <p:cNvPr id="15" name="直線單箭頭接點 14"/>
+          <p:cNvCxnSpPr/>
+          <p:nvPr/>
+        </p:nvCxnSpPr>
+        <p:spPr>
+          <a:xfrm>
+            <a:off x="2911825" y="2748733"/>
+            <a:ext cx="504056" cy="0"/>
+          </a:xfrm>
+          <a:prstGeom prst="straightConnector1">
+            <a:avLst/>
+          </a:prstGeom>
+          <a:ln w="19050">
+            <a:tailEnd type="arrow"/>
+          </a:ln>
+        </p:spPr>
+        <p:style>
+          <a:lnRef idx="2">
+            <a:schemeClr val="dk1"/>
+          </a:lnRef>
+          <a:fillRef idx="0">
+            <a:schemeClr val="dk1"/>
+          </a:fillRef>
+          <a:effectRef idx="1">
+            <a:schemeClr val="dk1"/>
+          </a:effectRef>
+          <a:fontRef idx="minor">
+            <a:schemeClr val="tx1"/>
+          </a:fontRef>
+        </p:style>
+      </p:cxnSp>
+      <p:sp>
+        <p:nvSpPr>
+          <p:cNvPr id="16" name="矩形 15"/>
+          <p:cNvSpPr/>
+          <p:nvPr/>
+        </p:nvSpPr>
+        <p:spPr>
+          <a:xfrm>
+            <a:off x="3391938" y="2540616"/>
+            <a:ext cx="504055" cy="407761"/>
+          </a:xfrm>
+          <a:prstGeom prst="rect">
+            <a:avLst/>
+          </a:prstGeom>
+          <a:solidFill>
+            <a:srgbClr val="92D050"/>
+          </a:solidFill>
+          <a:ln>
+            <a:solidFill>
+              <a:schemeClr val="tx1"/>
+            </a:solidFill>
+          </a:ln>
+        </p:spPr>
+        <p:style>
+          <a:lnRef idx="2">
+            <a:schemeClr val="accent1">
+              <a:shade val="50000"/>
+            </a:schemeClr>
+          </a:lnRef>
+          <a:fillRef idx="1">
+            <a:schemeClr val="accent1"/>
+          </a:fillRef>
+          <a:effectRef idx="0">
+            <a:schemeClr val="accent1"/>
+          </a:effectRef>
+          <a:fontRef idx="minor">
+            <a:schemeClr val="lt1"/>
+          </a:fontRef>
+        </p:style>
+        <p:txBody>
+          <a:bodyPr rtlCol="0" anchor="ctr"/>
+          <a:lstStyle/>
+          <a:p>
+            <a:pPr algn="ctr"/>
+            <a:r>
+              <a:rPr lang="en-US" altLang="zh-TW" sz="1200" dirty="0" smtClean="0">
+                <a:solidFill>
+                  <a:schemeClr val="tx1"/>
+                </a:solidFill>
+              </a:rPr>
+              <a:t>2</a:t>
+            </a:r>
+            <a:endParaRPr lang="zh-TW" altLang="en-US" sz="1200" baseline="-25000" dirty="0">
+              <a:solidFill>
+                <a:schemeClr val="tx1"/>
+              </a:solidFill>
+            </a:endParaRPr>
+          </a:p>
+        </p:txBody>
+      </p:sp>
+      <p:sp>
+        <p:nvSpPr>
+          <p:cNvPr id="17" name="矩形 16"/>
+          <p:cNvSpPr/>
+          <p:nvPr/>
+        </p:nvSpPr>
+        <p:spPr>
+          <a:xfrm>
+            <a:off x="3895993" y="2540615"/>
+            <a:ext cx="288033" cy="407761"/>
+          </a:xfrm>
+          <a:prstGeom prst="rect">
+            <a:avLst/>
+          </a:prstGeom>
+          <a:solidFill>
+            <a:schemeClr val="bg1"/>
+          </a:solidFill>
+          <a:ln>
+            <a:solidFill>
+              <a:schemeClr val="tx1"/>
+            </a:solidFill>
+          </a:ln>
+        </p:spPr>
+        <p:style>
+          <a:lnRef idx="2">
+            <a:schemeClr val="accent1">
+              <a:shade val="50000"/>
+            </a:schemeClr>
+          </a:lnRef>
+          <a:fillRef idx="1">
+            <a:schemeClr val="accent1"/>
+          </a:fillRef>
+          <a:effectRef idx="0">
+            <a:schemeClr val="accent1"/>
+          </a:effectRef>
+          <a:fontRef idx="minor">
+            <a:schemeClr val="lt1"/>
+          </a:fontRef>
+        </p:style>
+        <p:txBody>
+          <a:bodyPr rtlCol="0" anchor="ctr"/>
+          <a:lstStyle/>
+          <a:p>
+            <a:pPr algn="ctr"/>
+            <a:endParaRPr lang="zh-TW" altLang="en-US" dirty="0">
+              <a:solidFill>
+                <a:schemeClr val="tx1"/>
+              </a:solidFill>
+            </a:endParaRPr>
+          </a:p>
+        </p:txBody>
+      </p:sp>
+      <p:cxnSp>
+        <p:nvCxnSpPr>
+          <p:cNvPr id="18" name="直線單箭頭接點 17"/>
+          <p:cNvCxnSpPr/>
+          <p:nvPr/>
+        </p:nvCxnSpPr>
+        <p:spPr>
+          <a:xfrm>
+            <a:off x="4040009" y="2748733"/>
+            <a:ext cx="504056" cy="0"/>
+          </a:xfrm>
+          <a:prstGeom prst="straightConnector1">
+            <a:avLst/>
+          </a:prstGeom>
+          <a:ln w="19050">
+            <a:tailEnd type="arrow"/>
+          </a:ln>
+        </p:spPr>
+        <p:style>
+          <a:lnRef idx="2">
+            <a:schemeClr val="dk1"/>
+          </a:lnRef>
+          <a:fillRef idx="0">
+            <a:schemeClr val="dk1"/>
+          </a:fillRef>
+          <a:effectRef idx="1">
+            <a:schemeClr val="dk1"/>
+          </a:effectRef>
+          <a:fontRef idx="minor">
+            <a:schemeClr val="tx1"/>
+          </a:fontRef>
+        </p:style>
+      </p:cxnSp>
+      <p:sp>
+        <p:nvSpPr>
+          <p:cNvPr id="19" name="矩形 18"/>
+          <p:cNvSpPr/>
+          <p:nvPr/>
+        </p:nvSpPr>
+        <p:spPr>
+          <a:xfrm>
+            <a:off x="4544065" y="2544852"/>
+            <a:ext cx="504055" cy="407761"/>
+          </a:xfrm>
+          <a:prstGeom prst="rect">
+            <a:avLst/>
+          </a:prstGeom>
+          <a:solidFill>
+            <a:srgbClr val="92D050"/>
+          </a:solidFill>
+          <a:ln>
+            <a:solidFill>
+              <a:schemeClr val="tx1"/>
+            </a:solidFill>
+          </a:ln>
+        </p:spPr>
+        <p:style>
+          <a:lnRef idx="2">
+            <a:schemeClr val="accent1">
+              <a:shade val="50000"/>
+            </a:schemeClr>
+          </a:lnRef>
+          <a:fillRef idx="1">
+            <a:schemeClr val="accent1"/>
+          </a:fillRef>
+          <a:effectRef idx="0">
+            <a:schemeClr val="accent1"/>
+          </a:effectRef>
+          <a:fontRef idx="minor">
+            <a:schemeClr val="lt1"/>
+          </a:fontRef>
+        </p:style>
+        <p:txBody>
+          <a:bodyPr rtlCol="0" anchor="ctr"/>
+          <a:lstStyle/>
+          <a:p>
+            <a:pPr algn="ctr"/>
+            <a:r>
+              <a:rPr lang="en-US" altLang="zh-TW" sz="1200" dirty="0" smtClean="0">
+                <a:solidFill>
+                  <a:schemeClr val="tx1"/>
+                </a:solidFill>
+              </a:rPr>
+              <a:t>7</a:t>
+            </a:r>
+            <a:endParaRPr lang="zh-TW" altLang="en-US" sz="1200" baseline="-25000" dirty="0">
+              <a:solidFill>
+                <a:schemeClr val="tx1"/>
+              </a:solidFill>
+            </a:endParaRPr>
+          </a:p>
+        </p:txBody>
+      </p:sp>
+      <p:sp>
+        <p:nvSpPr>
+          <p:cNvPr id="20" name="矩形 19"/>
+          <p:cNvSpPr/>
+          <p:nvPr/>
+        </p:nvSpPr>
+        <p:spPr>
+          <a:xfrm>
+            <a:off x="5048120" y="2544851"/>
+            <a:ext cx="288033" cy="407761"/>
+          </a:xfrm>
+          <a:prstGeom prst="rect">
+            <a:avLst/>
+          </a:prstGeom>
+          <a:solidFill>
+            <a:schemeClr val="bg1"/>
+          </a:solidFill>
+          <a:ln>
+            <a:solidFill>
+              <a:schemeClr val="tx1"/>
+            </a:solidFill>
+          </a:ln>
+        </p:spPr>
+        <p:style>
+          <a:lnRef idx="2">
+            <a:schemeClr val="accent1">
+              <a:shade val="50000"/>
+            </a:schemeClr>
+          </a:lnRef>
+          <a:fillRef idx="1">
+            <a:schemeClr val="accent1"/>
+          </a:fillRef>
+          <a:effectRef idx="0">
+            <a:schemeClr val="accent1"/>
+          </a:effectRef>
+          <a:fontRef idx="minor">
+            <a:schemeClr val="lt1"/>
+          </a:fontRef>
+        </p:style>
+        <p:txBody>
+          <a:bodyPr rtlCol="0" anchor="ctr"/>
+          <a:lstStyle/>
+          <a:p>
+            <a:pPr algn="ctr"/>
+            <a:endParaRPr lang="zh-TW" altLang="en-US" dirty="0">
+              <a:solidFill>
+                <a:schemeClr val="tx1"/>
+              </a:solidFill>
+            </a:endParaRPr>
+          </a:p>
+        </p:txBody>
+      </p:sp>
+      <p:cxnSp>
+        <p:nvCxnSpPr>
+          <p:cNvPr id="21" name="直線單箭頭接點 20"/>
+          <p:cNvCxnSpPr/>
+          <p:nvPr/>
+        </p:nvCxnSpPr>
+        <p:spPr>
+          <a:xfrm>
+            <a:off x="5192136" y="2752969"/>
+            <a:ext cx="504056" cy="0"/>
+          </a:xfrm>
+          <a:prstGeom prst="straightConnector1">
+            <a:avLst/>
+          </a:prstGeom>
+          <a:ln w="19050">
+            <a:tailEnd type="arrow"/>
+          </a:ln>
+        </p:spPr>
+        <p:style>
+          <a:lnRef idx="2">
+            <a:schemeClr val="dk1"/>
+          </a:lnRef>
+          <a:fillRef idx="0">
+            <a:schemeClr val="dk1"/>
+          </a:fillRef>
+          <a:effectRef idx="1">
+            <a:schemeClr val="dk1"/>
+          </a:effectRef>
+          <a:fontRef idx="minor">
+            <a:schemeClr val="tx1"/>
+          </a:fontRef>
+        </p:style>
+      </p:cxnSp>
+      <p:sp>
+        <p:nvSpPr>
+          <p:cNvPr id="23" name="矩形 22"/>
+          <p:cNvSpPr/>
+          <p:nvPr/>
+        </p:nvSpPr>
+        <p:spPr>
+          <a:xfrm>
+            <a:off x="5652120" y="2559829"/>
+            <a:ext cx="576064" cy="369332"/>
+          </a:xfrm>
+          <a:prstGeom prst="rect">
+            <a:avLst/>
+          </a:prstGeom>
+        </p:spPr>
+        <p:txBody>
+          <a:bodyPr wrap="square">
+            <a:spAutoFit/>
+          </a:bodyPr>
+          <a:lstStyle/>
+          <a:p>
+            <a:r>
+              <a:rPr lang="en-US" altLang="zh-TW" dirty="0" smtClean="0">
+                <a:solidFill>
+                  <a:srgbClr val="C00000"/>
+                </a:solidFill>
+              </a:rPr>
+              <a:t>Null</a:t>
+            </a:r>
+            <a:endParaRPr lang="zh-TW" altLang="en-US" dirty="0">
+              <a:solidFill>
+                <a:srgbClr val="C00000"/>
+              </a:solidFill>
+            </a:endParaRPr>
+          </a:p>
+        </p:txBody>
+      </p:sp>
+      <p:sp>
+        <p:nvSpPr>
+          <p:cNvPr id="24" name="矩形 23"/>
+          <p:cNvSpPr/>
+          <p:nvPr/>
+        </p:nvSpPr>
+        <p:spPr>
+          <a:xfrm>
+            <a:off x="2111720" y="1582497"/>
+            <a:ext cx="3684415" cy="307777"/>
+          </a:xfrm>
+          <a:prstGeom prst="rect">
+            <a:avLst/>
+          </a:prstGeom>
+        </p:spPr>
+        <p:txBody>
+          <a:bodyPr wrap="square">
+            <a:spAutoFit/>
+          </a:bodyPr>
+          <a:lstStyle/>
+          <a:p>
+            <a:r>
+              <a:rPr lang="en-US" altLang="zh-TW" sz="1400" dirty="0" smtClean="0">
+                <a:latin typeface="微軟正黑體" panose="020B0604030504040204" pitchFamily="34" charset="-120"/>
+                <a:ea typeface="微軟正黑體" panose="020B0604030504040204" pitchFamily="34" charset="-120"/>
+              </a:rPr>
+              <a:t>(1) </a:t>
+            </a:r>
+            <a:r>
+              <a:rPr lang="zh-TW" altLang="en-US" sz="1400" dirty="0" smtClean="0">
+                <a:latin typeface="微軟正黑體" panose="020B0604030504040204" pitchFamily="34" charset="-120"/>
+                <a:ea typeface="微軟正黑體" panose="020B0604030504040204" pitchFamily="34" charset="-120"/>
+              </a:rPr>
+              <a:t>如果 </a:t>
+            </a:r>
+            <a:r>
+              <a:rPr lang="en-US" altLang="zh-TW" sz="1400" dirty="0" err="1" smtClean="0"/>
+              <a:t>headPtr</a:t>
+            </a:r>
+            <a:r>
+              <a:rPr lang="zh-TW" altLang="en-US" sz="1400" dirty="0" smtClean="0"/>
+              <a:t> 不是指向</a:t>
+            </a:r>
+            <a:r>
+              <a:rPr lang="en-US" altLang="zh-TW" sz="1400" dirty="0" smtClean="0"/>
+              <a:t>Null</a:t>
+            </a:r>
+            <a:r>
+              <a:rPr lang="zh-TW" altLang="en-US" sz="1400" dirty="0" smtClean="0"/>
+              <a:t>，</a:t>
+            </a:r>
+            <a:r>
+              <a:rPr lang="zh-TW" altLang="en-US" sz="1400" dirty="0"/>
+              <a:t>要</a:t>
+            </a:r>
+            <a:r>
+              <a:rPr lang="zh-TW" altLang="en-US" sz="1400" dirty="0" smtClean="0"/>
+              <a:t>刪除  </a:t>
+            </a:r>
+            <a:r>
+              <a:rPr lang="en-US" altLang="zh-TW" sz="1400" dirty="0" smtClean="0"/>
+              <a:t>2</a:t>
+            </a:r>
+          </a:p>
+        </p:txBody>
+      </p:sp>
+      <p:cxnSp>
+        <p:nvCxnSpPr>
+          <p:cNvPr id="26" name="直線單箭頭接點 25"/>
+          <p:cNvCxnSpPr/>
+          <p:nvPr/>
+        </p:nvCxnSpPr>
+        <p:spPr>
+          <a:xfrm flipV="1">
+            <a:off x="2013802" y="1921052"/>
+            <a:ext cx="325950" cy="833163"/>
+          </a:xfrm>
+          <a:prstGeom prst="straightConnector1">
+            <a:avLst/>
+          </a:prstGeom>
+          <a:ln>
+            <a:tailEnd type="arrow"/>
+          </a:ln>
+        </p:spPr>
+        <p:style>
+          <a:lnRef idx="2">
+            <a:schemeClr val="accent1"/>
+          </a:lnRef>
+          <a:fillRef idx="0">
+            <a:schemeClr val="accent1"/>
+          </a:fillRef>
+          <a:effectRef idx="1">
+            <a:schemeClr val="accent1"/>
+          </a:effectRef>
+          <a:fontRef idx="minor">
+            <a:schemeClr val="tx1"/>
+          </a:fontRef>
+        </p:style>
+      </p:cxnSp>
+      <p:sp>
+        <p:nvSpPr>
+          <p:cNvPr id="29" name="矩形 28"/>
+          <p:cNvSpPr/>
+          <p:nvPr/>
+        </p:nvSpPr>
+        <p:spPr>
+          <a:xfrm>
+            <a:off x="0" y="0"/>
+            <a:ext cx="9144000" cy="369332"/>
+          </a:xfrm>
+          <a:prstGeom prst="rect">
+            <a:avLst/>
+          </a:prstGeom>
+          <a:solidFill>
+            <a:schemeClr val="accent1">
+              <a:lumMod val="40000"/>
+              <a:lumOff val="60000"/>
+            </a:schemeClr>
+          </a:solidFill>
+        </p:spPr>
+        <p:txBody>
+          <a:bodyPr wrap="square">
+            <a:spAutoFit/>
+          </a:bodyPr>
+          <a:lstStyle/>
+          <a:p>
+            <a:r>
+              <a:rPr lang="zh-TW" altLang="en-US" dirty="0" smtClean="0">
+                <a:latin typeface="微軟正黑體" panose="020B0604030504040204" pitchFamily="34" charset="-120"/>
+                <a:ea typeface="微軟正黑體" panose="020B0604030504040204" pitchFamily="34" charset="-120"/>
+              </a:rPr>
+              <a:t>刪除 </a:t>
+            </a:r>
+            <a:r>
+              <a:rPr lang="en-US" altLang="zh-TW" dirty="0" smtClean="0">
+                <a:latin typeface="微軟正黑體" panose="020B0604030504040204" pitchFamily="34" charset="-120"/>
+                <a:ea typeface="微軟正黑體" panose="020B0604030504040204" pitchFamily="34" charset="-120"/>
+              </a:rPr>
+              <a:t>Node</a:t>
+            </a:r>
+            <a:r>
+              <a:rPr lang="zh-TW" altLang="en-US" dirty="0" smtClean="0">
+                <a:latin typeface="微軟正黑體" panose="020B0604030504040204" pitchFamily="34" charset="-120"/>
+                <a:ea typeface="微軟正黑體" panose="020B0604030504040204" pitchFamily="34" charset="-120"/>
+              </a:rPr>
+              <a:t> </a:t>
+            </a:r>
+            <a:r>
+              <a:rPr lang="en-US" altLang="zh-TW" dirty="0" err="1" smtClean="0">
+                <a:latin typeface="微軟正黑體" panose="020B0604030504040204" pitchFamily="34" charset="-120"/>
+                <a:ea typeface="微軟正黑體" panose="020B0604030504040204" pitchFamily="34" charset="-120"/>
+              </a:rPr>
+              <a:t>DeleteNode</a:t>
+            </a:r>
+            <a:r>
+              <a:rPr lang="en-US" altLang="zh-TW" dirty="0" smtClean="0">
+                <a:latin typeface="微軟正黑體" panose="020B0604030504040204" pitchFamily="34" charset="-120"/>
+                <a:ea typeface="微軟正黑體" panose="020B0604030504040204" pitchFamily="34" charset="-120"/>
+              </a:rPr>
+              <a:t>()</a:t>
+            </a:r>
+            <a:endParaRPr lang="zh-TW" altLang="en-US" dirty="0">
+              <a:latin typeface="微軟正黑體" panose="020B0604030504040204" pitchFamily="34" charset="-120"/>
+              <a:ea typeface="微軟正黑體" panose="020B0604030504040204" pitchFamily="34" charset="-120"/>
+            </a:endParaRPr>
+          </a:p>
+        </p:txBody>
+      </p:sp>
+      <p:sp>
+        <p:nvSpPr>
+          <p:cNvPr id="37" name="矩形 36"/>
+          <p:cNvSpPr/>
+          <p:nvPr/>
+        </p:nvSpPr>
+        <p:spPr>
+          <a:xfrm>
+            <a:off x="1570089" y="3356992"/>
+            <a:ext cx="1129703" cy="369332"/>
+          </a:xfrm>
+          <a:prstGeom prst="rect">
+            <a:avLst/>
+          </a:prstGeom>
+        </p:spPr>
+        <p:txBody>
+          <a:bodyPr wrap="square">
+            <a:spAutoFit/>
+          </a:bodyPr>
+          <a:lstStyle/>
+          <a:p>
+            <a:r>
+              <a:rPr lang="en-US" altLang="zh-TW" dirty="0" err="1" smtClean="0"/>
+              <a:t>CNodePtr</a:t>
+            </a:r>
+            <a:endParaRPr lang="zh-TW" altLang="en-US" dirty="0"/>
+          </a:p>
+        </p:txBody>
+      </p:sp>
+      <p:cxnSp>
+        <p:nvCxnSpPr>
+          <p:cNvPr id="43" name="直線單箭頭接點 42"/>
+          <p:cNvCxnSpPr>
+            <a:endCxn id="30" idx="2"/>
+          </p:cNvCxnSpPr>
+          <p:nvPr/>
+        </p:nvCxnSpPr>
+        <p:spPr>
+          <a:xfrm flipV="1">
+            <a:off x="2515782" y="2952613"/>
+            <a:ext cx="0" cy="404379"/>
+          </a:xfrm>
+          <a:prstGeom prst="straightConnector1">
+            <a:avLst/>
+          </a:prstGeom>
+          <a:ln>
+            <a:tailEnd type="arrow"/>
+          </a:ln>
+        </p:spPr>
+        <p:style>
+          <a:lnRef idx="2">
+            <a:schemeClr val="accent2"/>
+          </a:lnRef>
+          <a:fillRef idx="0">
+            <a:schemeClr val="accent2"/>
+          </a:fillRef>
+          <a:effectRef idx="1">
+            <a:schemeClr val="accent2"/>
+          </a:effectRef>
+          <a:fontRef idx="minor">
+            <a:schemeClr val="tx1"/>
+          </a:fontRef>
+        </p:style>
+      </p:cxnSp>
+      <p:cxnSp>
+        <p:nvCxnSpPr>
+          <p:cNvPr id="47" name="直線單箭頭接點 46"/>
+          <p:cNvCxnSpPr/>
+          <p:nvPr/>
+        </p:nvCxnSpPr>
+        <p:spPr>
+          <a:xfrm flipV="1">
+            <a:off x="2730734" y="2948376"/>
+            <a:ext cx="0" cy="404379"/>
+          </a:xfrm>
+          <a:prstGeom prst="straightConnector1">
+            <a:avLst/>
+          </a:prstGeom>
+          <a:ln>
+            <a:tailEnd type="arrow"/>
+          </a:ln>
+        </p:spPr>
+        <p:style>
+          <a:lnRef idx="2">
+            <a:schemeClr val="accent2"/>
+          </a:lnRef>
+          <a:fillRef idx="0">
+            <a:schemeClr val="accent2"/>
+          </a:fillRef>
+          <a:effectRef idx="1">
+            <a:schemeClr val="accent2"/>
+          </a:effectRef>
+          <a:fontRef idx="minor">
+            <a:schemeClr val="tx1"/>
+          </a:fontRef>
+        </p:style>
+      </p:cxnSp>
+      <p:sp>
+        <p:nvSpPr>
+          <p:cNvPr id="48" name="矩形 47"/>
+          <p:cNvSpPr/>
+          <p:nvPr/>
+        </p:nvSpPr>
+        <p:spPr>
+          <a:xfrm>
+            <a:off x="2555776" y="3356992"/>
+            <a:ext cx="1129703" cy="369332"/>
+          </a:xfrm>
+          <a:prstGeom prst="rect">
+            <a:avLst/>
+          </a:prstGeom>
+        </p:spPr>
+        <p:txBody>
+          <a:bodyPr wrap="square">
+            <a:spAutoFit/>
+          </a:bodyPr>
+          <a:lstStyle/>
+          <a:p>
+            <a:r>
+              <a:rPr lang="en-US" altLang="zh-TW" dirty="0" err="1"/>
+              <a:t>P</a:t>
+            </a:r>
+            <a:r>
+              <a:rPr lang="en-US" altLang="zh-TW" dirty="0" err="1" smtClean="0"/>
+              <a:t>NodePtr</a:t>
+            </a:r>
+            <a:endParaRPr lang="zh-TW" altLang="en-US" dirty="0"/>
+          </a:p>
+        </p:txBody>
+      </p:sp>
+    </p:spTree>
+    <p:extLst>
+      <p:ext uri="{BB962C8B-B14F-4D97-AF65-F5344CB8AC3E}">
+        <p14:creationId xmlns:p14="http://schemas.microsoft.com/office/powerpoint/2010/main" val="793323918"/>
+      </p:ext>
+    </p:extLst>
+  </p:cSld>
+  <p:clrMapOvr>
+    <a:masterClrMapping/>
+  </p:clrMapOvr>
+  <p:timing>
+    <p:tnLst>
+      <p:par>
+        <p:cTn id="1" dur="indefinite" restart="never" nodeType="tmRoot"/>
+      </p:par>
+    </p:tnLst>
+  </p:timing>
+</p:sld>
+</file>
+
+<file path=ppt/slides/slide16.xml><?xml version="1.0" encoding="utf-8"?>
+<p:sld xmlns:a="http://schemas.openxmlformats.org/drawingml/2006/main" xmlns:r="http://schemas.openxmlformats.org/officeDocument/2006/relationships" xmlns:p="http://schemas.openxmlformats.org/presentationml/2006/main">
+  <p:cSld>
+    <p:spTree>
+      <p:nvGrpSpPr>
+        <p:cNvPr id="1" name=""/>
+        <p:cNvGrpSpPr/>
+        <p:nvPr/>
+      </p:nvGrpSpPr>
+      <p:grpSpPr>
+        <a:xfrm>
+          <a:off x="0" y="0"/>
+          <a:ext cx="0" cy="0"/>
+          <a:chOff x="0" y="0"/>
+          <a:chExt cx="0" cy="0"/>
+        </a:xfrm>
+      </p:grpSpPr>
+      <p:cxnSp>
+        <p:nvCxnSpPr>
+          <p:cNvPr id="22" name="直線單箭頭接點 21"/>
+          <p:cNvCxnSpPr/>
+          <p:nvPr/>
+        </p:nvCxnSpPr>
+        <p:spPr>
+          <a:xfrm>
+            <a:off x="204678" y="2744495"/>
+            <a:ext cx="910938" cy="3"/>
+          </a:xfrm>
+          <a:prstGeom prst="straightConnector1">
+            <a:avLst/>
+          </a:prstGeom>
+          <a:ln w="28575">
+            <a:tailEnd type="arrow"/>
+          </a:ln>
+        </p:spPr>
+        <p:style>
+          <a:lnRef idx="2">
+            <a:schemeClr val="dk1"/>
+          </a:lnRef>
+          <a:fillRef idx="0">
+            <a:schemeClr val="dk1"/>
+          </a:fillRef>
+          <a:effectRef idx="1">
+            <a:schemeClr val="dk1"/>
+          </a:effectRef>
+          <a:fontRef idx="minor">
+            <a:schemeClr val="tx1"/>
+          </a:fontRef>
+        </p:style>
+      </p:cxnSp>
+      <p:sp>
+        <p:nvSpPr>
+          <p:cNvPr id="3" name="矩形 2"/>
+          <p:cNvSpPr/>
+          <p:nvPr/>
+        </p:nvSpPr>
+        <p:spPr>
+          <a:xfrm>
+            <a:off x="204678" y="2312450"/>
+            <a:ext cx="783187" cy="369332"/>
+          </a:xfrm>
+          <a:prstGeom prst="rect">
+            <a:avLst/>
+          </a:prstGeom>
+        </p:spPr>
+        <p:txBody>
+          <a:bodyPr wrap="square">
+            <a:spAutoFit/>
+          </a:bodyPr>
+          <a:lstStyle/>
+          <a:p>
+            <a:r>
+              <a:rPr lang="en-US" altLang="zh-TW" dirty="0" err="1" smtClean="0"/>
+              <a:t>ListPtr</a:t>
+            </a:r>
+            <a:endParaRPr lang="zh-TW" altLang="en-US" dirty="0"/>
+          </a:p>
+        </p:txBody>
+      </p:sp>
+      <p:sp>
+        <p:nvSpPr>
+          <p:cNvPr id="25" name="矩形 24"/>
+          <p:cNvSpPr/>
+          <p:nvPr/>
+        </p:nvSpPr>
+        <p:spPr>
+          <a:xfrm>
+            <a:off x="1115616" y="2540617"/>
+            <a:ext cx="738083" cy="407761"/>
+          </a:xfrm>
+          <a:prstGeom prst="rect">
+            <a:avLst/>
+          </a:prstGeom>
+          <a:solidFill>
+            <a:schemeClr val="accent1">
+              <a:lumMod val="40000"/>
+              <a:lumOff val="60000"/>
+            </a:schemeClr>
+          </a:solidFill>
+          <a:ln>
+            <a:solidFill>
+              <a:schemeClr val="tx1"/>
+            </a:solidFill>
+          </a:ln>
+        </p:spPr>
+        <p:style>
+          <a:lnRef idx="2">
+            <a:schemeClr val="accent1">
+              <a:shade val="50000"/>
+            </a:schemeClr>
+          </a:lnRef>
+          <a:fillRef idx="1">
+            <a:schemeClr val="accent1"/>
+          </a:fillRef>
+          <a:effectRef idx="0">
+            <a:schemeClr val="accent1"/>
+          </a:effectRef>
+          <a:fontRef idx="minor">
+            <a:schemeClr val="lt1"/>
+          </a:fontRef>
+        </p:style>
+        <p:txBody>
+          <a:bodyPr rtlCol="0" anchor="ctr"/>
+          <a:lstStyle/>
+          <a:p>
+            <a:pPr algn="ctr"/>
+            <a:r>
+              <a:rPr lang="en-US" altLang="zh-TW" sz="1200" dirty="0" err="1" smtClean="0">
+                <a:solidFill>
+                  <a:schemeClr val="tx1"/>
+                </a:solidFill>
+              </a:rPr>
+              <a:t>headPtr</a:t>
+            </a:r>
+            <a:endParaRPr lang="zh-TW" altLang="en-US" baseline="-25000" dirty="0">
+              <a:solidFill>
+                <a:schemeClr val="tx1"/>
+              </a:solidFill>
+            </a:endParaRPr>
+          </a:p>
+        </p:txBody>
+      </p:sp>
+      <p:sp>
+        <p:nvSpPr>
+          <p:cNvPr id="38" name="左大括弧 37"/>
+          <p:cNvSpPr/>
+          <p:nvPr/>
+        </p:nvSpPr>
+        <p:spPr>
+          <a:xfrm rot="5400000">
+            <a:off x="1351868" y="1947152"/>
+            <a:ext cx="288032" cy="730598"/>
+          </a:xfrm>
+          <a:prstGeom prst="leftBrace">
+            <a:avLst>
+              <a:gd name="adj1" fmla="val 30076"/>
+              <a:gd name="adj2" fmla="val 50000"/>
+            </a:avLst>
+          </a:prstGeom>
+        </p:spPr>
+        <p:style>
+          <a:lnRef idx="2">
+            <a:schemeClr val="dk1"/>
+          </a:lnRef>
+          <a:fillRef idx="0">
+            <a:schemeClr val="dk1"/>
+          </a:fillRef>
+          <a:effectRef idx="1">
+            <a:schemeClr val="dk1"/>
+          </a:effectRef>
+          <a:fontRef idx="minor">
+            <a:schemeClr val="tx1"/>
+          </a:fontRef>
+        </p:style>
+        <p:txBody>
+          <a:bodyPr rtlCol="0" anchor="ctr"/>
+          <a:lstStyle/>
+          <a:p>
+            <a:pPr algn="ctr"/>
+            <a:endParaRPr lang="zh-TW" altLang="en-US"/>
+          </a:p>
+        </p:txBody>
+      </p:sp>
+      <p:sp>
+        <p:nvSpPr>
+          <p:cNvPr id="39" name="文字方塊 38"/>
+          <p:cNvSpPr txBox="1"/>
+          <p:nvPr/>
+        </p:nvSpPr>
+        <p:spPr>
+          <a:xfrm>
+            <a:off x="1234909" y="1736386"/>
+            <a:ext cx="499496" cy="369332"/>
+          </a:xfrm>
+          <a:prstGeom prst="rect">
+            <a:avLst/>
+          </a:prstGeom>
+        </p:spPr>
+        <p:style>
+          <a:lnRef idx="2">
+            <a:schemeClr val="accent6"/>
+          </a:lnRef>
+          <a:fillRef idx="1">
+            <a:schemeClr val="lt1"/>
+          </a:fillRef>
+          <a:effectRef idx="0">
+            <a:schemeClr val="accent6"/>
+          </a:effectRef>
+          <a:fontRef idx="minor">
+            <a:schemeClr val="dk1"/>
+          </a:fontRef>
+        </p:style>
+        <p:txBody>
+          <a:bodyPr wrap="none" rtlCol="0">
+            <a:spAutoFit/>
+          </a:bodyPr>
+          <a:lstStyle/>
+          <a:p>
+            <a:r>
+              <a:rPr lang="en-US" altLang="zh-TW" dirty="0"/>
+              <a:t>List</a:t>
+            </a:r>
+            <a:endParaRPr lang="zh-TW" altLang="en-US" dirty="0"/>
+          </a:p>
+        </p:txBody>
+      </p:sp>
+      <p:sp>
+        <p:nvSpPr>
+          <p:cNvPr id="30" name="矩形 29"/>
+          <p:cNvSpPr/>
+          <p:nvPr/>
+        </p:nvSpPr>
+        <p:spPr>
+          <a:xfrm>
+            <a:off x="2263754" y="2544852"/>
+            <a:ext cx="504055" cy="407761"/>
+          </a:xfrm>
+          <a:prstGeom prst="rect">
+            <a:avLst/>
+          </a:prstGeom>
+          <a:solidFill>
+            <a:srgbClr val="92D050"/>
+          </a:solidFill>
+          <a:ln>
+            <a:solidFill>
+              <a:schemeClr val="tx1"/>
+            </a:solidFill>
+          </a:ln>
+        </p:spPr>
+        <p:style>
+          <a:lnRef idx="2">
+            <a:schemeClr val="accent1">
+              <a:shade val="50000"/>
+            </a:schemeClr>
+          </a:lnRef>
+          <a:fillRef idx="1">
+            <a:schemeClr val="accent1"/>
+          </a:fillRef>
+          <a:effectRef idx="0">
+            <a:schemeClr val="accent1"/>
+          </a:effectRef>
+          <a:fontRef idx="minor">
+            <a:schemeClr val="lt1"/>
+          </a:fontRef>
+        </p:style>
+        <p:txBody>
+          <a:bodyPr rtlCol="0" anchor="ctr"/>
+          <a:lstStyle/>
+          <a:p>
+            <a:pPr algn="ctr"/>
+            <a:r>
+              <a:rPr lang="en-US" altLang="zh-TW" sz="1200" dirty="0" smtClean="0">
+                <a:solidFill>
+                  <a:schemeClr val="tx1"/>
+                </a:solidFill>
+              </a:rPr>
+              <a:t>10</a:t>
+            </a:r>
+            <a:endParaRPr lang="zh-TW" altLang="en-US" sz="1200" baseline="-25000" dirty="0">
+              <a:solidFill>
+                <a:schemeClr val="tx1"/>
+              </a:solidFill>
+            </a:endParaRPr>
+          </a:p>
+        </p:txBody>
+      </p:sp>
+      <p:sp>
+        <p:nvSpPr>
+          <p:cNvPr id="32" name="矩形 31"/>
+          <p:cNvSpPr/>
+          <p:nvPr/>
+        </p:nvSpPr>
+        <p:spPr>
+          <a:xfrm>
+            <a:off x="2767809" y="2544852"/>
+            <a:ext cx="288033" cy="407761"/>
+          </a:xfrm>
+          <a:prstGeom prst="rect">
+            <a:avLst/>
+          </a:prstGeom>
+          <a:solidFill>
+            <a:schemeClr val="bg1"/>
+          </a:solidFill>
+          <a:ln>
+            <a:solidFill>
+              <a:schemeClr val="tx1"/>
+            </a:solidFill>
+          </a:ln>
+        </p:spPr>
+        <p:style>
+          <a:lnRef idx="2">
+            <a:schemeClr val="accent1">
+              <a:shade val="50000"/>
+            </a:schemeClr>
+          </a:lnRef>
+          <a:fillRef idx="1">
+            <a:schemeClr val="accent1"/>
+          </a:fillRef>
+          <a:effectRef idx="0">
+            <a:schemeClr val="accent1"/>
+          </a:effectRef>
+          <a:fontRef idx="minor">
+            <a:schemeClr val="lt1"/>
+          </a:fontRef>
+        </p:style>
+        <p:txBody>
+          <a:bodyPr rtlCol="0" anchor="ctr"/>
+          <a:lstStyle/>
+          <a:p>
+            <a:pPr algn="ctr"/>
+            <a:endParaRPr lang="zh-TW" altLang="en-US" dirty="0">
+              <a:solidFill>
+                <a:schemeClr val="tx1"/>
+              </a:solidFill>
+            </a:endParaRPr>
+          </a:p>
+        </p:txBody>
+      </p:sp>
+      <p:cxnSp>
+        <p:nvCxnSpPr>
+          <p:cNvPr id="34" name="直線單箭頭接點 33"/>
+          <p:cNvCxnSpPr/>
+          <p:nvPr/>
+        </p:nvCxnSpPr>
+        <p:spPr>
+          <a:xfrm>
+            <a:off x="1763688" y="2748733"/>
+            <a:ext cx="504056" cy="0"/>
+          </a:xfrm>
+          <a:prstGeom prst="straightConnector1">
+            <a:avLst/>
+          </a:prstGeom>
+          <a:ln w="19050">
+            <a:tailEnd type="arrow"/>
+          </a:ln>
+        </p:spPr>
+        <p:style>
+          <a:lnRef idx="2">
+            <a:schemeClr val="dk1"/>
+          </a:lnRef>
+          <a:fillRef idx="0">
+            <a:schemeClr val="dk1"/>
+          </a:fillRef>
+          <a:effectRef idx="1">
+            <a:schemeClr val="dk1"/>
+          </a:effectRef>
+          <a:fontRef idx="minor">
+            <a:schemeClr val="tx1"/>
+          </a:fontRef>
+        </p:style>
+      </p:cxnSp>
+      <p:cxnSp>
+        <p:nvCxnSpPr>
+          <p:cNvPr id="15" name="直線單箭頭接點 14"/>
+          <p:cNvCxnSpPr/>
+          <p:nvPr/>
+        </p:nvCxnSpPr>
+        <p:spPr>
+          <a:xfrm>
+            <a:off x="2911825" y="2748733"/>
+            <a:ext cx="504056" cy="0"/>
+          </a:xfrm>
+          <a:prstGeom prst="straightConnector1">
+            <a:avLst/>
+          </a:prstGeom>
+          <a:ln w="19050">
+            <a:tailEnd type="arrow"/>
+          </a:ln>
+        </p:spPr>
+        <p:style>
+          <a:lnRef idx="2">
+            <a:schemeClr val="dk1"/>
+          </a:lnRef>
+          <a:fillRef idx="0">
+            <a:schemeClr val="dk1"/>
+          </a:fillRef>
+          <a:effectRef idx="1">
+            <a:schemeClr val="dk1"/>
+          </a:effectRef>
+          <a:fontRef idx="minor">
+            <a:schemeClr val="tx1"/>
+          </a:fontRef>
+        </p:style>
+      </p:cxnSp>
+      <p:sp>
+        <p:nvSpPr>
+          <p:cNvPr id="16" name="矩形 15"/>
+          <p:cNvSpPr/>
+          <p:nvPr/>
+        </p:nvSpPr>
+        <p:spPr>
+          <a:xfrm>
+            <a:off x="3391938" y="2540616"/>
+            <a:ext cx="504055" cy="407761"/>
+          </a:xfrm>
+          <a:prstGeom prst="rect">
+            <a:avLst/>
+          </a:prstGeom>
+          <a:solidFill>
+            <a:srgbClr val="92D050"/>
+          </a:solidFill>
+          <a:ln>
+            <a:solidFill>
+              <a:schemeClr val="tx1"/>
+            </a:solidFill>
+          </a:ln>
+        </p:spPr>
+        <p:style>
+          <a:lnRef idx="2">
+            <a:schemeClr val="accent1">
+              <a:shade val="50000"/>
+            </a:schemeClr>
+          </a:lnRef>
+          <a:fillRef idx="1">
+            <a:schemeClr val="accent1"/>
+          </a:fillRef>
+          <a:effectRef idx="0">
+            <a:schemeClr val="accent1"/>
+          </a:effectRef>
+          <a:fontRef idx="minor">
+            <a:schemeClr val="lt1"/>
+          </a:fontRef>
+        </p:style>
+        <p:txBody>
+          <a:bodyPr rtlCol="0" anchor="ctr"/>
+          <a:lstStyle/>
+          <a:p>
+            <a:pPr algn="ctr"/>
+            <a:r>
+              <a:rPr lang="en-US" altLang="zh-TW" sz="1200" dirty="0" smtClean="0">
+                <a:solidFill>
+                  <a:schemeClr val="tx1"/>
+                </a:solidFill>
+              </a:rPr>
+              <a:t>2</a:t>
+            </a:r>
+            <a:endParaRPr lang="zh-TW" altLang="en-US" sz="1200" baseline="-25000" dirty="0">
+              <a:solidFill>
+                <a:schemeClr val="tx1"/>
+              </a:solidFill>
+            </a:endParaRPr>
+          </a:p>
+        </p:txBody>
+      </p:sp>
+      <p:sp>
+        <p:nvSpPr>
+          <p:cNvPr id="17" name="矩形 16"/>
+          <p:cNvSpPr/>
+          <p:nvPr/>
+        </p:nvSpPr>
+        <p:spPr>
+          <a:xfrm>
+            <a:off x="3895993" y="2540615"/>
+            <a:ext cx="288033" cy="407761"/>
+          </a:xfrm>
+          <a:prstGeom prst="rect">
+            <a:avLst/>
+          </a:prstGeom>
+          <a:solidFill>
+            <a:schemeClr val="bg1"/>
+          </a:solidFill>
+          <a:ln>
+            <a:solidFill>
+              <a:schemeClr val="tx1"/>
+            </a:solidFill>
+          </a:ln>
+        </p:spPr>
+        <p:style>
+          <a:lnRef idx="2">
+            <a:schemeClr val="accent1">
+              <a:shade val="50000"/>
+            </a:schemeClr>
+          </a:lnRef>
+          <a:fillRef idx="1">
+            <a:schemeClr val="accent1"/>
+          </a:fillRef>
+          <a:effectRef idx="0">
+            <a:schemeClr val="accent1"/>
+          </a:effectRef>
+          <a:fontRef idx="minor">
+            <a:schemeClr val="lt1"/>
+          </a:fontRef>
+        </p:style>
+        <p:txBody>
+          <a:bodyPr rtlCol="0" anchor="ctr"/>
+          <a:lstStyle/>
+          <a:p>
+            <a:pPr algn="ctr"/>
+            <a:endParaRPr lang="zh-TW" altLang="en-US" dirty="0">
+              <a:solidFill>
+                <a:schemeClr val="tx1"/>
+              </a:solidFill>
+            </a:endParaRPr>
+          </a:p>
+        </p:txBody>
+      </p:sp>
+      <p:cxnSp>
+        <p:nvCxnSpPr>
+          <p:cNvPr id="18" name="直線單箭頭接點 17"/>
+          <p:cNvCxnSpPr/>
+          <p:nvPr/>
+        </p:nvCxnSpPr>
+        <p:spPr>
+          <a:xfrm>
+            <a:off x="4040009" y="2748733"/>
+            <a:ext cx="504056" cy="0"/>
+          </a:xfrm>
+          <a:prstGeom prst="straightConnector1">
+            <a:avLst/>
+          </a:prstGeom>
+          <a:ln w="19050">
+            <a:tailEnd type="arrow"/>
+          </a:ln>
+        </p:spPr>
+        <p:style>
+          <a:lnRef idx="2">
+            <a:schemeClr val="dk1"/>
+          </a:lnRef>
+          <a:fillRef idx="0">
+            <a:schemeClr val="dk1"/>
+          </a:fillRef>
+          <a:effectRef idx="1">
+            <a:schemeClr val="dk1"/>
+          </a:effectRef>
+          <a:fontRef idx="minor">
+            <a:schemeClr val="tx1"/>
+          </a:fontRef>
+        </p:style>
+      </p:cxnSp>
+      <p:sp>
+        <p:nvSpPr>
+          <p:cNvPr id="19" name="矩形 18"/>
+          <p:cNvSpPr/>
+          <p:nvPr/>
+        </p:nvSpPr>
+        <p:spPr>
+          <a:xfrm>
+            <a:off x="4544065" y="2544852"/>
+            <a:ext cx="504055" cy="407761"/>
+          </a:xfrm>
+          <a:prstGeom prst="rect">
+            <a:avLst/>
+          </a:prstGeom>
+          <a:solidFill>
+            <a:srgbClr val="92D050"/>
+          </a:solidFill>
+          <a:ln>
+            <a:solidFill>
+              <a:schemeClr val="tx1"/>
+            </a:solidFill>
+          </a:ln>
+        </p:spPr>
+        <p:style>
+          <a:lnRef idx="2">
+            <a:schemeClr val="accent1">
+              <a:shade val="50000"/>
+            </a:schemeClr>
+          </a:lnRef>
+          <a:fillRef idx="1">
+            <a:schemeClr val="accent1"/>
+          </a:fillRef>
+          <a:effectRef idx="0">
+            <a:schemeClr val="accent1"/>
+          </a:effectRef>
+          <a:fontRef idx="minor">
+            <a:schemeClr val="lt1"/>
+          </a:fontRef>
+        </p:style>
+        <p:txBody>
+          <a:bodyPr rtlCol="0" anchor="ctr"/>
+          <a:lstStyle/>
+          <a:p>
+            <a:pPr algn="ctr"/>
+            <a:r>
+              <a:rPr lang="en-US" altLang="zh-TW" sz="1200" dirty="0" smtClean="0">
+                <a:solidFill>
+                  <a:schemeClr val="tx1"/>
+                </a:solidFill>
+              </a:rPr>
+              <a:t>7</a:t>
+            </a:r>
+            <a:endParaRPr lang="zh-TW" altLang="en-US" sz="1200" baseline="-25000" dirty="0">
+              <a:solidFill>
+                <a:schemeClr val="tx1"/>
+              </a:solidFill>
+            </a:endParaRPr>
+          </a:p>
+        </p:txBody>
+      </p:sp>
+      <p:sp>
+        <p:nvSpPr>
+          <p:cNvPr id="20" name="矩形 19"/>
+          <p:cNvSpPr/>
+          <p:nvPr/>
+        </p:nvSpPr>
+        <p:spPr>
+          <a:xfrm>
+            <a:off x="5048120" y="2544851"/>
+            <a:ext cx="288033" cy="407761"/>
+          </a:xfrm>
+          <a:prstGeom prst="rect">
+            <a:avLst/>
+          </a:prstGeom>
+          <a:solidFill>
+            <a:schemeClr val="bg1"/>
+          </a:solidFill>
+          <a:ln>
+            <a:solidFill>
+              <a:schemeClr val="tx1"/>
+            </a:solidFill>
+          </a:ln>
+        </p:spPr>
+        <p:style>
+          <a:lnRef idx="2">
+            <a:schemeClr val="accent1">
+              <a:shade val="50000"/>
+            </a:schemeClr>
+          </a:lnRef>
+          <a:fillRef idx="1">
+            <a:schemeClr val="accent1"/>
+          </a:fillRef>
+          <a:effectRef idx="0">
+            <a:schemeClr val="accent1"/>
+          </a:effectRef>
+          <a:fontRef idx="minor">
+            <a:schemeClr val="lt1"/>
+          </a:fontRef>
+        </p:style>
+        <p:txBody>
+          <a:bodyPr rtlCol="0" anchor="ctr"/>
+          <a:lstStyle/>
+          <a:p>
+            <a:pPr algn="ctr"/>
+            <a:endParaRPr lang="zh-TW" altLang="en-US" dirty="0">
+              <a:solidFill>
+                <a:schemeClr val="tx1"/>
+              </a:solidFill>
+            </a:endParaRPr>
+          </a:p>
+        </p:txBody>
+      </p:sp>
+      <p:cxnSp>
+        <p:nvCxnSpPr>
+          <p:cNvPr id="21" name="直線單箭頭接點 20"/>
+          <p:cNvCxnSpPr/>
+          <p:nvPr/>
+        </p:nvCxnSpPr>
+        <p:spPr>
+          <a:xfrm>
+            <a:off x="5192136" y="2752969"/>
+            <a:ext cx="504056" cy="0"/>
+          </a:xfrm>
+          <a:prstGeom prst="straightConnector1">
+            <a:avLst/>
+          </a:prstGeom>
+          <a:ln w="19050">
+            <a:tailEnd type="arrow"/>
+          </a:ln>
+        </p:spPr>
+        <p:style>
+          <a:lnRef idx="2">
+            <a:schemeClr val="dk1"/>
+          </a:lnRef>
+          <a:fillRef idx="0">
+            <a:schemeClr val="dk1"/>
+          </a:fillRef>
+          <a:effectRef idx="1">
+            <a:schemeClr val="dk1"/>
+          </a:effectRef>
+          <a:fontRef idx="minor">
+            <a:schemeClr val="tx1"/>
+          </a:fontRef>
+        </p:style>
+      </p:cxnSp>
+      <p:sp>
+        <p:nvSpPr>
+          <p:cNvPr id="23" name="矩形 22"/>
+          <p:cNvSpPr/>
+          <p:nvPr/>
+        </p:nvSpPr>
+        <p:spPr>
+          <a:xfrm>
+            <a:off x="5652120" y="2559829"/>
+            <a:ext cx="576064" cy="369332"/>
+          </a:xfrm>
+          <a:prstGeom prst="rect">
+            <a:avLst/>
+          </a:prstGeom>
+        </p:spPr>
+        <p:txBody>
+          <a:bodyPr wrap="square">
+            <a:spAutoFit/>
+          </a:bodyPr>
+          <a:lstStyle/>
+          <a:p>
+            <a:r>
+              <a:rPr lang="en-US" altLang="zh-TW" dirty="0" smtClean="0">
+                <a:solidFill>
+                  <a:srgbClr val="C00000"/>
+                </a:solidFill>
+              </a:rPr>
+              <a:t>Null</a:t>
+            </a:r>
+            <a:endParaRPr lang="zh-TW" altLang="en-US" dirty="0">
+              <a:solidFill>
+                <a:srgbClr val="C00000"/>
+              </a:solidFill>
+            </a:endParaRPr>
+          </a:p>
+        </p:txBody>
+      </p:sp>
+      <p:sp>
+        <p:nvSpPr>
+          <p:cNvPr id="24" name="矩形 23"/>
+          <p:cNvSpPr/>
+          <p:nvPr/>
+        </p:nvSpPr>
+        <p:spPr>
+          <a:xfrm>
+            <a:off x="2111720" y="1582497"/>
+            <a:ext cx="3684415" cy="307777"/>
+          </a:xfrm>
+          <a:prstGeom prst="rect">
+            <a:avLst/>
+          </a:prstGeom>
+        </p:spPr>
+        <p:txBody>
+          <a:bodyPr wrap="square">
+            <a:spAutoFit/>
+          </a:bodyPr>
+          <a:lstStyle/>
+          <a:p>
+            <a:r>
+              <a:rPr lang="en-US" altLang="zh-TW" sz="1400" dirty="0" smtClean="0">
+                <a:latin typeface="微軟正黑體" panose="020B0604030504040204" pitchFamily="34" charset="-120"/>
+                <a:ea typeface="微軟正黑體" panose="020B0604030504040204" pitchFamily="34" charset="-120"/>
+              </a:rPr>
+              <a:t>(1) </a:t>
+            </a:r>
+            <a:r>
+              <a:rPr lang="zh-TW" altLang="en-US" sz="1400" dirty="0" smtClean="0">
+                <a:latin typeface="微軟正黑體" panose="020B0604030504040204" pitchFamily="34" charset="-120"/>
+                <a:ea typeface="微軟正黑體" panose="020B0604030504040204" pitchFamily="34" charset="-120"/>
+              </a:rPr>
+              <a:t>如果 </a:t>
+            </a:r>
+            <a:r>
+              <a:rPr lang="en-US" altLang="zh-TW" sz="1400" dirty="0" err="1" smtClean="0"/>
+              <a:t>headPtr</a:t>
+            </a:r>
+            <a:r>
+              <a:rPr lang="zh-TW" altLang="en-US" sz="1400" dirty="0" smtClean="0"/>
+              <a:t> 不是指向</a:t>
+            </a:r>
+            <a:r>
+              <a:rPr lang="en-US" altLang="zh-TW" sz="1400" dirty="0" smtClean="0"/>
+              <a:t>Null</a:t>
+            </a:r>
+            <a:r>
+              <a:rPr lang="zh-TW" altLang="en-US" sz="1400" dirty="0" smtClean="0"/>
+              <a:t>，</a:t>
+            </a:r>
+            <a:r>
+              <a:rPr lang="zh-TW" altLang="en-US" sz="1400" dirty="0"/>
+              <a:t>要</a:t>
+            </a:r>
+            <a:r>
+              <a:rPr lang="zh-TW" altLang="en-US" sz="1400" dirty="0" smtClean="0"/>
+              <a:t>刪除  </a:t>
+            </a:r>
+            <a:r>
+              <a:rPr lang="en-US" altLang="zh-TW" sz="1400" dirty="0" smtClean="0"/>
+              <a:t>2</a:t>
+            </a:r>
+          </a:p>
+        </p:txBody>
+      </p:sp>
+      <p:cxnSp>
+        <p:nvCxnSpPr>
+          <p:cNvPr id="26" name="直線單箭頭接點 25"/>
+          <p:cNvCxnSpPr/>
+          <p:nvPr/>
+        </p:nvCxnSpPr>
+        <p:spPr>
+          <a:xfrm flipV="1">
+            <a:off x="2013802" y="1921052"/>
+            <a:ext cx="325950" cy="833163"/>
+          </a:xfrm>
+          <a:prstGeom prst="straightConnector1">
+            <a:avLst/>
+          </a:prstGeom>
+          <a:ln>
+            <a:tailEnd type="arrow"/>
+          </a:ln>
+        </p:spPr>
+        <p:style>
+          <a:lnRef idx="2">
+            <a:schemeClr val="accent1"/>
+          </a:lnRef>
+          <a:fillRef idx="0">
+            <a:schemeClr val="accent1"/>
+          </a:fillRef>
+          <a:effectRef idx="1">
+            <a:schemeClr val="accent1"/>
+          </a:effectRef>
+          <a:fontRef idx="minor">
+            <a:schemeClr val="tx1"/>
+          </a:fontRef>
+        </p:style>
+      </p:cxnSp>
+      <p:sp>
+        <p:nvSpPr>
+          <p:cNvPr id="29" name="矩形 28"/>
+          <p:cNvSpPr/>
+          <p:nvPr/>
+        </p:nvSpPr>
+        <p:spPr>
+          <a:xfrm>
+            <a:off x="0" y="0"/>
+            <a:ext cx="9144000" cy="369332"/>
+          </a:xfrm>
+          <a:prstGeom prst="rect">
+            <a:avLst/>
+          </a:prstGeom>
+          <a:solidFill>
+            <a:schemeClr val="accent1">
+              <a:lumMod val="40000"/>
+              <a:lumOff val="60000"/>
+            </a:schemeClr>
+          </a:solidFill>
+        </p:spPr>
+        <p:txBody>
+          <a:bodyPr wrap="square">
+            <a:spAutoFit/>
+          </a:bodyPr>
+          <a:lstStyle/>
+          <a:p>
+            <a:r>
+              <a:rPr lang="zh-TW" altLang="en-US" dirty="0" smtClean="0">
+                <a:latin typeface="微軟正黑體" panose="020B0604030504040204" pitchFamily="34" charset="-120"/>
+                <a:ea typeface="微軟正黑體" panose="020B0604030504040204" pitchFamily="34" charset="-120"/>
+              </a:rPr>
+              <a:t>刪除 </a:t>
+            </a:r>
+            <a:r>
+              <a:rPr lang="en-US" altLang="zh-TW" dirty="0" smtClean="0">
+                <a:latin typeface="微軟正黑體" panose="020B0604030504040204" pitchFamily="34" charset="-120"/>
+                <a:ea typeface="微軟正黑體" panose="020B0604030504040204" pitchFamily="34" charset="-120"/>
+              </a:rPr>
+              <a:t>Node</a:t>
+            </a:r>
+            <a:r>
+              <a:rPr lang="zh-TW" altLang="en-US" dirty="0" smtClean="0">
+                <a:latin typeface="微軟正黑體" panose="020B0604030504040204" pitchFamily="34" charset="-120"/>
+                <a:ea typeface="微軟正黑體" panose="020B0604030504040204" pitchFamily="34" charset="-120"/>
+              </a:rPr>
+              <a:t> </a:t>
+            </a:r>
+            <a:r>
+              <a:rPr lang="en-US" altLang="zh-TW" dirty="0" err="1" smtClean="0">
+                <a:latin typeface="微軟正黑體" panose="020B0604030504040204" pitchFamily="34" charset="-120"/>
+                <a:ea typeface="微軟正黑體" panose="020B0604030504040204" pitchFamily="34" charset="-120"/>
+              </a:rPr>
+              <a:t>DeleteNode</a:t>
+            </a:r>
+            <a:r>
+              <a:rPr lang="en-US" altLang="zh-TW" dirty="0" smtClean="0">
+                <a:latin typeface="微軟正黑體" panose="020B0604030504040204" pitchFamily="34" charset="-120"/>
+                <a:ea typeface="微軟正黑體" panose="020B0604030504040204" pitchFamily="34" charset="-120"/>
+              </a:rPr>
+              <a:t>()</a:t>
+            </a:r>
+            <a:endParaRPr lang="zh-TW" altLang="en-US" dirty="0">
+              <a:latin typeface="微軟正黑體" panose="020B0604030504040204" pitchFamily="34" charset="-120"/>
+              <a:ea typeface="微軟正黑體" panose="020B0604030504040204" pitchFamily="34" charset="-120"/>
+            </a:endParaRPr>
+          </a:p>
+        </p:txBody>
+      </p:sp>
+      <p:sp>
+        <p:nvSpPr>
+          <p:cNvPr id="37" name="矩形 36"/>
+          <p:cNvSpPr/>
+          <p:nvPr/>
+        </p:nvSpPr>
+        <p:spPr>
+          <a:xfrm>
+            <a:off x="3727185" y="3372084"/>
+            <a:ext cx="1129703" cy="369332"/>
+          </a:xfrm>
+          <a:prstGeom prst="rect">
+            <a:avLst/>
+          </a:prstGeom>
+        </p:spPr>
+        <p:txBody>
+          <a:bodyPr wrap="square">
+            <a:spAutoFit/>
+          </a:bodyPr>
+          <a:lstStyle/>
+          <a:p>
+            <a:r>
+              <a:rPr lang="en-US" altLang="zh-TW" dirty="0" err="1" smtClean="0"/>
+              <a:t>CNodePtr</a:t>
+            </a:r>
+            <a:endParaRPr lang="zh-TW" altLang="en-US" dirty="0"/>
+          </a:p>
+        </p:txBody>
+      </p:sp>
+      <p:cxnSp>
+        <p:nvCxnSpPr>
+          <p:cNvPr id="43" name="直線單箭頭接點 42"/>
+          <p:cNvCxnSpPr/>
+          <p:nvPr/>
+        </p:nvCxnSpPr>
+        <p:spPr>
+          <a:xfrm flipV="1">
+            <a:off x="3779912" y="2929160"/>
+            <a:ext cx="0" cy="404379"/>
+          </a:xfrm>
+          <a:prstGeom prst="straightConnector1">
+            <a:avLst/>
+          </a:prstGeom>
+          <a:ln>
+            <a:tailEnd type="arrow"/>
+          </a:ln>
+        </p:spPr>
+        <p:style>
+          <a:lnRef idx="2">
+            <a:schemeClr val="accent2"/>
+          </a:lnRef>
+          <a:fillRef idx="0">
+            <a:schemeClr val="accent2"/>
+          </a:fillRef>
+          <a:effectRef idx="1">
+            <a:schemeClr val="accent2"/>
+          </a:effectRef>
+          <a:fontRef idx="minor">
+            <a:schemeClr val="tx1"/>
+          </a:fontRef>
+        </p:style>
+      </p:cxnSp>
+      <p:cxnSp>
+        <p:nvCxnSpPr>
+          <p:cNvPr id="47" name="直線單箭頭接點 46"/>
+          <p:cNvCxnSpPr/>
+          <p:nvPr/>
+        </p:nvCxnSpPr>
+        <p:spPr>
+          <a:xfrm flipV="1">
+            <a:off x="2745059" y="2929161"/>
+            <a:ext cx="0" cy="404379"/>
+          </a:xfrm>
+          <a:prstGeom prst="straightConnector1">
+            <a:avLst/>
+          </a:prstGeom>
+          <a:ln>
+            <a:tailEnd type="arrow"/>
+          </a:ln>
+        </p:spPr>
+        <p:style>
+          <a:lnRef idx="2">
+            <a:schemeClr val="accent2"/>
+          </a:lnRef>
+          <a:fillRef idx="0">
+            <a:schemeClr val="accent2"/>
+          </a:fillRef>
+          <a:effectRef idx="1">
+            <a:schemeClr val="accent2"/>
+          </a:effectRef>
+          <a:fontRef idx="minor">
+            <a:schemeClr val="tx1"/>
+          </a:fontRef>
+        </p:style>
+      </p:cxnSp>
+      <p:sp>
+        <p:nvSpPr>
+          <p:cNvPr id="48" name="矩形 47"/>
+          <p:cNvSpPr/>
+          <p:nvPr/>
+        </p:nvSpPr>
+        <p:spPr>
+          <a:xfrm>
+            <a:off x="2555776" y="3356992"/>
+            <a:ext cx="1129703" cy="369332"/>
+          </a:xfrm>
+          <a:prstGeom prst="rect">
+            <a:avLst/>
+          </a:prstGeom>
+        </p:spPr>
+        <p:txBody>
+          <a:bodyPr wrap="square">
+            <a:spAutoFit/>
+          </a:bodyPr>
+          <a:lstStyle/>
+          <a:p>
+            <a:r>
+              <a:rPr lang="en-US" altLang="zh-TW" dirty="0" err="1"/>
+              <a:t>P</a:t>
+            </a:r>
+            <a:r>
+              <a:rPr lang="en-US" altLang="zh-TW" dirty="0" err="1" smtClean="0"/>
+              <a:t>NodePtr</a:t>
+            </a:r>
+            <a:endParaRPr lang="zh-TW" altLang="en-US" dirty="0"/>
+          </a:p>
+        </p:txBody>
+      </p:sp>
+    </p:spTree>
+    <p:extLst>
+      <p:ext uri="{BB962C8B-B14F-4D97-AF65-F5344CB8AC3E}">
+        <p14:creationId xmlns:p14="http://schemas.microsoft.com/office/powerpoint/2010/main" val="2845454190"/>
+      </p:ext>
+    </p:extLst>
+  </p:cSld>
+  <p:clrMapOvr>
+    <a:masterClrMapping/>
+  </p:clrMapOvr>
+  <p:timing>
+    <p:tnLst>
+      <p:par>
+        <p:cTn id="1" dur="indefinite" restart="never" nodeType="tmRoot"/>
+      </p:par>
+    </p:tnLst>
+  </p:timing>
+</p:sld>
+</file>
+
 <file path=ppt/slides/slide2.xml><?xml version="1.0" encoding="utf-8"?>
 <p:sld xmlns:a="http://schemas.openxmlformats.org/drawingml/2006/main" xmlns:r="http://schemas.openxmlformats.org/officeDocument/2006/relationships" xmlns:p="http://schemas.openxmlformats.org/presentationml/2006/main">
   <p:cSld>
@@ -3839,14 +10364,30 @@
           <a:lstStyle/>
           <a:p>
             <a:r>
-              <a:rPr lang="en-US" altLang="zh-TW" dirty="0" err="1" smtClean="0"/>
+              <a:rPr lang="zh-TW" altLang="en-US" dirty="0" smtClean="0">
+                <a:latin typeface="微軟正黑體" panose="020B0604030504040204" pitchFamily="34" charset="-120"/>
+                <a:ea typeface="微軟正黑體" panose="020B0604030504040204" pitchFamily="34" charset="-120"/>
+              </a:rPr>
+              <a:t>初始化 </a:t>
+            </a:r>
+            <a:r>
+              <a:rPr lang="en-US" altLang="zh-TW" dirty="0" err="1" smtClean="0">
+                <a:latin typeface="微軟正黑體" panose="020B0604030504040204" pitchFamily="34" charset="-120"/>
+                <a:ea typeface="微軟正黑體" panose="020B0604030504040204" pitchFamily="34" charset="-120"/>
+              </a:rPr>
               <a:t>InitList</a:t>
             </a:r>
             <a:r>
-              <a:rPr lang="en-US" altLang="zh-TW" dirty="0" smtClean="0"/>
+              <a:rPr lang="en-US" altLang="zh-TW" dirty="0" smtClean="0">
+                <a:latin typeface="微軟正黑體" panose="020B0604030504040204" pitchFamily="34" charset="-120"/>
+                <a:ea typeface="微軟正黑體" panose="020B0604030504040204" pitchFamily="34" charset="-120"/>
+              </a:rPr>
               <a:t>()</a:t>
             </a:r>
-            <a:endParaRPr lang="zh-TW" altLang="en-US" dirty="0"/>
+            <a:endParaRPr lang="zh-TW" altLang="en-US" dirty="0">
+              <a:latin typeface="微軟正黑體" panose="020B0604030504040204" pitchFamily="34" charset="-120"/>
+              <a:ea typeface="微軟正黑體" panose="020B0604030504040204" pitchFamily="34" charset="-120"/>
+            </a:endParaRPr>
           </a:p>
         </p:txBody>
       </p:sp>
@@ -4360,26 +10901,51 @@
           <a:lstStyle/>
           <a:p>
             <a:r>
-              <a:rPr lang="en-US" altLang="zh-TW" dirty="0" err="1"/>
+              <a:rPr lang="zh-TW" altLang="en-US" dirty="0" smtClean="0">
+                <a:latin typeface="微軟正黑體" panose="020B0604030504040204" pitchFamily="34" charset="-120"/>
+                <a:ea typeface="微軟正黑體" panose="020B0604030504040204" pitchFamily="34" charset="-120"/>
+              </a:rPr>
+              <a:t>尾插法 </a:t>
+            </a:r>
+            <a:r>
+              <a:rPr lang="en-US" altLang="zh-TW" dirty="0" err="1" smtClean="0">
+                <a:latin typeface="微軟正黑體" panose="020B0604030504040204" pitchFamily="34" charset="-120"/>
+                <a:ea typeface="微軟正黑體" panose="020B0604030504040204" pitchFamily="34" charset="-120"/>
+              </a:rPr>
               <a:t>ListInsertTail</a:t>
             </a:r>
             <a:r>
-              <a:rPr lang="en-US" altLang="zh-TW" dirty="0" smtClean="0"/>
+              <a:rPr lang="en-US" altLang="zh-TW" dirty="0" smtClean="0">
+                <a:latin typeface="微軟正黑體" panose="020B0604030504040204" pitchFamily="34" charset="-120"/>
+                <a:ea typeface="微軟正黑體" panose="020B0604030504040204" pitchFamily="34" charset="-120"/>
+              </a:rPr>
               <a:t>() </a:t>
             </a:r>
             <a:r>
-              <a:rPr lang="en-US" altLang="zh-TW" dirty="0" err="1"/>
+              <a:rPr lang="en-US" altLang="zh-TW" dirty="0" err="1">
+                <a:latin typeface="微軟正黑體" panose="020B0604030504040204" pitchFamily="34" charset="-120"/>
+                <a:ea typeface="微軟正黑體" panose="020B0604030504040204" pitchFamily="34" charset="-120"/>
+              </a:rPr>
               <a:t>headPtr</a:t>
             </a:r>
             <a:r>
-              <a:rPr lang="zh-TW" altLang="en-US" dirty="0"/>
+              <a:rPr lang="zh-TW" altLang="en-US" dirty="0">
+                <a:latin typeface="微軟正黑體" panose="020B0604030504040204" pitchFamily="34" charset="-120"/>
+                <a:ea typeface="微軟正黑體" panose="020B0604030504040204" pitchFamily="34" charset="-120"/>
+              </a:rPr>
               <a:t> 指向 </a:t>
             </a:r>
             <a:r>
-              <a:rPr lang="en-US" altLang="zh-TW" dirty="0"/>
+              <a:rPr lang="en-US" altLang="zh-TW" dirty="0">
+                <a:latin typeface="微軟正黑體" panose="020B0604030504040204" pitchFamily="34" charset="-120"/>
+                <a:ea typeface="微軟正黑體" panose="020B0604030504040204" pitchFamily="34" charset="-120"/>
+              </a:rPr>
               <a:t>Null</a:t>
             </a:r>
-            <a:endParaRPr lang="zh-TW" altLang="en-US" dirty="0"/>
+            <a:endParaRPr lang="zh-TW" altLang="en-US" dirty="0">
+              <a:latin typeface="微軟正黑體" panose="020B0604030504040204" pitchFamily="34" charset="-120"/>
+              <a:ea typeface="微軟正黑體" panose="020B0604030504040204" pitchFamily="34" charset="-120"/>
+            </a:endParaRPr>
           </a:p>
         </p:txBody>
       </p:sp>
@@ -5014,57 +11580,6 @@
       </p:cxnSp>
       <p:sp>
         <p:nvSpPr>
-          <p:cNvPr id="2" name="矩形 1"/>
-          <p:cNvSpPr/>
-          <p:nvPr/>
-        </p:nvSpPr>
-        <p:spPr>
-          <a:xfrm>
-            <a:off x="0" y="0"/>
-            <a:ext cx="9144000" cy="369332"/>
-          </a:xfrm>
-          <a:prstGeom prst="rect">
-            <a:avLst/>
-          </a:prstGeom>
-          <a:solidFill>
-            <a:schemeClr val="accent1">
-              <a:lumMod val="40000"/>
-              <a:lumOff val="60000"/>
-            </a:schemeClr>
-          </a:solidFill>
-        </p:spPr>
-        <p:txBody>
-          <a:bodyPr wrap="square">
-            <a:spAutoFit/>
-          </a:bodyPr>
-          <a:lstStyle/>
-          <a:p>
-            <a:r>
-              <a:rPr lang="en-US" altLang="zh-TW" dirty="0" err="1"/>
-              <a:t>ListInsertTail</a:t>
-            </a:r>
-            <a:r>
-              <a:rPr lang="en-US" altLang="zh-TW" dirty="0" smtClean="0"/>
-              <a:t>() </a:t>
-            </a:r>
-            <a:r>
-              <a:rPr lang="en-US" altLang="zh-TW" dirty="0" err="1"/>
-              <a:t>headPtr</a:t>
-            </a:r>
-            <a:r>
-              <a:rPr lang="zh-TW" altLang="en-US" dirty="0"/>
-              <a:t> 指向 </a:t>
-            </a:r>
-            <a:r>
-              <a:rPr lang="en-US" altLang="zh-TW" dirty="0"/>
-              <a:t>Null</a:t>
-            </a:r>
-            <a:endParaRPr lang="zh-TW" altLang="en-US" dirty="0"/>
-          </a:p>
-        </p:txBody>
-      </p:sp>
-      <p:sp>
-        <p:nvSpPr>
           <p:cNvPr id="3" name="矩形 2"/>
           <p:cNvSpPr/>
           <p:nvPr/>
@@ -5525,6 +12040,82 @@
               <a:solidFill>
                 <a:srgbClr val="C00000"/>
               </a:solidFill>
+            </a:endParaRPr>
+          </a:p>
+        </p:txBody>
+      </p:sp>
+      <p:sp>
+        <p:nvSpPr>
+          <p:cNvPr id="14" name="矩形 13"/>
+          <p:cNvSpPr/>
+          <p:nvPr/>
+        </p:nvSpPr>
+        <p:spPr>
+          <a:xfrm>
+            <a:off x="0" y="0"/>
+            <a:ext cx="9144000" cy="369332"/>
+          </a:xfrm>
+          <a:prstGeom prst="rect">
+            <a:avLst/>
+          </a:prstGeom>
+          <a:solidFill>
+            <a:schemeClr val="accent1">
+              <a:lumMod val="40000"/>
+              <a:lumOff val="60000"/>
+            </a:schemeClr>
+          </a:solidFill>
+        </p:spPr>
+        <p:txBody>
+          <a:bodyPr wrap="square">
+            <a:spAutoFit/>
+          </a:bodyPr>
+          <a:lstStyle/>
+          <a:p>
+            <a:r>
+              <a:rPr lang="zh-TW" altLang="en-US" dirty="0" smtClean="0">
+                <a:latin typeface="微軟正黑體" panose="020B0604030504040204" pitchFamily="34" charset="-120"/>
+                <a:ea typeface="微軟正黑體" panose="020B0604030504040204" pitchFamily="34" charset="-120"/>
+              </a:rPr>
+              <a:t>尾插法 </a:t>
+            </a:r>
+            <a:r>
+              <a:rPr lang="en-US" altLang="zh-TW" dirty="0" err="1" smtClean="0">
+                <a:latin typeface="微軟正黑體" panose="020B0604030504040204" pitchFamily="34" charset="-120"/>
+                <a:ea typeface="微軟正黑體" panose="020B0604030504040204" pitchFamily="34" charset="-120"/>
+              </a:rPr>
+              <a:t>ListInsertTail</a:t>
+            </a:r>
+            <a:r>
+              <a:rPr lang="en-US" altLang="zh-TW" dirty="0" smtClean="0">
+                <a:latin typeface="微軟正黑體" panose="020B0604030504040204" pitchFamily="34" charset="-120"/>
+                <a:ea typeface="微軟正黑體" panose="020B0604030504040204" pitchFamily="34" charset="-120"/>
+              </a:rPr>
+              <a:t>() </a:t>
+            </a:r>
+            <a:r>
+              <a:rPr lang="en-US" altLang="zh-TW" dirty="0" err="1">
+                <a:latin typeface="微軟正黑體" panose="020B0604030504040204" pitchFamily="34" charset="-120"/>
+                <a:ea typeface="微軟正黑體" panose="020B0604030504040204" pitchFamily="34" charset="-120"/>
+              </a:rPr>
+              <a:t>headPtr</a:t>
+            </a:r>
+            <a:r>
+              <a:rPr lang="zh-TW" altLang="en-US" dirty="0">
+                <a:latin typeface="微軟正黑體" panose="020B0604030504040204" pitchFamily="34" charset="-120"/>
+                <a:ea typeface="微軟正黑體" panose="020B0604030504040204" pitchFamily="34" charset="-120"/>
+              </a:rPr>
+              <a:t> 指向 </a:t>
+            </a:r>
+            <a:r>
+              <a:rPr lang="en-US" altLang="zh-TW" dirty="0">
+                <a:latin typeface="微軟正黑體" panose="020B0604030504040204" pitchFamily="34" charset="-120"/>
+                <a:ea typeface="微軟正黑體" panose="020B0604030504040204" pitchFamily="34" charset="-120"/>
+              </a:rPr>
+              <a:t>Null</a:t>
+            </a:r>
+            <a:endParaRPr lang="zh-TW" altLang="en-US" dirty="0">
+              <a:latin typeface="微軟正黑體" panose="020B0604030504040204" pitchFamily="34" charset="-120"/>
+              <a:ea typeface="微軟正黑體" panose="020B0604030504040204" pitchFamily="34" charset="-120"/>
             </a:endParaRPr>
           </a:p>
         </p:txBody>
@@ -5601,57 +12192,6 @@
       </p:cxnSp>
       <p:sp>
         <p:nvSpPr>
-          <p:cNvPr id="2" name="矩形 1"/>
-          <p:cNvSpPr/>
-          <p:nvPr/>
-        </p:nvSpPr>
-        <p:spPr>
-          <a:xfrm>
-            <a:off x="0" y="0"/>
-            <a:ext cx="9144000" cy="369332"/>
-          </a:xfrm>
-          <a:prstGeom prst="rect">
-            <a:avLst/>
-          </a:prstGeom>
-          <a:solidFill>
-            <a:schemeClr val="accent1">
-              <a:lumMod val="40000"/>
-              <a:lumOff val="60000"/>
-            </a:schemeClr>
-          </a:solidFill>
-        </p:spPr>
-        <p:txBody>
-          <a:bodyPr wrap="square">
-            <a:spAutoFit/>
-          </a:bodyPr>
-          <a:lstStyle/>
-          <a:p>
-            <a:r>
-              <a:rPr lang="en-US" altLang="zh-TW" dirty="0" err="1"/>
-              <a:t>ListInsertTail</a:t>
-            </a:r>
-            <a:r>
-              <a:rPr lang="en-US" altLang="zh-TW" dirty="0" smtClean="0"/>
-              <a:t>() </a:t>
-            </a:r>
-            <a:r>
-              <a:rPr lang="en-US" altLang="zh-TW" dirty="0" err="1"/>
-              <a:t>headPtr</a:t>
-            </a:r>
-            <a:r>
-              <a:rPr lang="zh-TW" altLang="en-US" dirty="0"/>
-              <a:t> 不是指向</a:t>
-            </a:r>
-            <a:r>
-              <a:rPr lang="en-US" altLang="zh-TW" dirty="0"/>
-              <a:t>Null</a:t>
-            </a:r>
-            <a:endParaRPr lang="zh-TW" altLang="en-US" dirty="0"/>
-          </a:p>
-        </p:txBody>
-      </p:sp>
-      <p:sp>
-        <p:nvSpPr>
           <p:cNvPr id="3" name="矩形 2"/>
           <p:cNvSpPr/>
           <p:nvPr/>
@@ -6559,6 +13099,89 @@
               <a:t>Node</a:t>
             </a:r>
             <a:endParaRPr lang="en-US" altLang="zh-TW" sz="1400" dirty="0"/>
+          </a:p>
+        </p:txBody>
+      </p:sp>
+      <p:sp>
+        <p:nvSpPr>
+          <p:cNvPr id="27" name="矩形 26"/>
+          <p:cNvSpPr/>
+          <p:nvPr/>
+        </p:nvSpPr>
+        <p:spPr>
+          <a:xfrm>
+            <a:off x="0" y="0"/>
+            <a:ext cx="9144000" cy="369332"/>
+          </a:xfrm>
+          <a:prstGeom prst="rect">
+            <a:avLst/>
+          </a:prstGeom>
+          <a:solidFill>
+            <a:schemeClr val="accent1">
+              <a:lumMod val="40000"/>
+              <a:lumOff val="60000"/>
+            </a:schemeClr>
+          </a:solidFill>
+        </p:spPr>
+        <p:txBody>
+          <a:bodyPr wrap="square">
+            <a:spAutoFit/>
+          </a:bodyPr>
+          <a:lstStyle/>
+          <a:p>
+            <a:r>
+              <a:rPr lang="zh-TW" altLang="en-US" dirty="0" smtClean="0">
+                <a:latin typeface="微軟正黑體" panose="020B0604030504040204" pitchFamily="34" charset="-120"/>
+                <a:ea typeface="微軟正黑體" panose="020B0604030504040204" pitchFamily="34" charset="-120"/>
+              </a:rPr>
+              <a:t>尾插法 </a:t>
+            </a:r>
+            <a:r>
+              <a:rPr lang="en-US" altLang="zh-TW" dirty="0" err="1" smtClean="0">
+                <a:latin typeface="微軟正黑體" panose="020B0604030504040204" pitchFamily="34" charset="-120"/>
+                <a:ea typeface="微軟正黑體" panose="020B0604030504040204" pitchFamily="34" charset="-120"/>
+              </a:rPr>
+              <a:t>ListInsertTail</a:t>
+            </a:r>
+            <a:r>
+              <a:rPr lang="en-US" altLang="zh-TW" dirty="0" smtClean="0">
+                <a:latin typeface="微軟正黑體" panose="020B0604030504040204" pitchFamily="34" charset="-120"/>
+                <a:ea typeface="微軟正黑體" panose="020B0604030504040204" pitchFamily="34" charset="-120"/>
+              </a:rPr>
+              <a:t>() </a:t>
+            </a:r>
+            <a:r>
+              <a:rPr lang="en-US" altLang="zh-TW" dirty="0" err="1">
+                <a:latin typeface="微軟正黑體" panose="020B0604030504040204" pitchFamily="34" charset="-120"/>
+                <a:ea typeface="微軟正黑體" panose="020B0604030504040204" pitchFamily="34" charset="-120"/>
+              </a:rPr>
+              <a:t>headPtr</a:t>
+            </a:r>
+            <a:r>
+              <a:rPr lang="zh-TW" altLang="en-US" dirty="0">
+                <a:latin typeface="微軟正黑體" panose="020B0604030504040204" pitchFamily="34" charset="-120"/>
+                <a:ea typeface="微軟正黑體" panose="020B0604030504040204" pitchFamily="34" charset="-120"/>
+              </a:rPr>
+              <a:t> </a:t>
+            </a:r>
+            <a:r>
+              <a:rPr lang="zh-TW" altLang="en-US" dirty="0" smtClean="0">
+                <a:latin typeface="微軟正黑體" panose="020B0604030504040204" pitchFamily="34" charset="-120"/>
+                <a:ea typeface="微軟正黑體" panose="020B0604030504040204" pitchFamily="34" charset="-120"/>
+              </a:rPr>
+              <a:t>不是指向 </a:t>
+            </a:r>
+            <a:r>
+              <a:rPr lang="en-US" altLang="zh-TW" dirty="0">
+                <a:latin typeface="微軟正黑體" panose="020B0604030504040204" pitchFamily="34" charset="-120"/>
+                <a:ea typeface="微軟正黑體" panose="020B0604030504040204" pitchFamily="34" charset="-120"/>
+              </a:rPr>
+              <a:t>Null</a:t>
+            </a:r>
+            <a:endParaRPr lang="zh-TW" altLang="en-US" dirty="0">
+              <a:latin typeface="微軟正黑體" panose="020B0604030504040204" pitchFamily="34" charset="-120"/>
+              <a:ea typeface="微軟正黑體" panose="020B0604030504040204" pitchFamily="34" charset="-120"/>
+            </a:endParaRPr>
           </a:p>
         </p:txBody>
       </p:sp>
@@ -6634,57 +13257,6 @@
       </p:cxnSp>
       <p:sp>
         <p:nvSpPr>
-          <p:cNvPr id="2" name="矩形 1"/>
-          <p:cNvSpPr/>
-          <p:nvPr/>
-        </p:nvSpPr>
-        <p:spPr>
-          <a:xfrm>
-            <a:off x="0" y="0"/>
-            <a:ext cx="9144000" cy="369332"/>
-          </a:xfrm>
-          <a:prstGeom prst="rect">
-            <a:avLst/>
-          </a:prstGeom>
-          <a:solidFill>
-            <a:schemeClr val="accent1">
-              <a:lumMod val="40000"/>
-              <a:lumOff val="60000"/>
-            </a:schemeClr>
-          </a:solidFill>
-        </p:spPr>
-        <p:txBody>
-          <a:bodyPr wrap="square">
-            <a:spAutoFit/>
-          </a:bodyPr>
-          <a:lstStyle/>
-          <a:p>
-            <a:r>
-              <a:rPr lang="en-US" altLang="zh-TW" dirty="0" err="1"/>
-              <a:t>ListInsertTail</a:t>
-            </a:r>
-            <a:r>
-              <a:rPr lang="en-US" altLang="zh-TW" dirty="0" smtClean="0"/>
-              <a:t>() </a:t>
-            </a:r>
-            <a:r>
-              <a:rPr lang="en-US" altLang="zh-TW" dirty="0" err="1"/>
-              <a:t>headPtr</a:t>
-            </a:r>
-            <a:r>
-              <a:rPr lang="zh-TW" altLang="en-US" dirty="0"/>
-              <a:t> 不是指向</a:t>
-            </a:r>
-            <a:r>
-              <a:rPr lang="en-US" altLang="zh-TW" dirty="0"/>
-              <a:t>Null</a:t>
-            </a:r>
-            <a:endParaRPr lang="zh-TW" altLang="en-US" dirty="0"/>
-          </a:p>
-        </p:txBody>
-      </p:sp>
-      <p:sp>
-        <p:nvSpPr>
           <p:cNvPr id="3" name="矩形 2"/>
           <p:cNvSpPr/>
           <p:nvPr/>
@@ -7469,6 +14041,89 @@
               <a:t>下指向</a:t>
             </a:r>
             <a:endParaRPr lang="en-US" altLang="zh-TW" sz="1400" dirty="0"/>
+          </a:p>
+        </p:txBody>
+      </p:sp>
+      <p:sp>
+        <p:nvSpPr>
+          <p:cNvPr id="24" name="矩形 23"/>
+          <p:cNvSpPr/>
+          <p:nvPr/>
+        </p:nvSpPr>
+        <p:spPr>
+          <a:xfrm>
+            <a:off x="0" y="0"/>
+            <a:ext cx="9144000" cy="369332"/>
+          </a:xfrm>
+          <a:prstGeom prst="rect">
+            <a:avLst/>
+          </a:prstGeom>
+          <a:solidFill>
+            <a:schemeClr val="accent1">
+              <a:lumMod val="40000"/>
+              <a:lumOff val="60000"/>
+            </a:schemeClr>
+          </a:solidFill>
+        </p:spPr>
+        <p:txBody>
+          <a:bodyPr wrap="square">
+            <a:spAutoFit/>
+          </a:bodyPr>
+          <a:lstStyle/>
+          <a:p>
+            <a:r>
+              <a:rPr lang="zh-TW" altLang="en-US" dirty="0" smtClean="0">
+                <a:latin typeface="微軟正黑體" panose="020B0604030504040204" pitchFamily="34" charset="-120"/>
+                <a:ea typeface="微軟正黑體" panose="020B0604030504040204" pitchFamily="34" charset="-120"/>
+              </a:rPr>
+              <a:t>尾插法 </a:t>
+            </a:r>
+            <a:r>
+              <a:rPr lang="en-US" altLang="zh-TW" dirty="0" err="1" smtClean="0">
+                <a:latin typeface="微軟正黑體" panose="020B0604030504040204" pitchFamily="34" charset="-120"/>
+                <a:ea typeface="微軟正黑體" panose="020B0604030504040204" pitchFamily="34" charset="-120"/>
+              </a:rPr>
+              <a:t>ListInsertTail</a:t>
+            </a:r>
+            <a:r>
+              <a:rPr lang="en-US" altLang="zh-TW" dirty="0" smtClean="0">
+                <a:latin typeface="微軟正黑體" panose="020B0604030504040204" pitchFamily="34" charset="-120"/>
+                <a:ea typeface="微軟正黑體" panose="020B0604030504040204" pitchFamily="34" charset="-120"/>
+              </a:rPr>
+              <a:t>() </a:t>
+            </a:r>
+            <a:r>
+              <a:rPr lang="en-US" altLang="zh-TW" dirty="0" err="1">
+                <a:latin typeface="微軟正黑體" panose="020B0604030504040204" pitchFamily="34" charset="-120"/>
+                <a:ea typeface="微軟正黑體" panose="020B0604030504040204" pitchFamily="34" charset="-120"/>
+              </a:rPr>
+              <a:t>headPtr</a:t>
+            </a:r>
+            <a:r>
+              <a:rPr lang="zh-TW" altLang="en-US" dirty="0">
+                <a:latin typeface="微軟正黑體" panose="020B0604030504040204" pitchFamily="34" charset="-120"/>
+                <a:ea typeface="微軟正黑體" panose="020B0604030504040204" pitchFamily="34" charset="-120"/>
+              </a:rPr>
+              <a:t> </a:t>
+            </a:r>
+            <a:r>
+              <a:rPr lang="zh-TW" altLang="en-US" dirty="0" smtClean="0">
+                <a:latin typeface="微軟正黑體" panose="020B0604030504040204" pitchFamily="34" charset="-120"/>
+                <a:ea typeface="微軟正黑體" panose="020B0604030504040204" pitchFamily="34" charset="-120"/>
+              </a:rPr>
+              <a:t>不是指向 </a:t>
+            </a:r>
+            <a:r>
+              <a:rPr lang="en-US" altLang="zh-TW" dirty="0">
+                <a:latin typeface="微軟正黑體" panose="020B0604030504040204" pitchFamily="34" charset="-120"/>
+                <a:ea typeface="微軟正黑體" panose="020B0604030504040204" pitchFamily="34" charset="-120"/>
+              </a:rPr>
+              <a:t>Null</a:t>
+            </a:r>
+            <a:endParaRPr lang="zh-TW" altLang="en-US" dirty="0">
+              <a:latin typeface="微軟正黑體" panose="020B0604030504040204" pitchFamily="34" charset="-120"/>
+              <a:ea typeface="微軟正黑體" panose="020B0604030504040204" pitchFamily="34" charset="-120"/>
+            </a:endParaRPr>
           </a:p>
         </p:txBody>
       </p:sp>
@@ -7544,57 +14199,6 @@
       </p:cxnSp>
       <p:sp>
         <p:nvSpPr>
-          <p:cNvPr id="2" name="矩形 1"/>
-          <p:cNvSpPr/>
-          <p:nvPr/>
-        </p:nvSpPr>
-        <p:spPr>
-          <a:xfrm>
-            <a:off x="0" y="0"/>
-            <a:ext cx="9144000" cy="369332"/>
-          </a:xfrm>
-          <a:prstGeom prst="rect">
-            <a:avLst/>
-          </a:prstGeom>
-          <a:solidFill>
-            <a:schemeClr val="accent1">
-              <a:lumMod val="40000"/>
-              <a:lumOff val="60000"/>
-            </a:schemeClr>
-          </a:solidFill>
-        </p:spPr>
-        <p:txBody>
-          <a:bodyPr wrap="square">
-            <a:spAutoFit/>
-          </a:bodyPr>
-          <a:lstStyle/>
-          <a:p>
-            <a:r>
-              <a:rPr lang="en-US" altLang="zh-TW" dirty="0" err="1"/>
-              <a:t>ListInsertTail</a:t>
-            </a:r>
-            <a:r>
-              <a:rPr lang="en-US" altLang="zh-TW" dirty="0" smtClean="0"/>
-              <a:t>() </a:t>
-            </a:r>
-            <a:r>
-              <a:rPr lang="en-US" altLang="zh-TW" dirty="0" err="1"/>
-              <a:t>headPtr</a:t>
-            </a:r>
-            <a:r>
-              <a:rPr lang="zh-TW" altLang="en-US" dirty="0"/>
-              <a:t> 不是指向</a:t>
-            </a:r>
-            <a:r>
-              <a:rPr lang="en-US" altLang="zh-TW" dirty="0"/>
-              <a:t>Null</a:t>
-            </a:r>
-            <a:endParaRPr lang="zh-TW" altLang="en-US" dirty="0"/>
-          </a:p>
-        </p:txBody>
-      </p:sp>
-      <p:sp>
-        <p:nvSpPr>
           <p:cNvPr id="3" name="矩形 2"/>
           <p:cNvSpPr/>
           <p:nvPr/>
@@ -8629,6 +15233,89 @@
               <a:rPr lang="en-US" altLang="zh-TW" sz="1400" dirty="0" smtClean="0"/>
               <a:t>Node</a:t>
             </a:r>
+          </a:p>
+        </p:txBody>
+      </p:sp>
+      <p:sp>
+        <p:nvSpPr>
+          <p:cNvPr id="36" name="矩形 35"/>
+          <p:cNvSpPr/>
+          <p:nvPr/>
+        </p:nvSpPr>
+        <p:spPr>
+          <a:xfrm>
+            <a:off x="0" y="0"/>
+            <a:ext cx="9144000" cy="369332"/>
+          </a:xfrm>
+          <a:prstGeom prst="rect">
+            <a:avLst/>
+          </a:prstGeom>
+          <a:solidFill>
+            <a:schemeClr val="accent1">
+              <a:lumMod val="40000"/>
+              <a:lumOff val="60000"/>
+            </a:schemeClr>
+          </a:solidFill>
+        </p:spPr>
+        <p:txBody>
+          <a:bodyPr wrap="square">
+            <a:spAutoFit/>
+          </a:bodyPr>
+          <a:lstStyle/>
+          <a:p>
+            <a:r>
+              <a:rPr lang="zh-TW" altLang="en-US" dirty="0" smtClean="0">
+                <a:latin typeface="微軟正黑體" panose="020B0604030504040204" pitchFamily="34" charset="-120"/>
+                <a:ea typeface="微軟正黑體" panose="020B0604030504040204" pitchFamily="34" charset="-120"/>
+              </a:rPr>
+              <a:t>尾插法 </a:t>
+            </a:r>
+            <a:r>
+              <a:rPr lang="en-US" altLang="zh-TW" dirty="0" err="1" smtClean="0">
+                <a:latin typeface="微軟正黑體" panose="020B0604030504040204" pitchFamily="34" charset="-120"/>
+                <a:ea typeface="微軟正黑體" panose="020B0604030504040204" pitchFamily="34" charset="-120"/>
+              </a:rPr>
+              <a:t>ListInsertTail</a:t>
+            </a:r>
+            <a:r>
+              <a:rPr lang="en-US" altLang="zh-TW" dirty="0" smtClean="0">
+                <a:latin typeface="微軟正黑體" panose="020B0604030504040204" pitchFamily="34" charset="-120"/>
+                <a:ea typeface="微軟正黑體" panose="020B0604030504040204" pitchFamily="34" charset="-120"/>
+              </a:rPr>
+              <a:t>() </a:t>
+            </a:r>
+            <a:r>
+              <a:rPr lang="en-US" altLang="zh-TW" dirty="0" err="1">
+                <a:latin typeface="微軟正黑體" panose="020B0604030504040204" pitchFamily="34" charset="-120"/>
+                <a:ea typeface="微軟正黑體" panose="020B0604030504040204" pitchFamily="34" charset="-120"/>
+              </a:rPr>
+              <a:t>headPtr</a:t>
+            </a:r>
+            <a:r>
+              <a:rPr lang="zh-TW" altLang="en-US" dirty="0">
+                <a:latin typeface="微軟正黑體" panose="020B0604030504040204" pitchFamily="34" charset="-120"/>
+                <a:ea typeface="微軟正黑體" panose="020B0604030504040204" pitchFamily="34" charset="-120"/>
+              </a:rPr>
+              <a:t> </a:t>
+            </a:r>
+            <a:r>
+              <a:rPr lang="zh-TW" altLang="en-US" dirty="0" smtClean="0">
+                <a:latin typeface="微軟正黑體" panose="020B0604030504040204" pitchFamily="34" charset="-120"/>
+                <a:ea typeface="微軟正黑體" panose="020B0604030504040204" pitchFamily="34" charset="-120"/>
+              </a:rPr>
+              <a:t>不是指向 </a:t>
+            </a:r>
+            <a:r>
+              <a:rPr lang="en-US" altLang="zh-TW" dirty="0">
+                <a:latin typeface="微軟正黑體" panose="020B0604030504040204" pitchFamily="34" charset="-120"/>
+                <a:ea typeface="微軟正黑體" panose="020B0604030504040204" pitchFamily="34" charset="-120"/>
+              </a:rPr>
+              <a:t>Null</a:t>
+            </a:r>
+            <a:endParaRPr lang="zh-TW" altLang="en-US" dirty="0">
+              <a:latin typeface="微軟正黑體" panose="020B0604030504040204" pitchFamily="34" charset="-120"/>
+              <a:ea typeface="微軟正黑體" panose="020B0604030504040204" pitchFamily="34" charset="-120"/>
+            </a:endParaRPr>
           </a:p>
         </p:txBody>
       </p:sp>
@@ -8704,57 +15391,6 @@
       </p:cxnSp>
       <p:sp>
         <p:nvSpPr>
-          <p:cNvPr id="2" name="矩形 1"/>
-          <p:cNvSpPr/>
-          <p:nvPr/>
-        </p:nvSpPr>
-        <p:spPr>
-          <a:xfrm>
-            <a:off x="0" y="0"/>
-            <a:ext cx="9144000" cy="369332"/>
-          </a:xfrm>
-          <a:prstGeom prst="rect">
-            <a:avLst/>
-          </a:prstGeom>
-          <a:solidFill>
-            <a:schemeClr val="accent1">
-              <a:lumMod val="40000"/>
-              <a:lumOff val="60000"/>
-            </a:schemeClr>
-          </a:solidFill>
-        </p:spPr>
-        <p:txBody>
-          <a:bodyPr wrap="square">
-            <a:spAutoFit/>
-          </a:bodyPr>
-          <a:lstStyle/>
-          <a:p>
-            <a:r>
-              <a:rPr lang="en-US" altLang="zh-TW" dirty="0" err="1"/>
-              <a:t>ListInsertTail</a:t>
-            </a:r>
-            <a:r>
-              <a:rPr lang="en-US" altLang="zh-TW" dirty="0" smtClean="0"/>
-              <a:t>() </a:t>
-            </a:r>
-            <a:r>
-              <a:rPr lang="en-US" altLang="zh-TW" dirty="0" err="1"/>
-              <a:t>headPtr</a:t>
-            </a:r>
-            <a:r>
-              <a:rPr lang="zh-TW" altLang="en-US" dirty="0"/>
-              <a:t> 不是指向</a:t>
-            </a:r>
-            <a:r>
-              <a:rPr lang="en-US" altLang="zh-TW" dirty="0"/>
-              <a:t>Null</a:t>
-            </a:r>
-            <a:endParaRPr lang="zh-TW" altLang="en-US" dirty="0"/>
-          </a:p>
-        </p:txBody>
-      </p:sp>
-      <p:sp>
-        <p:nvSpPr>
           <p:cNvPr id="3" name="矩形 2"/>
           <p:cNvSpPr/>
           <p:nvPr/>
@@ -9643,10 +16279,812 @@
           </a:p>
         </p:txBody>
       </p:sp>
+      <p:sp>
+        <p:nvSpPr>
+          <p:cNvPr id="33" name="矩形 32"/>
+          <p:cNvSpPr/>
+          <p:nvPr/>
+        </p:nvSpPr>
+        <p:spPr>
+          <a:xfrm>
+            <a:off x="0" y="0"/>
+            <a:ext cx="9144000" cy="369332"/>
+          </a:xfrm>
+          <a:prstGeom prst="rect">
+            <a:avLst/>
+          </a:prstGeom>
+          <a:solidFill>
+            <a:schemeClr val="accent1">
+              <a:lumMod val="40000"/>
+              <a:lumOff val="60000"/>
+            </a:schemeClr>
+          </a:solidFill>
+        </p:spPr>
+        <p:txBody>
+          <a:bodyPr wrap="square">
+            <a:spAutoFit/>
+          </a:bodyPr>
+          <a:lstStyle/>
+          <a:p>
+            <a:r>
+              <a:rPr lang="zh-TW" altLang="en-US" dirty="0" smtClean="0">
+                <a:latin typeface="微軟正黑體" panose="020B0604030504040204" pitchFamily="34" charset="-120"/>
+                <a:ea typeface="微軟正黑體" panose="020B0604030504040204" pitchFamily="34" charset="-120"/>
+              </a:rPr>
+              <a:t>尾插法 </a:t>
+            </a:r>
+            <a:r>
+              <a:rPr lang="en-US" altLang="zh-TW" dirty="0" err="1" smtClean="0">
+                <a:latin typeface="微軟正黑體" panose="020B0604030504040204" pitchFamily="34" charset="-120"/>
+                <a:ea typeface="微軟正黑體" panose="020B0604030504040204" pitchFamily="34" charset="-120"/>
+              </a:rPr>
+              <a:t>ListInsertTail</a:t>
+            </a:r>
+            <a:r>
+              <a:rPr lang="en-US" altLang="zh-TW" dirty="0" smtClean="0">
+                <a:latin typeface="微軟正黑體" panose="020B0604030504040204" pitchFamily="34" charset="-120"/>
+                <a:ea typeface="微軟正黑體" panose="020B0604030504040204" pitchFamily="34" charset="-120"/>
+              </a:rPr>
+              <a:t>() </a:t>
+            </a:r>
+            <a:r>
+              <a:rPr lang="en-US" altLang="zh-TW" dirty="0" err="1">
+                <a:latin typeface="微軟正黑體" panose="020B0604030504040204" pitchFamily="34" charset="-120"/>
+                <a:ea typeface="微軟正黑體" panose="020B0604030504040204" pitchFamily="34" charset="-120"/>
+              </a:rPr>
+              <a:t>headPtr</a:t>
+            </a:r>
+            <a:r>
+              <a:rPr lang="zh-TW" altLang="en-US" dirty="0">
+                <a:latin typeface="微軟正黑體" panose="020B0604030504040204" pitchFamily="34" charset="-120"/>
+                <a:ea typeface="微軟正黑體" panose="020B0604030504040204" pitchFamily="34" charset="-120"/>
+              </a:rPr>
+              <a:t> </a:t>
+            </a:r>
+            <a:r>
+              <a:rPr lang="zh-TW" altLang="en-US" dirty="0" smtClean="0">
+                <a:latin typeface="微軟正黑體" panose="020B0604030504040204" pitchFamily="34" charset="-120"/>
+                <a:ea typeface="微軟正黑體" panose="020B0604030504040204" pitchFamily="34" charset="-120"/>
+              </a:rPr>
+              <a:t>不是指向 </a:t>
+            </a:r>
+            <a:r>
+              <a:rPr lang="en-US" altLang="zh-TW" dirty="0">
+                <a:latin typeface="微軟正黑體" panose="020B0604030504040204" pitchFamily="34" charset="-120"/>
+                <a:ea typeface="微軟正黑體" panose="020B0604030504040204" pitchFamily="34" charset="-120"/>
+              </a:rPr>
+              <a:t>Null</a:t>
+            </a:r>
+            <a:endParaRPr lang="zh-TW" altLang="en-US" dirty="0">
+              <a:latin typeface="微軟正黑體" panose="020B0604030504040204" pitchFamily="34" charset="-120"/>
+              <a:ea typeface="微軟正黑體" panose="020B0604030504040204" pitchFamily="34" charset="-120"/>
+            </a:endParaRPr>
+          </a:p>
+        </p:txBody>
+      </p:sp>
     </p:spTree>
     <p:extLst>
       <p:ext uri="{BB962C8B-B14F-4D97-AF65-F5344CB8AC3E}">
         <p14:creationId xmlns:p14="http://schemas.microsoft.com/office/powerpoint/2010/main" val="1367232334"/>
+      </p:ext>
+    </p:extLst>
+  </p:cSld>
+  <p:clrMapOvr>
+    <a:masterClrMapping/>
+  </p:clrMapOvr>
+  <p:timing>
+    <p:tnLst>
+      <p:par>
+        <p:cTn id="1" dur="indefinite" restart="never" nodeType="tmRoot"/>
+      </p:par>
+    </p:tnLst>
+  </p:timing>
+</p:sld>
+</file>
+
+<file path=ppt/slides/slide9.xml><?xml version="1.0" encoding="utf-8"?>
+<p:sld xmlns:a="http://schemas.openxmlformats.org/drawingml/2006/main" xmlns:r="http://schemas.openxmlformats.org/officeDocument/2006/relationships" xmlns:p="http://schemas.openxmlformats.org/presentationml/2006/main">
+  <p:cSld>
+    <p:spTree>
+      <p:nvGrpSpPr>
+        <p:cNvPr id="1" name=""/>
+        <p:cNvGrpSpPr/>
+        <p:nvPr/>
+      </p:nvGrpSpPr>
+      <p:grpSpPr>
+        <a:xfrm>
+          <a:off x="0" y="0"/>
+          <a:ext cx="0" cy="0"/>
+          <a:chOff x="0" y="0"/>
+          <a:chExt cx="0" cy="0"/>
+        </a:xfrm>
+      </p:grpSpPr>
+      <p:cxnSp>
+        <p:nvCxnSpPr>
+          <p:cNvPr id="22" name="直線單箭頭接點 21"/>
+          <p:cNvCxnSpPr/>
+          <p:nvPr/>
+        </p:nvCxnSpPr>
+        <p:spPr>
+          <a:xfrm>
+            <a:off x="728471" y="1484784"/>
+            <a:ext cx="999211" cy="0"/>
+          </a:xfrm>
+          <a:prstGeom prst="straightConnector1">
+            <a:avLst/>
+          </a:prstGeom>
+          <a:ln w="28575">
+            <a:tailEnd type="arrow"/>
+          </a:ln>
+        </p:spPr>
+        <p:style>
+          <a:lnRef idx="2">
+            <a:schemeClr val="dk1"/>
+          </a:lnRef>
+          <a:fillRef idx="0">
+            <a:schemeClr val="dk1"/>
+          </a:fillRef>
+          <a:effectRef idx="1">
+            <a:schemeClr val="dk1"/>
+          </a:effectRef>
+          <a:fontRef idx="minor">
+            <a:schemeClr val="tx1"/>
+          </a:fontRef>
+        </p:style>
+      </p:cxnSp>
+      <p:sp>
+        <p:nvSpPr>
+          <p:cNvPr id="3" name="矩形 2"/>
+          <p:cNvSpPr/>
+          <p:nvPr/>
+        </p:nvSpPr>
+        <p:spPr>
+          <a:xfrm>
+            <a:off x="816744" y="1052736"/>
+            <a:ext cx="783187" cy="369332"/>
+          </a:xfrm>
+          <a:prstGeom prst="rect">
+            <a:avLst/>
+          </a:prstGeom>
+        </p:spPr>
+        <p:txBody>
+          <a:bodyPr wrap="square">
+            <a:spAutoFit/>
+          </a:bodyPr>
+          <a:lstStyle/>
+          <a:p>
+            <a:r>
+              <a:rPr lang="en-US" altLang="zh-TW" dirty="0" err="1" smtClean="0"/>
+              <a:t>ListPtr</a:t>
+            </a:r>
+            <a:endParaRPr lang="zh-TW" altLang="en-US" dirty="0"/>
+          </a:p>
+        </p:txBody>
+      </p:sp>
+      <p:sp>
+        <p:nvSpPr>
+          <p:cNvPr id="25" name="矩形 24"/>
+          <p:cNvSpPr/>
+          <p:nvPr/>
+        </p:nvSpPr>
+        <p:spPr>
+          <a:xfrm>
+            <a:off x="1727682" y="1280903"/>
+            <a:ext cx="1476166" cy="407761"/>
+          </a:xfrm>
+          <a:prstGeom prst="rect">
+            <a:avLst/>
+          </a:prstGeom>
+          <a:solidFill>
+            <a:schemeClr val="accent1">
+              <a:lumMod val="40000"/>
+              <a:lumOff val="60000"/>
+            </a:schemeClr>
+          </a:solidFill>
+          <a:ln>
+            <a:solidFill>
+              <a:schemeClr val="tx1"/>
+            </a:solidFill>
+          </a:ln>
+        </p:spPr>
+        <p:style>
+          <a:lnRef idx="2">
+            <a:schemeClr val="accent1">
+              <a:shade val="50000"/>
+            </a:schemeClr>
+          </a:lnRef>
+          <a:fillRef idx="1">
+            <a:schemeClr val="accent1"/>
+          </a:fillRef>
+          <a:effectRef idx="0">
+            <a:schemeClr val="accent1"/>
+          </a:effectRef>
+          <a:fontRef idx="minor">
+            <a:schemeClr val="lt1"/>
+          </a:fontRef>
+        </p:style>
+        <p:txBody>
+          <a:bodyPr rtlCol="0" anchor="ctr"/>
+          <a:lstStyle/>
+          <a:p>
+            <a:pPr algn="ctr"/>
+            <a:r>
+              <a:rPr lang="en-US" altLang="zh-TW" sz="1200" dirty="0" err="1" smtClean="0">
+                <a:solidFill>
+                  <a:schemeClr val="tx1"/>
+                </a:solidFill>
+              </a:rPr>
+              <a:t>NodePtr</a:t>
+            </a:r>
+            <a:r>
+              <a:rPr lang="zh-TW" altLang="en-US" sz="1200" dirty="0" smtClean="0">
+                <a:solidFill>
+                  <a:schemeClr val="tx1"/>
+                </a:solidFill>
+              </a:rPr>
+              <a:t> </a:t>
+            </a:r>
+            <a:r>
+              <a:rPr lang="en-US" altLang="zh-TW" sz="1200" dirty="0" smtClean="0">
+                <a:solidFill>
+                  <a:schemeClr val="tx1"/>
+                </a:solidFill>
+              </a:rPr>
+              <a:t>(</a:t>
+            </a:r>
+            <a:r>
+              <a:rPr lang="en-US" altLang="zh-TW" sz="1200" dirty="0" err="1">
+                <a:solidFill>
+                  <a:schemeClr val="tx1"/>
+                </a:solidFill>
+              </a:rPr>
+              <a:t>headPtr</a:t>
+            </a:r>
+            <a:r>
+              <a:rPr lang="en-US" altLang="zh-TW" sz="1200" dirty="0">
+                <a:solidFill>
+                  <a:schemeClr val="tx1"/>
+                </a:solidFill>
+              </a:rPr>
+              <a:t>)</a:t>
+            </a:r>
+            <a:endParaRPr lang="zh-TW" altLang="en-US" baseline="-25000" dirty="0">
+              <a:solidFill>
+                <a:schemeClr val="tx1"/>
+              </a:solidFill>
+            </a:endParaRPr>
+          </a:p>
+        </p:txBody>
+      </p:sp>
+      <p:sp>
+        <p:nvSpPr>
+          <p:cNvPr id="38" name="左大括弧 37"/>
+          <p:cNvSpPr/>
+          <p:nvPr/>
+        </p:nvSpPr>
+        <p:spPr>
+          <a:xfrm rot="5400000">
+            <a:off x="2329233" y="322138"/>
+            <a:ext cx="288032" cy="1461197"/>
+          </a:xfrm>
+          <a:prstGeom prst="leftBrace">
+            <a:avLst>
+              <a:gd name="adj1" fmla="val 30076"/>
+              <a:gd name="adj2" fmla="val 50000"/>
+            </a:avLst>
+          </a:prstGeom>
+        </p:spPr>
+        <p:style>
+          <a:lnRef idx="2">
+            <a:schemeClr val="dk1"/>
+          </a:lnRef>
+          <a:fillRef idx="0">
+            <a:schemeClr val="dk1"/>
+          </a:fillRef>
+          <a:effectRef idx="1">
+            <a:schemeClr val="dk1"/>
+          </a:effectRef>
+          <a:fontRef idx="minor">
+            <a:schemeClr val="tx1"/>
+          </a:fontRef>
+        </p:style>
+        <p:txBody>
+          <a:bodyPr rtlCol="0" anchor="ctr"/>
+          <a:lstStyle/>
+          <a:p>
+            <a:pPr algn="ctr"/>
+            <a:endParaRPr lang="zh-TW" altLang="en-US"/>
+          </a:p>
+        </p:txBody>
+      </p:sp>
+      <p:sp>
+        <p:nvSpPr>
+          <p:cNvPr id="39" name="文字方塊 38"/>
+          <p:cNvSpPr txBox="1"/>
+          <p:nvPr/>
+        </p:nvSpPr>
+        <p:spPr>
+          <a:xfrm>
+            <a:off x="2216017" y="476672"/>
+            <a:ext cx="499496" cy="369332"/>
+          </a:xfrm>
+          <a:prstGeom prst="rect">
+            <a:avLst/>
+          </a:prstGeom>
+        </p:spPr>
+        <p:style>
+          <a:lnRef idx="2">
+            <a:schemeClr val="accent6"/>
+          </a:lnRef>
+          <a:fillRef idx="1">
+            <a:schemeClr val="lt1"/>
+          </a:fillRef>
+          <a:effectRef idx="0">
+            <a:schemeClr val="accent6"/>
+          </a:effectRef>
+          <a:fontRef idx="minor">
+            <a:schemeClr val="dk1"/>
+          </a:fontRef>
+        </p:style>
+        <p:txBody>
+          <a:bodyPr wrap="none" rtlCol="0">
+            <a:spAutoFit/>
+          </a:bodyPr>
+          <a:lstStyle/>
+          <a:p>
+            <a:r>
+              <a:rPr lang="en-US" altLang="zh-TW" dirty="0"/>
+              <a:t>List</a:t>
+            </a:r>
+            <a:endParaRPr lang="zh-TW" altLang="en-US" dirty="0"/>
+          </a:p>
+        </p:txBody>
+      </p:sp>
+      <p:sp>
+        <p:nvSpPr>
+          <p:cNvPr id="30" name="矩形 29"/>
+          <p:cNvSpPr/>
+          <p:nvPr/>
+        </p:nvSpPr>
+        <p:spPr>
+          <a:xfrm>
+            <a:off x="3779912" y="2132856"/>
+            <a:ext cx="792087" cy="407761"/>
+          </a:xfrm>
+          <a:prstGeom prst="rect">
+            <a:avLst/>
+          </a:prstGeom>
+          <a:solidFill>
+            <a:srgbClr val="92D050"/>
+          </a:solidFill>
+          <a:ln>
+            <a:solidFill>
+              <a:schemeClr val="tx1"/>
+            </a:solidFill>
+          </a:ln>
+        </p:spPr>
+        <p:style>
+          <a:lnRef idx="2">
+            <a:schemeClr val="accent1">
+              <a:shade val="50000"/>
+            </a:schemeClr>
+          </a:lnRef>
+          <a:fillRef idx="1">
+            <a:schemeClr val="accent1"/>
+          </a:fillRef>
+          <a:effectRef idx="0">
+            <a:schemeClr val="accent1"/>
+          </a:effectRef>
+          <a:fontRef idx="minor">
+            <a:schemeClr val="lt1"/>
+          </a:fontRef>
+        </p:style>
+        <p:txBody>
+          <a:bodyPr rtlCol="0" anchor="ctr"/>
+          <a:lstStyle/>
+          <a:p>
+            <a:pPr algn="ctr"/>
+            <a:r>
+              <a:rPr lang="en-US" altLang="zh-TW" dirty="0" smtClean="0">
+                <a:solidFill>
+                  <a:schemeClr val="tx1"/>
+                </a:solidFill>
+              </a:rPr>
+              <a:t>data</a:t>
+            </a:r>
+            <a:endParaRPr lang="zh-TW" altLang="en-US" baseline="-25000" dirty="0">
+              <a:solidFill>
+                <a:schemeClr val="tx1"/>
+              </a:solidFill>
+            </a:endParaRPr>
+          </a:p>
+        </p:txBody>
+      </p:sp>
+      <p:sp>
+        <p:nvSpPr>
+          <p:cNvPr id="32" name="矩形 31"/>
+          <p:cNvSpPr/>
+          <p:nvPr/>
+        </p:nvSpPr>
+        <p:spPr>
+          <a:xfrm>
+            <a:off x="4571999" y="2132856"/>
+            <a:ext cx="288033" cy="407761"/>
+          </a:xfrm>
+          <a:prstGeom prst="rect">
+            <a:avLst/>
+          </a:prstGeom>
+          <a:solidFill>
+            <a:schemeClr val="bg1"/>
+          </a:solidFill>
+          <a:ln>
+            <a:solidFill>
+              <a:schemeClr val="tx1"/>
+            </a:solidFill>
+          </a:ln>
+        </p:spPr>
+        <p:style>
+          <a:lnRef idx="2">
+            <a:schemeClr val="accent1">
+              <a:shade val="50000"/>
+            </a:schemeClr>
+          </a:lnRef>
+          <a:fillRef idx="1">
+            <a:schemeClr val="accent1"/>
+          </a:fillRef>
+          <a:effectRef idx="0">
+            <a:schemeClr val="accent1"/>
+          </a:effectRef>
+          <a:fontRef idx="minor">
+            <a:schemeClr val="lt1"/>
+          </a:fontRef>
+        </p:style>
+        <p:txBody>
+          <a:bodyPr rtlCol="0" anchor="ctr"/>
+          <a:lstStyle/>
+          <a:p>
+            <a:pPr algn="ctr"/>
+            <a:endParaRPr lang="zh-TW" altLang="en-US" dirty="0">
+              <a:solidFill>
+                <a:schemeClr val="tx1"/>
+              </a:solidFill>
+            </a:endParaRPr>
+          </a:p>
+        </p:txBody>
+      </p:sp>
+      <p:cxnSp>
+        <p:nvCxnSpPr>
+          <p:cNvPr id="34" name="直線單箭頭接點 33"/>
+          <p:cNvCxnSpPr/>
+          <p:nvPr/>
+        </p:nvCxnSpPr>
+        <p:spPr>
+          <a:xfrm>
+            <a:off x="3059832" y="1489019"/>
+            <a:ext cx="720080" cy="0"/>
+          </a:xfrm>
+          <a:prstGeom prst="straightConnector1">
+            <a:avLst/>
+          </a:prstGeom>
+          <a:ln w="19050">
+            <a:tailEnd type="arrow"/>
+          </a:ln>
+        </p:spPr>
+        <p:style>
+          <a:lnRef idx="2">
+            <a:schemeClr val="dk1"/>
+          </a:lnRef>
+          <a:fillRef idx="0">
+            <a:schemeClr val="dk1"/>
+          </a:fillRef>
+          <a:effectRef idx="1">
+            <a:schemeClr val="dk1"/>
+          </a:effectRef>
+          <a:fontRef idx="minor">
+            <a:schemeClr val="tx1"/>
+          </a:fontRef>
+        </p:style>
+      </p:cxnSp>
+      <p:sp>
+        <p:nvSpPr>
+          <p:cNvPr id="35" name="矩形 34"/>
+          <p:cNvSpPr/>
+          <p:nvPr/>
+        </p:nvSpPr>
+        <p:spPr>
+          <a:xfrm>
+            <a:off x="3779913" y="1285138"/>
+            <a:ext cx="576064" cy="369332"/>
+          </a:xfrm>
+          <a:prstGeom prst="rect">
+            <a:avLst/>
+          </a:prstGeom>
+        </p:spPr>
+        <p:txBody>
+          <a:bodyPr wrap="square">
+            <a:spAutoFit/>
+          </a:bodyPr>
+          <a:lstStyle/>
+          <a:p>
+            <a:r>
+              <a:rPr lang="en-US" altLang="zh-TW" dirty="0" smtClean="0">
+                <a:solidFill>
+                  <a:srgbClr val="C00000"/>
+                </a:solidFill>
+              </a:rPr>
+              <a:t>Null</a:t>
+            </a:r>
+            <a:endParaRPr lang="zh-TW" altLang="en-US" dirty="0">
+              <a:solidFill>
+                <a:srgbClr val="C00000"/>
+              </a:solidFill>
+            </a:endParaRPr>
+          </a:p>
+        </p:txBody>
+      </p:sp>
+      <p:sp>
+        <p:nvSpPr>
+          <p:cNvPr id="36" name="矩形 35"/>
+          <p:cNvSpPr/>
+          <p:nvPr/>
+        </p:nvSpPr>
+        <p:spPr>
+          <a:xfrm>
+            <a:off x="4324318" y="1315915"/>
+            <a:ext cx="2456215" cy="307777"/>
+          </a:xfrm>
+          <a:prstGeom prst="rect">
+            <a:avLst/>
+          </a:prstGeom>
+        </p:spPr>
+        <p:txBody>
+          <a:bodyPr wrap="square">
+            <a:spAutoFit/>
+          </a:bodyPr>
+          <a:lstStyle/>
+          <a:p>
+            <a:r>
+              <a:rPr lang="en-US" altLang="zh-TW" sz="1400" dirty="0" smtClean="0">
+                <a:latin typeface="微軟正黑體" panose="020B0604030504040204" pitchFamily="34" charset="-120"/>
+                <a:ea typeface="微軟正黑體" panose="020B0604030504040204" pitchFamily="34" charset="-120"/>
+              </a:rPr>
+              <a:t>(1) </a:t>
+            </a:r>
+            <a:r>
+              <a:rPr lang="zh-TW" altLang="en-US" sz="1400" dirty="0" smtClean="0">
+                <a:latin typeface="微軟正黑體" panose="020B0604030504040204" pitchFamily="34" charset="-120"/>
+                <a:ea typeface="微軟正黑體" panose="020B0604030504040204" pitchFamily="34" charset="-120"/>
+              </a:rPr>
+              <a:t>如果 </a:t>
+            </a:r>
+            <a:r>
+              <a:rPr lang="en-US" altLang="zh-TW" sz="1400" dirty="0" err="1" smtClean="0"/>
+              <a:t>headPtr</a:t>
+            </a:r>
+            <a:r>
+              <a:rPr lang="zh-TW" altLang="en-US" sz="1400" dirty="0" smtClean="0"/>
+              <a:t> 指向 </a:t>
+            </a:r>
+            <a:r>
+              <a:rPr lang="en-US" altLang="zh-TW" sz="1400" dirty="0" smtClean="0"/>
+              <a:t>Null</a:t>
+            </a:r>
+          </a:p>
+        </p:txBody>
+      </p:sp>
+      <p:cxnSp>
+        <p:nvCxnSpPr>
+          <p:cNvPr id="40" name="直線單箭頭接點 39"/>
+          <p:cNvCxnSpPr/>
+          <p:nvPr/>
+        </p:nvCxnSpPr>
+        <p:spPr>
+          <a:xfrm>
+            <a:off x="4685176" y="2377000"/>
+            <a:ext cx="720080" cy="0"/>
+          </a:xfrm>
+          <a:prstGeom prst="straightConnector1">
+            <a:avLst/>
+          </a:prstGeom>
+          <a:ln w="19050">
+            <a:tailEnd type="arrow"/>
+          </a:ln>
+        </p:spPr>
+        <p:style>
+          <a:lnRef idx="2">
+            <a:schemeClr val="dk1"/>
+          </a:lnRef>
+          <a:fillRef idx="0">
+            <a:schemeClr val="dk1"/>
+          </a:fillRef>
+          <a:effectRef idx="1">
+            <a:schemeClr val="dk1"/>
+          </a:effectRef>
+          <a:fontRef idx="minor">
+            <a:schemeClr val="tx1"/>
+          </a:fontRef>
+        </p:style>
+      </p:cxnSp>
+      <p:sp>
+        <p:nvSpPr>
+          <p:cNvPr id="41" name="矩形 40"/>
+          <p:cNvSpPr/>
+          <p:nvPr/>
+        </p:nvSpPr>
+        <p:spPr>
+          <a:xfrm>
+            <a:off x="5405257" y="2173119"/>
+            <a:ext cx="576064" cy="369332"/>
+          </a:xfrm>
+          <a:prstGeom prst="rect">
+            <a:avLst/>
+          </a:prstGeom>
+        </p:spPr>
+        <p:txBody>
+          <a:bodyPr wrap="square">
+            <a:spAutoFit/>
+          </a:bodyPr>
+          <a:lstStyle/>
+          <a:p>
+            <a:r>
+              <a:rPr lang="en-US" altLang="zh-TW" dirty="0" smtClean="0">
+                <a:solidFill>
+                  <a:srgbClr val="C00000"/>
+                </a:solidFill>
+              </a:rPr>
+              <a:t>Null</a:t>
+            </a:r>
+            <a:endParaRPr lang="zh-TW" altLang="en-US" dirty="0">
+              <a:solidFill>
+                <a:srgbClr val="C00000"/>
+              </a:solidFill>
+            </a:endParaRPr>
+          </a:p>
+        </p:txBody>
+      </p:sp>
+      <p:sp>
+        <p:nvSpPr>
+          <p:cNvPr id="43" name="矩形 42"/>
+          <p:cNvSpPr/>
+          <p:nvPr/>
+        </p:nvSpPr>
+        <p:spPr>
+          <a:xfrm>
+            <a:off x="3635896" y="2668468"/>
+            <a:ext cx="1934148" cy="307777"/>
+          </a:xfrm>
+          <a:prstGeom prst="rect">
+            <a:avLst/>
+          </a:prstGeom>
+        </p:spPr>
+        <p:txBody>
+          <a:bodyPr wrap="square">
+            <a:spAutoFit/>
+          </a:bodyPr>
+          <a:lstStyle/>
+          <a:p>
+            <a:r>
+              <a:rPr lang="en-US" altLang="zh-TW" sz="1400" dirty="0" smtClean="0">
+                <a:latin typeface="微軟正黑體" panose="020B0604030504040204" pitchFamily="34" charset="-120"/>
+                <a:ea typeface="微軟正黑體" panose="020B0604030504040204" pitchFamily="34" charset="-120"/>
+              </a:rPr>
+              <a:t>(2)</a:t>
+            </a:r>
+            <a:r>
+              <a:rPr lang="zh-TW" altLang="en-US" sz="1400" dirty="0">
+                <a:latin typeface="微軟正黑體" panose="020B0604030504040204" pitchFamily="34" charset="-120"/>
+                <a:ea typeface="微軟正黑體" panose="020B0604030504040204" pitchFamily="34" charset="-120"/>
+              </a:rPr>
+              <a:t>就建立一個 </a:t>
+            </a:r>
+            <a:r>
+              <a:rPr lang="en-US" altLang="zh-TW" sz="1400" dirty="0">
+                <a:latin typeface="微軟正黑體" panose="020B0604030504040204" pitchFamily="34" charset="-120"/>
+                <a:ea typeface="微軟正黑體" panose="020B0604030504040204" pitchFamily="34" charset="-120"/>
+              </a:rPr>
+              <a:t>Node </a:t>
+            </a:r>
+            <a:endParaRPr lang="zh-TW" altLang="en-US" sz="1400" dirty="0">
+              <a:latin typeface="微軟正黑體" panose="020B0604030504040204" pitchFamily="34" charset="-120"/>
+              <a:ea typeface="微軟正黑體" panose="020B0604030504040204" pitchFamily="34" charset="-120"/>
+            </a:endParaRPr>
+          </a:p>
+        </p:txBody>
+      </p:sp>
+      <p:sp>
+        <p:nvSpPr>
+          <p:cNvPr id="17" name="矩形 16"/>
+          <p:cNvSpPr/>
+          <p:nvPr/>
+        </p:nvSpPr>
+        <p:spPr>
+          <a:xfrm>
+            <a:off x="0" y="0"/>
+            <a:ext cx="9144000" cy="369332"/>
+          </a:xfrm>
+          <a:prstGeom prst="rect">
+            <a:avLst/>
+          </a:prstGeom>
+          <a:solidFill>
+            <a:schemeClr val="accent1">
+              <a:lumMod val="40000"/>
+              <a:lumOff val="60000"/>
+            </a:schemeClr>
+          </a:solidFill>
+        </p:spPr>
+        <p:txBody>
+          <a:bodyPr wrap="square">
+            <a:spAutoFit/>
+          </a:bodyPr>
+          <a:lstStyle/>
+          <a:p>
+            <a:r>
+              <a:rPr lang="zh-TW" altLang="en-US" dirty="0">
+                <a:latin typeface="微軟正黑體" panose="020B0604030504040204" pitchFamily="34" charset="-120"/>
+                <a:ea typeface="微軟正黑體" panose="020B0604030504040204" pitchFamily="34" charset="-120"/>
+              </a:rPr>
+              <a:t>頭</a:t>
+            </a:r>
+            <a:r>
+              <a:rPr lang="zh-TW" altLang="en-US" dirty="0" smtClean="0">
+                <a:latin typeface="微軟正黑體" panose="020B0604030504040204" pitchFamily="34" charset="-120"/>
+                <a:ea typeface="微軟正黑體" panose="020B0604030504040204" pitchFamily="34" charset="-120"/>
+              </a:rPr>
+              <a:t>插法 </a:t>
+            </a:r>
+            <a:r>
+              <a:rPr lang="en-US" altLang="zh-TW" dirty="0" err="1" smtClean="0">
+                <a:latin typeface="微軟正黑體" panose="020B0604030504040204" pitchFamily="34" charset="-120"/>
+                <a:ea typeface="微軟正黑體" panose="020B0604030504040204" pitchFamily="34" charset="-120"/>
+              </a:rPr>
+              <a:t>ListInsertHead</a:t>
+            </a:r>
+            <a:r>
+              <a:rPr lang="en-US" altLang="zh-TW" dirty="0" smtClean="0">
+                <a:latin typeface="微軟正黑體" panose="020B0604030504040204" pitchFamily="34" charset="-120"/>
+                <a:ea typeface="微軟正黑體" panose="020B0604030504040204" pitchFamily="34" charset="-120"/>
+              </a:rPr>
+              <a:t>() </a:t>
+            </a:r>
+            <a:r>
+              <a:rPr lang="en-US" altLang="zh-TW" dirty="0" err="1">
+                <a:latin typeface="微軟正黑體" panose="020B0604030504040204" pitchFamily="34" charset="-120"/>
+                <a:ea typeface="微軟正黑體" panose="020B0604030504040204" pitchFamily="34" charset="-120"/>
+              </a:rPr>
+              <a:t>headPtr</a:t>
+            </a:r>
+            <a:r>
+              <a:rPr lang="zh-TW" altLang="en-US" dirty="0">
+                <a:latin typeface="微軟正黑體" panose="020B0604030504040204" pitchFamily="34" charset="-120"/>
+                <a:ea typeface="微軟正黑體" panose="020B0604030504040204" pitchFamily="34" charset="-120"/>
+              </a:rPr>
+              <a:t> </a:t>
+            </a:r>
+            <a:r>
+              <a:rPr lang="zh-TW" altLang="en-US" dirty="0" smtClean="0">
+                <a:latin typeface="微軟正黑體" panose="020B0604030504040204" pitchFamily="34" charset="-120"/>
+                <a:ea typeface="微軟正黑體" panose="020B0604030504040204" pitchFamily="34" charset="-120"/>
+              </a:rPr>
+              <a:t>指向 </a:t>
+            </a:r>
+            <a:r>
+              <a:rPr lang="en-US" altLang="zh-TW" dirty="0">
+                <a:latin typeface="微軟正黑體" panose="020B0604030504040204" pitchFamily="34" charset="-120"/>
+                <a:ea typeface="微軟正黑體" panose="020B0604030504040204" pitchFamily="34" charset="-120"/>
+              </a:rPr>
+              <a:t>Null</a:t>
+            </a:r>
+            <a:endParaRPr lang="zh-TW" altLang="en-US" dirty="0">
+              <a:latin typeface="微軟正黑體" panose="020B0604030504040204" pitchFamily="34" charset="-120"/>
+              <a:ea typeface="微軟正黑體" panose="020B0604030504040204" pitchFamily="34" charset="-120"/>
+            </a:endParaRPr>
+          </a:p>
+        </p:txBody>
+      </p:sp>
+    </p:spTree>
+    <p:extLst>
+      <p:ext uri="{BB962C8B-B14F-4D97-AF65-F5344CB8AC3E}">
+        <p14:creationId xmlns:p14="http://schemas.microsoft.com/office/powerpoint/2010/main" val="633900342"/>
       </p:ext>
     </p:extLst>
   </p:cSld>
